--- a/hw02.pptx
+++ b/hw02.pptx
@@ -2,18 +2,26 @@
 <file path=ppt/presentation.xml><?xml version="1.0" encoding="utf-8"?>
 <p:presentation xmlns:a="http://schemas.openxmlformats.org/drawingml/2006/main" xmlns:r="http://schemas.openxmlformats.org/officeDocument/2006/relationships" xmlns:p="http://schemas.openxmlformats.org/presentationml/2006/main" saveSubsetFonts="1">
   <p:sldMasterIdLst>
-    <p:sldMasterId id="2147483648" r:id="rId1"/>
+    <p:sldMasterId id="2147483678" r:id="rId1"/>
   </p:sldMasterIdLst>
   <p:sldIdLst>
-    <p:sldId id="256" r:id="rId2"/>
+    <p:sldId id="273" r:id="rId2"/>
+    <p:sldId id="257" r:id="rId3"/>
+    <p:sldId id="267" r:id="rId4"/>
+    <p:sldId id="268" r:id="rId5"/>
+    <p:sldId id="269" r:id="rId6"/>
+    <p:sldId id="270" r:id="rId7"/>
+    <p:sldId id="271" r:id="rId8"/>
+    <p:sldId id="272" r:id="rId9"/>
+    <p:sldId id="274" r:id="rId10"/>
   </p:sldIdLst>
   <p:sldSz cx="12192000" cy="6858000"/>
   <p:notesSz cx="6858000" cy="9144000"/>
   <p:defaultTextStyle>
     <a:defPPr>
-      <a:defRPr lang="zh-TW"/>
+      <a:defRPr lang="en-US"/>
     </a:defPPr>
-    <a:lvl1pPr marL="0" algn="l" defTabSz="914400" rtl="0" eaLnBrk="1" latinLnBrk="0" hangingPunct="1">
+    <a:lvl1pPr marL="0" algn="l" defTabSz="457200" rtl="0" eaLnBrk="1" latinLnBrk="0" hangingPunct="1">
       <a:defRPr sz="1800" kern="1200">
         <a:solidFill>
           <a:schemeClr val="tx1"/>
@@ -23,7 +31,7 @@
         <a:cs typeface="+mn-cs"/>
       </a:defRPr>
     </a:lvl1pPr>
-    <a:lvl2pPr marL="457200" algn="l" defTabSz="914400" rtl="0" eaLnBrk="1" latinLnBrk="0" hangingPunct="1">
+    <a:lvl2pPr marL="457200" algn="l" defTabSz="457200" rtl="0" eaLnBrk="1" latinLnBrk="0" hangingPunct="1">
       <a:defRPr sz="1800" kern="1200">
         <a:solidFill>
           <a:schemeClr val="tx1"/>
@@ -33,7 +41,7 @@
         <a:cs typeface="+mn-cs"/>
       </a:defRPr>
     </a:lvl2pPr>
-    <a:lvl3pPr marL="914400" algn="l" defTabSz="914400" rtl="0" eaLnBrk="1" latinLnBrk="0" hangingPunct="1">
+    <a:lvl3pPr marL="914400" algn="l" defTabSz="457200" rtl="0" eaLnBrk="1" latinLnBrk="0" hangingPunct="1">
       <a:defRPr sz="1800" kern="1200">
         <a:solidFill>
           <a:schemeClr val="tx1"/>
@@ -43,7 +51,7 @@
         <a:cs typeface="+mn-cs"/>
       </a:defRPr>
     </a:lvl3pPr>
-    <a:lvl4pPr marL="1371600" algn="l" defTabSz="914400" rtl="0" eaLnBrk="1" latinLnBrk="0" hangingPunct="1">
+    <a:lvl4pPr marL="1371600" algn="l" defTabSz="457200" rtl="0" eaLnBrk="1" latinLnBrk="0" hangingPunct="1">
       <a:defRPr sz="1800" kern="1200">
         <a:solidFill>
           <a:schemeClr val="tx1"/>
@@ -53,7 +61,7 @@
         <a:cs typeface="+mn-cs"/>
       </a:defRPr>
     </a:lvl4pPr>
-    <a:lvl5pPr marL="1828800" algn="l" defTabSz="914400" rtl="0" eaLnBrk="1" latinLnBrk="0" hangingPunct="1">
+    <a:lvl5pPr marL="1828800" algn="l" defTabSz="457200" rtl="0" eaLnBrk="1" latinLnBrk="0" hangingPunct="1">
       <a:defRPr sz="1800" kern="1200">
         <a:solidFill>
           <a:schemeClr val="tx1"/>
@@ -63,7 +71,7 @@
         <a:cs typeface="+mn-cs"/>
       </a:defRPr>
     </a:lvl5pPr>
-    <a:lvl6pPr marL="2286000" algn="l" defTabSz="914400" rtl="0" eaLnBrk="1" latinLnBrk="0" hangingPunct="1">
+    <a:lvl6pPr marL="2286000" algn="l" defTabSz="457200" rtl="0" eaLnBrk="1" latinLnBrk="0" hangingPunct="1">
       <a:defRPr sz="1800" kern="1200">
         <a:solidFill>
           <a:schemeClr val="tx1"/>
@@ -73,7 +81,7 @@
         <a:cs typeface="+mn-cs"/>
       </a:defRPr>
     </a:lvl6pPr>
-    <a:lvl7pPr marL="2743200" algn="l" defTabSz="914400" rtl="0" eaLnBrk="1" latinLnBrk="0" hangingPunct="1">
+    <a:lvl7pPr marL="2743200" algn="l" defTabSz="457200" rtl="0" eaLnBrk="1" latinLnBrk="0" hangingPunct="1">
       <a:defRPr sz="1800" kern="1200">
         <a:solidFill>
           <a:schemeClr val="tx1"/>
@@ -83,7 +91,7 @@
         <a:cs typeface="+mn-cs"/>
       </a:defRPr>
     </a:lvl7pPr>
-    <a:lvl8pPr marL="3200400" algn="l" defTabSz="914400" rtl="0" eaLnBrk="1" latinLnBrk="0" hangingPunct="1">
+    <a:lvl8pPr marL="3200400" algn="l" defTabSz="457200" rtl="0" eaLnBrk="1" latinLnBrk="0" hangingPunct="1">
       <a:defRPr sz="1800" kern="1200">
         <a:solidFill>
           <a:schemeClr val="tx1"/>
@@ -93,7 +101,7 @@
         <a:cs typeface="+mn-cs"/>
       </a:defRPr>
     </a:lvl8pPr>
-    <a:lvl9pPr marL="3657600" algn="l" defTabSz="914400" rtl="0" eaLnBrk="1" latinLnBrk="0" hangingPunct="1">
+    <a:lvl9pPr marL="3657600" algn="l" defTabSz="457200" rtl="0" eaLnBrk="1" latinLnBrk="0" hangingPunct="1">
       <a:defRPr sz="1800" kern="1200">
         <a:solidFill>
           <a:schemeClr val="tx1"/>
@@ -104,6 +112,11 @@
       </a:defRPr>
     </a:lvl9pPr>
   </p:defaultTextStyle>
+  <p:extLst>
+    <p:ext uri="{EFAFB233-063F-42B5-8137-9DF3F51BA10A}">
+      <p15:sldGuideLst xmlns:p15="http://schemas.microsoft.com/office/powerpoint/2012/main"/>
+    </p:ext>
+  </p:extLst>
 </p:presentation>
 </file>
 
@@ -126,13 +139,7 @@
       </p:grpSpPr>
       <p:sp>
         <p:nvSpPr>
-          <p:cNvPr id="2" name="標題 1">
-            <a:extLst>
-              <a:ext uri="{FF2B5EF4-FFF2-40B4-BE49-F238E27FC236}">
-                <a16:creationId xmlns:a16="http://schemas.microsoft.com/office/drawing/2014/main" id="{EB5CC918-B447-434E-B98E-5847BB49C259}"/>
-              </a:ext>
-            </a:extLst>
-          </p:cNvPr>
+          <p:cNvPr id="2" name="Title 1"/>
           <p:cNvSpPr>
             <a:spLocks noGrp="1"/>
           </p:cNvSpPr>
@@ -142,15 +149,17 @@
         </p:nvSpPr>
         <p:spPr>
           <a:xfrm>
-            <a:off x="1524000" y="1122363"/>
-            <a:ext cx="9144000" cy="2387600"/>
+            <a:off x="1370693" y="1769540"/>
+            <a:ext cx="9440034" cy="1828801"/>
           </a:xfrm>
         </p:spPr>
         <p:txBody>
-          <a:bodyPr anchor="b"/>
+          <a:bodyPr anchor="b">
+            <a:normAutofit/>
+          </a:bodyPr>
           <a:lstStyle>
             <a:lvl1pPr algn="ctr">
-              <a:defRPr sz="6000"/>
+              <a:defRPr sz="5400"/>
             </a:lvl1pPr>
           </a:lstStyle>
           <a:p>
@@ -158,18 +167,13 @@
               <a:rPr lang="zh-TW" altLang="en-US"/>
               <a:t>按一下以編輯母片標題樣式</a:t>
             </a:r>
-          </a:p>
-        </p:txBody>
-      </p:sp>
-      <p:sp>
-        <p:nvSpPr>
-          <p:cNvPr id="3" name="副標題 2">
-            <a:extLst>
-              <a:ext uri="{FF2B5EF4-FFF2-40B4-BE49-F238E27FC236}">
-                <a16:creationId xmlns:a16="http://schemas.microsoft.com/office/drawing/2014/main" id="{817FCC70-CC4E-4CB6-B2CF-9FDA5AC4D346}"/>
-              </a:ext>
-            </a:extLst>
-          </p:cNvPr>
+            <a:endParaRPr lang="en-US" dirty="0"/>
+          </a:p>
+        </p:txBody>
+      </p:sp>
+      <p:sp>
+        <p:nvSpPr>
+          <p:cNvPr id="3" name="Subtitle 2"/>
           <p:cNvSpPr>
             <a:spLocks noGrp="1"/>
           </p:cNvSpPr>
@@ -179,48 +183,100 @@
         </p:nvSpPr>
         <p:spPr>
           <a:xfrm>
-            <a:off x="1524000" y="3602038"/>
-            <a:ext cx="9144000" cy="1655762"/>
+            <a:off x="1370693" y="3598339"/>
+            <a:ext cx="9440034" cy="1049867"/>
           </a:xfrm>
         </p:spPr>
         <p:txBody>
-          <a:bodyPr/>
+          <a:bodyPr anchor="t"/>
           <a:lstStyle>
             <a:lvl1pPr marL="0" indent="0" algn="ctr">
               <a:buNone/>
-              <a:defRPr sz="2400"/>
+              <a:defRPr>
+                <a:solidFill>
+                  <a:schemeClr val="tx1"/>
+                </a:solidFill>
+              </a:defRPr>
             </a:lvl1pPr>
             <a:lvl2pPr marL="457200" indent="0" algn="ctr">
               <a:buNone/>
-              <a:defRPr sz="2000"/>
+              <a:defRPr>
+                <a:solidFill>
+                  <a:schemeClr val="tx1">
+                    <a:tint val="75000"/>
+                  </a:schemeClr>
+                </a:solidFill>
+              </a:defRPr>
             </a:lvl2pPr>
             <a:lvl3pPr marL="914400" indent="0" algn="ctr">
               <a:buNone/>
-              <a:defRPr sz="1800"/>
+              <a:defRPr>
+                <a:solidFill>
+                  <a:schemeClr val="tx1">
+                    <a:tint val="75000"/>
+                  </a:schemeClr>
+                </a:solidFill>
+              </a:defRPr>
             </a:lvl3pPr>
             <a:lvl4pPr marL="1371600" indent="0" algn="ctr">
               <a:buNone/>
-              <a:defRPr sz="1600"/>
+              <a:defRPr>
+                <a:solidFill>
+                  <a:schemeClr val="tx1">
+                    <a:tint val="75000"/>
+                  </a:schemeClr>
+                </a:solidFill>
+              </a:defRPr>
             </a:lvl4pPr>
             <a:lvl5pPr marL="1828800" indent="0" algn="ctr">
               <a:buNone/>
-              <a:defRPr sz="1600"/>
+              <a:defRPr>
+                <a:solidFill>
+                  <a:schemeClr val="tx1">
+                    <a:tint val="75000"/>
+                  </a:schemeClr>
+                </a:solidFill>
+              </a:defRPr>
             </a:lvl5pPr>
             <a:lvl6pPr marL="2286000" indent="0" algn="ctr">
               <a:buNone/>
-              <a:defRPr sz="1600"/>
+              <a:defRPr>
+                <a:solidFill>
+                  <a:schemeClr val="tx1">
+                    <a:tint val="75000"/>
+                  </a:schemeClr>
+                </a:solidFill>
+              </a:defRPr>
             </a:lvl6pPr>
             <a:lvl7pPr marL="2743200" indent="0" algn="ctr">
               <a:buNone/>
-              <a:defRPr sz="1600"/>
+              <a:defRPr>
+                <a:solidFill>
+                  <a:schemeClr val="tx1">
+                    <a:tint val="75000"/>
+                  </a:schemeClr>
+                </a:solidFill>
+              </a:defRPr>
             </a:lvl7pPr>
             <a:lvl8pPr marL="3200400" indent="0" algn="ctr">
               <a:buNone/>
-              <a:defRPr sz="1600"/>
+              <a:defRPr>
+                <a:solidFill>
+                  <a:schemeClr val="tx1">
+                    <a:tint val="75000"/>
+                  </a:schemeClr>
+                </a:solidFill>
+              </a:defRPr>
             </a:lvl8pPr>
             <a:lvl9pPr marL="3657600" indent="0" algn="ctr">
               <a:buNone/>
-              <a:defRPr sz="1600"/>
+              <a:defRPr>
+                <a:solidFill>
+                  <a:schemeClr val="tx1">
+                    <a:tint val="75000"/>
+                  </a:schemeClr>
+                </a:solidFill>
+              </a:defRPr>
             </a:lvl9pPr>
           </a:lstStyle>
           <a:p>
@@ -228,18 +284,13 @@
               <a:rPr lang="zh-TW" altLang="en-US"/>
               <a:t>按一下以編輯母片子標題樣式</a:t>
             </a:r>
-          </a:p>
-        </p:txBody>
-      </p:sp>
-      <p:sp>
-        <p:nvSpPr>
-          <p:cNvPr id="4" name="日期版面配置區 3">
-            <a:extLst>
-              <a:ext uri="{FF2B5EF4-FFF2-40B4-BE49-F238E27FC236}">
-                <a16:creationId xmlns:a16="http://schemas.microsoft.com/office/drawing/2014/main" id="{BD08F018-0004-4322-AD0F-E6E740964233}"/>
-              </a:ext>
-            </a:extLst>
-          </p:cNvPr>
+            <a:endParaRPr lang="en-US" dirty="0"/>
+          </a:p>
+        </p:txBody>
+      </p:sp>
+      <p:sp>
+        <p:nvSpPr>
+          <p:cNvPr id="4" name="Date Placeholder 3"/>
           <p:cNvSpPr>
             <a:spLocks noGrp="1"/>
           </p:cNvSpPr>
@@ -252,9 +303,9 @@
           <a:bodyPr/>
           <a:lstStyle/>
           <a:p>
-            <a:fld id="{C3C90D7E-32D6-4894-AE08-7BBB3E610FC9}" type="datetimeFigureOut">
+            <a:fld id="{E1DD0487-E332-49B6-A37F-C5F91A3D4890}" type="datetimeFigureOut">
               <a:rPr lang="zh-TW" altLang="en-US" smtClean="0"/>
-              <a:t>2024/9/16</a:t>
+              <a:t>2024/10/9</a:t>
             </a:fld>
             <a:endParaRPr lang="zh-TW" altLang="en-US"/>
           </a:p>
@@ -262,13 +313,7 @@
       </p:sp>
       <p:sp>
         <p:nvSpPr>
-          <p:cNvPr id="5" name="頁尾版面配置區 4">
-            <a:extLst>
-              <a:ext uri="{FF2B5EF4-FFF2-40B4-BE49-F238E27FC236}">
-                <a16:creationId xmlns:a16="http://schemas.microsoft.com/office/drawing/2014/main" id="{30427B34-CB13-41C7-B2F2-CED9BDC5B595}"/>
-              </a:ext>
-            </a:extLst>
-          </p:cNvPr>
+          <p:cNvPr id="5" name="Footer Placeholder 4"/>
           <p:cNvSpPr>
             <a:spLocks noGrp="1"/>
           </p:cNvSpPr>
@@ -287,13 +332,7 @@
       </p:sp>
       <p:sp>
         <p:nvSpPr>
-          <p:cNvPr id="6" name="投影片編號版面配置區 5">
-            <a:extLst>
-              <a:ext uri="{FF2B5EF4-FFF2-40B4-BE49-F238E27FC236}">
-                <a16:creationId xmlns:a16="http://schemas.microsoft.com/office/drawing/2014/main" id="{76FA962E-5B03-439A-928C-87366876542D}"/>
-              </a:ext>
-            </a:extLst>
-          </p:cNvPr>
+          <p:cNvPr id="6" name="Slide Number Placeholder 5"/>
           <p:cNvSpPr>
             <a:spLocks noGrp="1"/>
           </p:cNvSpPr>
@@ -306,7 +345,7 @@
           <a:bodyPr/>
           <a:lstStyle/>
           <a:p>
-            <a:fld id="{E31EC408-072F-4346-BD0A-D6AA5788A305}" type="slidenum">
+            <a:fld id="{BE1853FA-6D88-4DD5-8D05-041AB1763DEF}" type="slidenum">
               <a:rPr lang="zh-TW" altLang="en-US" smtClean="0"/>
               <a:t>‹#›</a:t>
             </a:fld>
@@ -317,7 +356,7 @@
     </p:spTree>
     <p:extLst>
       <p:ext uri="{BB962C8B-B14F-4D97-AF65-F5344CB8AC3E}">
-        <p14:creationId xmlns:p14="http://schemas.microsoft.com/office/powerpoint/2010/main" val="2963035110"/>
+        <p14:creationId xmlns:p14="http://schemas.microsoft.com/office/powerpoint/2010/main" val="2073771956"/>
       </p:ext>
     </p:extLst>
   </p:cSld>
@@ -328,6 +367,2582 @@
 </file>
 
 <file path=ppt/slideLayouts/slideLayout10.xml><?xml version="1.0" encoding="utf-8"?>
+<p:sldLayout xmlns:a="http://schemas.openxmlformats.org/drawingml/2006/main" xmlns:r="http://schemas.openxmlformats.org/officeDocument/2006/relationships" xmlns:p="http://schemas.openxmlformats.org/presentationml/2006/main" preserve="1">
+  <p:cSld name="全景圖片 (含輔助字幕)">
+    <p:spTree>
+      <p:nvGrpSpPr>
+        <p:cNvPr id="1" name=""/>
+        <p:cNvGrpSpPr/>
+        <p:nvPr/>
+      </p:nvGrpSpPr>
+      <p:grpSpPr>
+        <a:xfrm>
+          <a:off x="0" y="0"/>
+          <a:ext cx="0" cy="0"/>
+          <a:chOff x="0" y="0"/>
+          <a:chExt cx="0" cy="0"/>
+        </a:xfrm>
+      </p:grpSpPr>
+      <p:pic>
+        <p:nvPicPr>
+          <p:cNvPr id="16" name="Picture 15" descr="Slate-V2-HD-panoPhotoInset.png"/>
+          <p:cNvPicPr>
+            <a:picLocks noChangeAspect="1"/>
+          </p:cNvPicPr>
+          <p:nvPr/>
+        </p:nvPicPr>
+        <p:blipFill>
+          <a:blip r:embed="rId2">
+            <a:extLst>
+              <a:ext uri="{28A0092B-C50C-407E-A947-70E740481C1C}">
+                <a14:useLocalDpi xmlns:a14="http://schemas.microsoft.com/office/drawing/2010/main" val="0"/>
+              </a:ext>
+            </a:extLst>
+          </a:blip>
+          <a:stretch>
+            <a:fillRect/>
+          </a:stretch>
+        </p:blipFill>
+        <p:spPr>
+          <a:xfrm>
+            <a:off x="1013883" y="547807"/>
+            <a:ext cx="10141799" cy="3816806"/>
+          </a:xfrm>
+          <a:prstGeom prst="rect">
+            <a:avLst/>
+          </a:prstGeom>
+        </p:spPr>
+      </p:pic>
+      <p:sp>
+        <p:nvSpPr>
+          <p:cNvPr id="2" name="Title 1"/>
+          <p:cNvSpPr>
+            <a:spLocks noGrp="1"/>
+          </p:cNvSpPr>
+          <p:nvPr>
+            <p:ph type="title"/>
+          </p:nvPr>
+        </p:nvSpPr>
+        <p:spPr>
+          <a:xfrm>
+            <a:off x="913806" y="4565255"/>
+            <a:ext cx="10355326" cy="543472"/>
+          </a:xfrm>
+        </p:spPr>
+        <p:txBody>
+          <a:bodyPr anchor="b">
+            <a:normAutofit/>
+          </a:bodyPr>
+          <a:lstStyle>
+            <a:lvl1pPr algn="ctr">
+              <a:defRPr sz="2800"/>
+            </a:lvl1pPr>
+          </a:lstStyle>
+          <a:p>
+            <a:r>
+              <a:rPr lang="zh-TW" altLang="en-US"/>
+              <a:t>按一下以編輯母片標題樣式</a:t>
+            </a:r>
+            <a:endParaRPr lang="en-US" dirty="0"/>
+          </a:p>
+        </p:txBody>
+      </p:sp>
+      <p:sp>
+        <p:nvSpPr>
+          <p:cNvPr id="3" name="Picture Placeholder 2"/>
+          <p:cNvSpPr>
+            <a:spLocks noGrp="1" noChangeAspect="1"/>
+          </p:cNvSpPr>
+          <p:nvPr>
+            <p:ph type="pic" idx="1"/>
+          </p:nvPr>
+        </p:nvSpPr>
+        <p:spPr>
+          <a:xfrm>
+            <a:off x="1169349" y="695009"/>
+            <a:ext cx="9845346" cy="3525671"/>
+          </a:xfrm>
+          <a:effectLst>
+            <a:outerShdw blurRad="38100" dist="25400" dir="4440000">
+              <a:srgbClr val="000000">
+                <a:alpha val="36000"/>
+              </a:srgbClr>
+            </a:outerShdw>
+          </a:effectLst>
+        </p:spPr>
+        <p:txBody>
+          <a:bodyPr anchor="t">
+            <a:normAutofit/>
+          </a:bodyPr>
+          <a:lstStyle>
+            <a:lvl1pPr marL="0" indent="0" algn="ctr">
+              <a:buNone/>
+              <a:defRPr sz="2000"/>
+            </a:lvl1pPr>
+            <a:lvl2pPr marL="457200" indent="0">
+              <a:buNone/>
+              <a:defRPr sz="2000"/>
+            </a:lvl2pPr>
+            <a:lvl3pPr marL="914400" indent="0">
+              <a:buNone/>
+              <a:defRPr sz="2000"/>
+            </a:lvl3pPr>
+            <a:lvl4pPr marL="1371600" indent="0">
+              <a:buNone/>
+              <a:defRPr sz="2000"/>
+            </a:lvl4pPr>
+            <a:lvl5pPr marL="1828800" indent="0">
+              <a:buNone/>
+              <a:defRPr sz="2000"/>
+            </a:lvl5pPr>
+            <a:lvl6pPr marL="2286000" indent="0">
+              <a:buNone/>
+              <a:defRPr sz="2000"/>
+            </a:lvl6pPr>
+            <a:lvl7pPr marL="2743200" indent="0">
+              <a:buNone/>
+              <a:defRPr sz="2000"/>
+            </a:lvl7pPr>
+            <a:lvl8pPr marL="3200400" indent="0">
+              <a:buNone/>
+              <a:defRPr sz="2000"/>
+            </a:lvl8pPr>
+            <a:lvl9pPr marL="3657600" indent="0">
+              <a:buNone/>
+              <a:defRPr sz="2000"/>
+            </a:lvl9pPr>
+          </a:lstStyle>
+          <a:p>
+            <a:r>
+              <a:rPr lang="zh-TW" altLang="en-US"/>
+              <a:t>按一下圖示以新增圖片</a:t>
+            </a:r>
+            <a:endParaRPr lang="en-US" dirty="0"/>
+          </a:p>
+        </p:txBody>
+      </p:sp>
+      <p:sp>
+        <p:nvSpPr>
+          <p:cNvPr id="4" name="Text Placeholder 3"/>
+          <p:cNvSpPr>
+            <a:spLocks noGrp="1"/>
+          </p:cNvSpPr>
+          <p:nvPr>
+            <p:ph type="body" sz="half" idx="2"/>
+          </p:nvPr>
+        </p:nvSpPr>
+        <p:spPr>
+          <a:xfrm>
+            <a:off x="913795" y="5108728"/>
+            <a:ext cx="10353762" cy="682472"/>
+          </a:xfrm>
+        </p:spPr>
+        <p:txBody>
+          <a:bodyPr anchor="t"/>
+          <a:lstStyle>
+            <a:lvl1pPr marL="0" indent="0" algn="ctr">
+              <a:buNone/>
+              <a:defRPr sz="1600"/>
+            </a:lvl1pPr>
+            <a:lvl2pPr marL="457200" indent="0">
+              <a:buNone/>
+              <a:defRPr sz="1400"/>
+            </a:lvl2pPr>
+            <a:lvl3pPr marL="914400" indent="0">
+              <a:buNone/>
+              <a:defRPr sz="1200"/>
+            </a:lvl3pPr>
+            <a:lvl4pPr marL="1371600" indent="0">
+              <a:buNone/>
+              <a:defRPr sz="1000"/>
+            </a:lvl4pPr>
+            <a:lvl5pPr marL="1828800" indent="0">
+              <a:buNone/>
+              <a:defRPr sz="1000"/>
+            </a:lvl5pPr>
+            <a:lvl6pPr marL="2286000" indent="0">
+              <a:buNone/>
+              <a:defRPr sz="1000"/>
+            </a:lvl6pPr>
+            <a:lvl7pPr marL="2743200" indent="0">
+              <a:buNone/>
+              <a:defRPr sz="1000"/>
+            </a:lvl7pPr>
+            <a:lvl8pPr marL="3200400" indent="0">
+              <a:buNone/>
+              <a:defRPr sz="1000"/>
+            </a:lvl8pPr>
+            <a:lvl9pPr marL="3657600" indent="0">
+              <a:buNone/>
+              <a:defRPr sz="1000"/>
+            </a:lvl9pPr>
+          </a:lstStyle>
+          <a:p>
+            <a:pPr lvl="0"/>
+            <a:r>
+              <a:rPr lang="zh-TW" altLang="en-US"/>
+              <a:t>按一下以編輯母片文字樣式</a:t>
+            </a:r>
+          </a:p>
+        </p:txBody>
+      </p:sp>
+      <p:sp>
+        <p:nvSpPr>
+          <p:cNvPr id="5" name="Date Placeholder 4"/>
+          <p:cNvSpPr>
+            <a:spLocks noGrp="1"/>
+          </p:cNvSpPr>
+          <p:nvPr>
+            <p:ph type="dt" sz="half" idx="10"/>
+          </p:nvPr>
+        </p:nvSpPr>
+        <p:spPr/>
+        <p:txBody>
+          <a:bodyPr/>
+          <a:lstStyle/>
+          <a:p>
+            <a:fld id="{E1DD0487-E332-49B6-A37F-C5F91A3D4890}" type="datetimeFigureOut">
+              <a:rPr lang="zh-TW" altLang="en-US" smtClean="0"/>
+              <a:t>2024/10/9</a:t>
+            </a:fld>
+            <a:endParaRPr lang="zh-TW" altLang="en-US"/>
+          </a:p>
+        </p:txBody>
+      </p:sp>
+      <p:sp>
+        <p:nvSpPr>
+          <p:cNvPr id="6" name="Footer Placeholder 5"/>
+          <p:cNvSpPr>
+            <a:spLocks noGrp="1"/>
+          </p:cNvSpPr>
+          <p:nvPr>
+            <p:ph type="ftr" sz="quarter" idx="11"/>
+          </p:nvPr>
+        </p:nvSpPr>
+        <p:spPr/>
+        <p:txBody>
+          <a:bodyPr/>
+          <a:lstStyle/>
+          <a:p>
+            <a:endParaRPr lang="zh-TW" altLang="en-US"/>
+          </a:p>
+        </p:txBody>
+      </p:sp>
+      <p:sp>
+        <p:nvSpPr>
+          <p:cNvPr id="7" name="Slide Number Placeholder 6"/>
+          <p:cNvSpPr>
+            <a:spLocks noGrp="1"/>
+          </p:cNvSpPr>
+          <p:nvPr>
+            <p:ph type="sldNum" sz="quarter" idx="12"/>
+          </p:nvPr>
+        </p:nvSpPr>
+        <p:spPr/>
+        <p:txBody>
+          <a:bodyPr/>
+          <a:lstStyle/>
+          <a:p>
+            <a:fld id="{BE1853FA-6D88-4DD5-8D05-041AB1763DEF}" type="slidenum">
+              <a:rPr lang="zh-TW" altLang="en-US" smtClean="0"/>
+              <a:t>‹#›</a:t>
+            </a:fld>
+            <a:endParaRPr lang="zh-TW" altLang="en-US"/>
+          </a:p>
+        </p:txBody>
+      </p:sp>
+    </p:spTree>
+    <p:extLst>
+      <p:ext uri="{BB962C8B-B14F-4D97-AF65-F5344CB8AC3E}">
+        <p14:creationId xmlns:p14="http://schemas.microsoft.com/office/powerpoint/2010/main" val="1799547546"/>
+      </p:ext>
+    </p:extLst>
+  </p:cSld>
+  <p:clrMapOvr>
+    <a:masterClrMapping/>
+  </p:clrMapOvr>
+</p:sldLayout>
+</file>
+
+<file path=ppt/slideLayouts/slideLayout11.xml><?xml version="1.0" encoding="utf-8"?>
+<p:sldLayout xmlns:a="http://schemas.openxmlformats.org/drawingml/2006/main" xmlns:r="http://schemas.openxmlformats.org/officeDocument/2006/relationships" xmlns:p="http://schemas.openxmlformats.org/presentationml/2006/main" preserve="1">
+  <p:cSld name="標題與輔助字幕">
+    <p:spTree>
+      <p:nvGrpSpPr>
+        <p:cNvPr id="1" name=""/>
+        <p:cNvGrpSpPr/>
+        <p:nvPr/>
+      </p:nvGrpSpPr>
+      <p:grpSpPr>
+        <a:xfrm>
+          <a:off x="0" y="0"/>
+          <a:ext cx="0" cy="0"/>
+          <a:chOff x="0" y="0"/>
+          <a:chExt cx="0" cy="0"/>
+        </a:xfrm>
+      </p:grpSpPr>
+      <p:sp>
+        <p:nvSpPr>
+          <p:cNvPr id="2" name="Title 1"/>
+          <p:cNvSpPr>
+            <a:spLocks noGrp="1"/>
+          </p:cNvSpPr>
+          <p:nvPr>
+            <p:ph type="title"/>
+          </p:nvPr>
+        </p:nvSpPr>
+        <p:spPr>
+          <a:xfrm>
+            <a:off x="913795" y="608437"/>
+            <a:ext cx="10353762" cy="3534344"/>
+          </a:xfrm>
+        </p:spPr>
+        <p:txBody>
+          <a:bodyPr anchor="ctr"/>
+          <a:lstStyle>
+            <a:lvl1pPr>
+              <a:defRPr sz="3200"/>
+            </a:lvl1pPr>
+          </a:lstStyle>
+          <a:p>
+            <a:r>
+              <a:rPr lang="zh-TW" altLang="en-US"/>
+              <a:t>按一下以編輯母片標題樣式</a:t>
+            </a:r>
+            <a:endParaRPr lang="en-US" dirty="0"/>
+          </a:p>
+        </p:txBody>
+      </p:sp>
+      <p:sp>
+        <p:nvSpPr>
+          <p:cNvPr id="4" name="Text Placeholder 3"/>
+          <p:cNvSpPr>
+            <a:spLocks noGrp="1"/>
+          </p:cNvSpPr>
+          <p:nvPr>
+            <p:ph type="body" sz="half" idx="2"/>
+          </p:nvPr>
+        </p:nvSpPr>
+        <p:spPr>
+          <a:xfrm>
+            <a:off x="913794" y="4295180"/>
+            <a:ext cx="10353763" cy="1501826"/>
+          </a:xfrm>
+        </p:spPr>
+        <p:txBody>
+          <a:bodyPr anchor="ctr"/>
+          <a:lstStyle>
+            <a:lvl1pPr marL="0" indent="0" algn="ctr">
+              <a:buNone/>
+              <a:defRPr sz="1600"/>
+            </a:lvl1pPr>
+            <a:lvl2pPr marL="457200" indent="0">
+              <a:buNone/>
+              <a:defRPr sz="1400"/>
+            </a:lvl2pPr>
+            <a:lvl3pPr marL="914400" indent="0">
+              <a:buNone/>
+              <a:defRPr sz="1200"/>
+            </a:lvl3pPr>
+            <a:lvl4pPr marL="1371600" indent="0">
+              <a:buNone/>
+              <a:defRPr sz="1000"/>
+            </a:lvl4pPr>
+            <a:lvl5pPr marL="1828800" indent="0">
+              <a:buNone/>
+              <a:defRPr sz="1000"/>
+            </a:lvl5pPr>
+            <a:lvl6pPr marL="2286000" indent="0">
+              <a:buNone/>
+              <a:defRPr sz="1000"/>
+            </a:lvl6pPr>
+            <a:lvl7pPr marL="2743200" indent="0">
+              <a:buNone/>
+              <a:defRPr sz="1000"/>
+            </a:lvl7pPr>
+            <a:lvl8pPr marL="3200400" indent="0">
+              <a:buNone/>
+              <a:defRPr sz="1000"/>
+            </a:lvl8pPr>
+            <a:lvl9pPr marL="3657600" indent="0">
+              <a:buNone/>
+              <a:defRPr sz="1000"/>
+            </a:lvl9pPr>
+          </a:lstStyle>
+          <a:p>
+            <a:pPr lvl="0"/>
+            <a:r>
+              <a:rPr lang="zh-TW" altLang="en-US"/>
+              <a:t>按一下以編輯母片文字樣式</a:t>
+            </a:r>
+          </a:p>
+        </p:txBody>
+      </p:sp>
+      <p:sp>
+        <p:nvSpPr>
+          <p:cNvPr id="5" name="Date Placeholder 4"/>
+          <p:cNvSpPr>
+            <a:spLocks noGrp="1"/>
+          </p:cNvSpPr>
+          <p:nvPr>
+            <p:ph type="dt" sz="half" idx="10"/>
+          </p:nvPr>
+        </p:nvSpPr>
+        <p:spPr/>
+        <p:txBody>
+          <a:bodyPr/>
+          <a:lstStyle/>
+          <a:p>
+            <a:fld id="{E1DD0487-E332-49B6-A37F-C5F91A3D4890}" type="datetimeFigureOut">
+              <a:rPr lang="zh-TW" altLang="en-US" smtClean="0"/>
+              <a:t>2024/10/9</a:t>
+            </a:fld>
+            <a:endParaRPr lang="zh-TW" altLang="en-US"/>
+          </a:p>
+        </p:txBody>
+      </p:sp>
+      <p:sp>
+        <p:nvSpPr>
+          <p:cNvPr id="6" name="Footer Placeholder 5"/>
+          <p:cNvSpPr>
+            <a:spLocks noGrp="1"/>
+          </p:cNvSpPr>
+          <p:nvPr>
+            <p:ph type="ftr" sz="quarter" idx="11"/>
+          </p:nvPr>
+        </p:nvSpPr>
+        <p:spPr/>
+        <p:txBody>
+          <a:bodyPr/>
+          <a:lstStyle/>
+          <a:p>
+            <a:endParaRPr lang="zh-TW" altLang="en-US"/>
+          </a:p>
+        </p:txBody>
+      </p:sp>
+      <p:sp>
+        <p:nvSpPr>
+          <p:cNvPr id="7" name="Slide Number Placeholder 6"/>
+          <p:cNvSpPr>
+            <a:spLocks noGrp="1"/>
+          </p:cNvSpPr>
+          <p:nvPr>
+            <p:ph type="sldNum" sz="quarter" idx="12"/>
+          </p:nvPr>
+        </p:nvSpPr>
+        <p:spPr/>
+        <p:txBody>
+          <a:bodyPr/>
+          <a:lstStyle/>
+          <a:p>
+            <a:fld id="{BE1853FA-6D88-4DD5-8D05-041AB1763DEF}" type="slidenum">
+              <a:rPr lang="zh-TW" altLang="en-US" smtClean="0"/>
+              <a:t>‹#›</a:t>
+            </a:fld>
+            <a:endParaRPr lang="zh-TW" altLang="en-US"/>
+          </a:p>
+        </p:txBody>
+      </p:sp>
+    </p:spTree>
+    <p:extLst>
+      <p:ext uri="{BB962C8B-B14F-4D97-AF65-F5344CB8AC3E}">
+        <p14:creationId xmlns:p14="http://schemas.microsoft.com/office/powerpoint/2010/main" val="2829325479"/>
+      </p:ext>
+    </p:extLst>
+  </p:cSld>
+  <p:clrMapOvr>
+    <a:masterClrMapping/>
+  </p:clrMapOvr>
+</p:sldLayout>
+</file>
+
+<file path=ppt/slideLayouts/slideLayout12.xml><?xml version="1.0" encoding="utf-8"?>
+<p:sldLayout xmlns:a="http://schemas.openxmlformats.org/drawingml/2006/main" xmlns:r="http://schemas.openxmlformats.org/officeDocument/2006/relationships" xmlns:p="http://schemas.openxmlformats.org/presentationml/2006/main" preserve="1">
+  <p:cSld name="引述 (含輔助字幕)">
+    <p:spTree>
+      <p:nvGrpSpPr>
+        <p:cNvPr id="1" name=""/>
+        <p:cNvGrpSpPr/>
+        <p:nvPr/>
+      </p:nvGrpSpPr>
+      <p:grpSpPr>
+        <a:xfrm>
+          <a:off x="0" y="0"/>
+          <a:ext cx="0" cy="0"/>
+          <a:chOff x="0" y="0"/>
+          <a:chExt cx="0" cy="0"/>
+        </a:xfrm>
+      </p:grpSpPr>
+      <p:sp>
+        <p:nvSpPr>
+          <p:cNvPr id="2" name="Title 1"/>
+          <p:cNvSpPr>
+            <a:spLocks noGrp="1"/>
+          </p:cNvSpPr>
+          <p:nvPr>
+            <p:ph type="title"/>
+          </p:nvPr>
+        </p:nvSpPr>
+        <p:spPr>
+          <a:xfrm>
+            <a:off x="1446212" y="609600"/>
+            <a:ext cx="9302752" cy="2992904"/>
+          </a:xfrm>
+        </p:spPr>
+        <p:txBody>
+          <a:bodyPr anchor="ctr"/>
+          <a:lstStyle>
+            <a:lvl1pPr>
+              <a:defRPr sz="3200"/>
+            </a:lvl1pPr>
+          </a:lstStyle>
+          <a:p>
+            <a:r>
+              <a:rPr lang="zh-TW" altLang="en-US"/>
+              <a:t>按一下以編輯母片標題樣式</a:t>
+            </a:r>
+            <a:endParaRPr lang="en-US" dirty="0"/>
+          </a:p>
+        </p:txBody>
+      </p:sp>
+      <p:sp>
+        <p:nvSpPr>
+          <p:cNvPr id="12" name="Text Placeholder 3"/>
+          <p:cNvSpPr>
+            <a:spLocks noGrp="1"/>
+          </p:cNvSpPr>
+          <p:nvPr>
+            <p:ph type="body" sz="half" idx="13"/>
+          </p:nvPr>
+        </p:nvSpPr>
+        <p:spPr>
+          <a:xfrm>
+            <a:off x="1720644" y="3610032"/>
+            <a:ext cx="8752299" cy="532749"/>
+          </a:xfrm>
+        </p:spPr>
+        <p:txBody>
+          <a:bodyPr anchor="t">
+            <a:normAutofit/>
+          </a:bodyPr>
+          <a:lstStyle>
+            <a:lvl1pPr marL="0" indent="0" algn="r">
+              <a:buNone/>
+              <a:defRPr sz="1400"/>
+            </a:lvl1pPr>
+            <a:lvl2pPr marL="457200" indent="0">
+              <a:buNone/>
+              <a:defRPr sz="1400"/>
+            </a:lvl2pPr>
+            <a:lvl3pPr marL="914400" indent="0">
+              <a:buNone/>
+              <a:defRPr sz="1200"/>
+            </a:lvl3pPr>
+            <a:lvl4pPr marL="1371600" indent="0">
+              <a:buNone/>
+              <a:defRPr sz="1000"/>
+            </a:lvl4pPr>
+            <a:lvl5pPr marL="1828800" indent="0">
+              <a:buNone/>
+              <a:defRPr sz="1000"/>
+            </a:lvl5pPr>
+            <a:lvl6pPr marL="2286000" indent="0">
+              <a:buNone/>
+              <a:defRPr sz="1000"/>
+            </a:lvl6pPr>
+            <a:lvl7pPr marL="2743200" indent="0">
+              <a:buNone/>
+              <a:defRPr sz="1000"/>
+            </a:lvl7pPr>
+            <a:lvl8pPr marL="3200400" indent="0">
+              <a:buNone/>
+              <a:defRPr sz="1000"/>
+            </a:lvl8pPr>
+            <a:lvl9pPr marL="3657600" indent="0">
+              <a:buNone/>
+              <a:defRPr sz="1000"/>
+            </a:lvl9pPr>
+          </a:lstStyle>
+          <a:p>
+            <a:pPr lvl="0"/>
+            <a:r>
+              <a:rPr lang="zh-TW" altLang="en-US"/>
+              <a:t>按一下以編輯母片文字樣式</a:t>
+            </a:r>
+          </a:p>
+        </p:txBody>
+      </p:sp>
+      <p:sp>
+        <p:nvSpPr>
+          <p:cNvPr id="4" name="Text Placeholder 3"/>
+          <p:cNvSpPr>
+            <a:spLocks noGrp="1"/>
+          </p:cNvSpPr>
+          <p:nvPr>
+            <p:ph type="body" sz="half" idx="2"/>
+          </p:nvPr>
+        </p:nvSpPr>
+        <p:spPr>
+          <a:xfrm>
+            <a:off x="913794" y="4304353"/>
+            <a:ext cx="10353763" cy="1489496"/>
+          </a:xfrm>
+        </p:spPr>
+        <p:txBody>
+          <a:bodyPr anchor="ctr">
+            <a:normAutofit/>
+          </a:bodyPr>
+          <a:lstStyle>
+            <a:lvl1pPr marL="0" indent="0" algn="ctr">
+              <a:buNone/>
+              <a:defRPr sz="1600"/>
+            </a:lvl1pPr>
+            <a:lvl2pPr marL="457200" indent="0">
+              <a:buNone/>
+              <a:defRPr sz="1400"/>
+            </a:lvl2pPr>
+            <a:lvl3pPr marL="914400" indent="0">
+              <a:buNone/>
+              <a:defRPr sz="1200"/>
+            </a:lvl3pPr>
+            <a:lvl4pPr marL="1371600" indent="0">
+              <a:buNone/>
+              <a:defRPr sz="1000"/>
+            </a:lvl4pPr>
+            <a:lvl5pPr marL="1828800" indent="0">
+              <a:buNone/>
+              <a:defRPr sz="1000"/>
+            </a:lvl5pPr>
+            <a:lvl6pPr marL="2286000" indent="0">
+              <a:buNone/>
+              <a:defRPr sz="1000"/>
+            </a:lvl6pPr>
+            <a:lvl7pPr marL="2743200" indent="0">
+              <a:buNone/>
+              <a:defRPr sz="1000"/>
+            </a:lvl7pPr>
+            <a:lvl8pPr marL="3200400" indent="0">
+              <a:buNone/>
+              <a:defRPr sz="1000"/>
+            </a:lvl8pPr>
+            <a:lvl9pPr marL="3657600" indent="0">
+              <a:buNone/>
+              <a:defRPr sz="1000"/>
+            </a:lvl9pPr>
+          </a:lstStyle>
+          <a:p>
+            <a:pPr lvl="0"/>
+            <a:r>
+              <a:rPr lang="zh-TW" altLang="en-US"/>
+              <a:t>按一下以編輯母片文字樣式</a:t>
+            </a:r>
+          </a:p>
+        </p:txBody>
+      </p:sp>
+      <p:sp>
+        <p:nvSpPr>
+          <p:cNvPr id="5" name="Date Placeholder 4"/>
+          <p:cNvSpPr>
+            <a:spLocks noGrp="1"/>
+          </p:cNvSpPr>
+          <p:nvPr>
+            <p:ph type="dt" sz="half" idx="10"/>
+          </p:nvPr>
+        </p:nvSpPr>
+        <p:spPr/>
+        <p:txBody>
+          <a:bodyPr/>
+          <a:lstStyle/>
+          <a:p>
+            <a:fld id="{E1DD0487-E332-49B6-A37F-C5F91A3D4890}" type="datetimeFigureOut">
+              <a:rPr lang="zh-TW" altLang="en-US" smtClean="0"/>
+              <a:t>2024/10/9</a:t>
+            </a:fld>
+            <a:endParaRPr lang="zh-TW" altLang="en-US"/>
+          </a:p>
+        </p:txBody>
+      </p:sp>
+      <p:sp>
+        <p:nvSpPr>
+          <p:cNvPr id="6" name="Footer Placeholder 5"/>
+          <p:cNvSpPr>
+            <a:spLocks noGrp="1"/>
+          </p:cNvSpPr>
+          <p:nvPr>
+            <p:ph type="ftr" sz="quarter" idx="11"/>
+          </p:nvPr>
+        </p:nvSpPr>
+        <p:spPr/>
+        <p:txBody>
+          <a:bodyPr/>
+          <a:lstStyle/>
+          <a:p>
+            <a:endParaRPr lang="zh-TW" altLang="en-US"/>
+          </a:p>
+        </p:txBody>
+      </p:sp>
+      <p:sp>
+        <p:nvSpPr>
+          <p:cNvPr id="7" name="Slide Number Placeholder 6"/>
+          <p:cNvSpPr>
+            <a:spLocks noGrp="1"/>
+          </p:cNvSpPr>
+          <p:nvPr>
+            <p:ph type="sldNum" sz="quarter" idx="12"/>
+          </p:nvPr>
+        </p:nvSpPr>
+        <p:spPr/>
+        <p:txBody>
+          <a:bodyPr/>
+          <a:lstStyle/>
+          <a:p>
+            <a:fld id="{BE1853FA-6D88-4DD5-8D05-041AB1763DEF}" type="slidenum">
+              <a:rPr lang="zh-TW" altLang="en-US" smtClean="0"/>
+              <a:t>‹#›</a:t>
+            </a:fld>
+            <a:endParaRPr lang="zh-TW" altLang="en-US"/>
+          </a:p>
+        </p:txBody>
+      </p:sp>
+      <p:sp>
+        <p:nvSpPr>
+          <p:cNvPr id="11" name="TextBox 10"/>
+          <p:cNvSpPr txBox="1"/>
+          <p:nvPr/>
+        </p:nvSpPr>
+        <p:spPr>
+          <a:xfrm>
+            <a:off x="990600" y="884796"/>
+            <a:ext cx="609600" cy="584776"/>
+          </a:xfrm>
+          <a:prstGeom prst="rect">
+            <a:avLst/>
+          </a:prstGeom>
+        </p:spPr>
+        <p:txBody>
+          <a:bodyPr vert="horz" lIns="91440" tIns="45720" rIns="91440" bIns="45720" rtlCol="0" anchor="ctr">
+            <a:noAutofit/>
+          </a:bodyPr>
+          <a:lstStyle>
+            <a:lvl1pPr>
+              <a:spcBef>
+                <a:spcPct val="0"/>
+              </a:spcBef>
+              <a:buNone/>
+              <a:defRPr sz="3200" b="0" cap="all">
+                <a:ln w="3175" cmpd="sng">
+                  <a:noFill/>
+                </a:ln>
+                <a:effectLst>
+                  <a:glow rad="38100">
+                    <a:schemeClr val="bg1">
+                      <a:lumMod val="65000"/>
+                      <a:lumOff val="35000"/>
+                      <a:alpha val="40000"/>
+                    </a:schemeClr>
+                  </a:glow>
+                  <a:outerShdw blurRad="28575" dist="38100" dir="14040000" algn="tl" rotWithShape="0">
+                    <a:srgbClr val="000000">
+                      <a:alpha val="25000"/>
+                    </a:srgbClr>
+                  </a:outerShdw>
+                </a:effectLst>
+              </a:defRPr>
+            </a:lvl1pPr>
+            <a:lvl2pPr>
+              <a:defRPr>
+                <a:solidFill>
+                  <a:schemeClr val="tx2"/>
+                </a:solidFill>
+              </a:defRPr>
+            </a:lvl2pPr>
+            <a:lvl3pPr>
+              <a:defRPr>
+                <a:solidFill>
+                  <a:schemeClr val="tx2"/>
+                </a:solidFill>
+              </a:defRPr>
+            </a:lvl3pPr>
+            <a:lvl4pPr>
+              <a:defRPr>
+                <a:solidFill>
+                  <a:schemeClr val="tx2"/>
+                </a:solidFill>
+              </a:defRPr>
+            </a:lvl4pPr>
+            <a:lvl5pPr>
+              <a:defRPr>
+                <a:solidFill>
+                  <a:schemeClr val="tx2"/>
+                </a:solidFill>
+              </a:defRPr>
+            </a:lvl5pPr>
+            <a:lvl6pPr>
+              <a:defRPr>
+                <a:solidFill>
+                  <a:schemeClr val="tx2"/>
+                </a:solidFill>
+              </a:defRPr>
+            </a:lvl6pPr>
+            <a:lvl7pPr>
+              <a:defRPr>
+                <a:solidFill>
+                  <a:schemeClr val="tx2"/>
+                </a:solidFill>
+              </a:defRPr>
+            </a:lvl7pPr>
+            <a:lvl8pPr>
+              <a:defRPr>
+                <a:solidFill>
+                  <a:schemeClr val="tx2"/>
+                </a:solidFill>
+              </a:defRPr>
+            </a:lvl8pPr>
+            <a:lvl9pPr>
+              <a:defRPr>
+                <a:solidFill>
+                  <a:schemeClr val="tx2"/>
+                </a:solidFill>
+              </a:defRPr>
+            </a:lvl9pPr>
+          </a:lstStyle>
+          <a:p>
+            <a:pPr lvl="0"/>
+            <a:r>
+              <a:rPr lang="en-US" sz="8000" dirty="0">
+                <a:solidFill>
+                  <a:schemeClr val="tx1"/>
+                </a:solidFill>
+                <a:effectLst/>
+              </a:rPr>
+              <a:t>“</a:t>
+            </a:r>
+          </a:p>
+        </p:txBody>
+      </p:sp>
+      <p:sp>
+        <p:nvSpPr>
+          <p:cNvPr id="13" name="TextBox 12"/>
+          <p:cNvSpPr txBox="1"/>
+          <p:nvPr/>
+        </p:nvSpPr>
+        <p:spPr>
+          <a:xfrm>
+            <a:off x="10504716" y="2928258"/>
+            <a:ext cx="609600" cy="584776"/>
+          </a:xfrm>
+          <a:prstGeom prst="rect">
+            <a:avLst/>
+          </a:prstGeom>
+        </p:spPr>
+        <p:txBody>
+          <a:bodyPr vert="horz" lIns="91440" tIns="45720" rIns="91440" bIns="45720" rtlCol="0" anchor="ctr">
+            <a:noAutofit/>
+          </a:bodyPr>
+          <a:lstStyle>
+            <a:lvl1pPr>
+              <a:spcBef>
+                <a:spcPct val="0"/>
+              </a:spcBef>
+              <a:buNone/>
+              <a:defRPr sz="3200" b="0" cap="all">
+                <a:ln w="3175" cmpd="sng">
+                  <a:noFill/>
+                </a:ln>
+                <a:effectLst>
+                  <a:glow rad="38100">
+                    <a:schemeClr val="bg1">
+                      <a:lumMod val="65000"/>
+                      <a:lumOff val="35000"/>
+                      <a:alpha val="40000"/>
+                    </a:schemeClr>
+                  </a:glow>
+                  <a:outerShdw blurRad="28575" dist="38100" dir="14040000" algn="tl" rotWithShape="0">
+                    <a:srgbClr val="000000">
+                      <a:alpha val="25000"/>
+                    </a:srgbClr>
+                  </a:outerShdw>
+                </a:effectLst>
+              </a:defRPr>
+            </a:lvl1pPr>
+            <a:lvl2pPr>
+              <a:defRPr>
+                <a:solidFill>
+                  <a:schemeClr val="tx2"/>
+                </a:solidFill>
+              </a:defRPr>
+            </a:lvl2pPr>
+            <a:lvl3pPr>
+              <a:defRPr>
+                <a:solidFill>
+                  <a:schemeClr val="tx2"/>
+                </a:solidFill>
+              </a:defRPr>
+            </a:lvl3pPr>
+            <a:lvl4pPr>
+              <a:defRPr>
+                <a:solidFill>
+                  <a:schemeClr val="tx2"/>
+                </a:solidFill>
+              </a:defRPr>
+            </a:lvl4pPr>
+            <a:lvl5pPr>
+              <a:defRPr>
+                <a:solidFill>
+                  <a:schemeClr val="tx2"/>
+                </a:solidFill>
+              </a:defRPr>
+            </a:lvl5pPr>
+            <a:lvl6pPr>
+              <a:defRPr>
+                <a:solidFill>
+                  <a:schemeClr val="tx2"/>
+                </a:solidFill>
+              </a:defRPr>
+            </a:lvl6pPr>
+            <a:lvl7pPr>
+              <a:defRPr>
+                <a:solidFill>
+                  <a:schemeClr val="tx2"/>
+                </a:solidFill>
+              </a:defRPr>
+            </a:lvl7pPr>
+            <a:lvl8pPr>
+              <a:defRPr>
+                <a:solidFill>
+                  <a:schemeClr val="tx2"/>
+                </a:solidFill>
+              </a:defRPr>
+            </a:lvl8pPr>
+            <a:lvl9pPr>
+              <a:defRPr>
+                <a:solidFill>
+                  <a:schemeClr val="tx2"/>
+                </a:solidFill>
+              </a:defRPr>
+            </a:lvl9pPr>
+          </a:lstStyle>
+          <a:p>
+            <a:pPr lvl="0" algn="r"/>
+            <a:r>
+              <a:rPr lang="en-US" sz="8000" dirty="0">
+                <a:solidFill>
+                  <a:schemeClr val="tx1"/>
+                </a:solidFill>
+                <a:effectLst/>
+              </a:rPr>
+              <a:t>”</a:t>
+            </a:r>
+          </a:p>
+        </p:txBody>
+      </p:sp>
+    </p:spTree>
+    <p:extLst>
+      <p:ext uri="{BB962C8B-B14F-4D97-AF65-F5344CB8AC3E}">
+        <p14:creationId xmlns:p14="http://schemas.microsoft.com/office/powerpoint/2010/main" val="2873676727"/>
+      </p:ext>
+    </p:extLst>
+  </p:cSld>
+  <p:clrMapOvr>
+    <a:masterClrMapping/>
+  </p:clrMapOvr>
+</p:sldLayout>
+</file>
+
+<file path=ppt/slideLayouts/slideLayout13.xml><?xml version="1.0" encoding="utf-8"?>
+<p:sldLayout xmlns:a="http://schemas.openxmlformats.org/drawingml/2006/main" xmlns:r="http://schemas.openxmlformats.org/officeDocument/2006/relationships" xmlns:p="http://schemas.openxmlformats.org/presentationml/2006/main" preserve="1">
+  <p:cSld name="名片">
+    <p:spTree>
+      <p:nvGrpSpPr>
+        <p:cNvPr id="1" name=""/>
+        <p:cNvGrpSpPr/>
+        <p:nvPr/>
+      </p:nvGrpSpPr>
+      <p:grpSpPr>
+        <a:xfrm>
+          <a:off x="0" y="0"/>
+          <a:ext cx="0" cy="0"/>
+          <a:chOff x="0" y="0"/>
+          <a:chExt cx="0" cy="0"/>
+        </a:xfrm>
+      </p:grpSpPr>
+      <p:sp>
+        <p:nvSpPr>
+          <p:cNvPr id="2" name="Title 1"/>
+          <p:cNvSpPr>
+            <a:spLocks noGrp="1"/>
+          </p:cNvSpPr>
+          <p:nvPr>
+            <p:ph type="title"/>
+          </p:nvPr>
+        </p:nvSpPr>
+        <p:spPr>
+          <a:xfrm>
+            <a:off x="913794" y="2126942"/>
+            <a:ext cx="10353763" cy="2511835"/>
+          </a:xfrm>
+        </p:spPr>
+        <p:txBody>
+          <a:bodyPr anchor="b"/>
+          <a:lstStyle>
+            <a:lvl1pPr>
+              <a:defRPr sz="3200"/>
+            </a:lvl1pPr>
+          </a:lstStyle>
+          <a:p>
+            <a:r>
+              <a:rPr lang="zh-TW" altLang="en-US"/>
+              <a:t>按一下以編輯母片標題樣式</a:t>
+            </a:r>
+            <a:endParaRPr lang="en-US" dirty="0"/>
+          </a:p>
+        </p:txBody>
+      </p:sp>
+      <p:sp>
+        <p:nvSpPr>
+          <p:cNvPr id="4" name="Text Placeholder 3"/>
+          <p:cNvSpPr>
+            <a:spLocks noGrp="1"/>
+          </p:cNvSpPr>
+          <p:nvPr>
+            <p:ph type="body" sz="half" idx="2"/>
+          </p:nvPr>
+        </p:nvSpPr>
+        <p:spPr>
+          <a:xfrm>
+            <a:off x="913784" y="4650556"/>
+            <a:ext cx="10352199" cy="1140644"/>
+          </a:xfrm>
+        </p:spPr>
+        <p:txBody>
+          <a:bodyPr anchor="t"/>
+          <a:lstStyle>
+            <a:lvl1pPr marL="0" indent="0" algn="ctr">
+              <a:buNone/>
+              <a:defRPr sz="1600"/>
+            </a:lvl1pPr>
+            <a:lvl2pPr marL="457200" indent="0">
+              <a:buNone/>
+              <a:defRPr sz="1400"/>
+            </a:lvl2pPr>
+            <a:lvl3pPr marL="914400" indent="0">
+              <a:buNone/>
+              <a:defRPr sz="1200"/>
+            </a:lvl3pPr>
+            <a:lvl4pPr marL="1371600" indent="0">
+              <a:buNone/>
+              <a:defRPr sz="1000"/>
+            </a:lvl4pPr>
+            <a:lvl5pPr marL="1828800" indent="0">
+              <a:buNone/>
+              <a:defRPr sz="1000"/>
+            </a:lvl5pPr>
+            <a:lvl6pPr marL="2286000" indent="0">
+              <a:buNone/>
+              <a:defRPr sz="1000"/>
+            </a:lvl6pPr>
+            <a:lvl7pPr marL="2743200" indent="0">
+              <a:buNone/>
+              <a:defRPr sz="1000"/>
+            </a:lvl7pPr>
+            <a:lvl8pPr marL="3200400" indent="0">
+              <a:buNone/>
+              <a:defRPr sz="1000"/>
+            </a:lvl8pPr>
+            <a:lvl9pPr marL="3657600" indent="0">
+              <a:buNone/>
+              <a:defRPr sz="1000"/>
+            </a:lvl9pPr>
+          </a:lstStyle>
+          <a:p>
+            <a:pPr lvl="0"/>
+            <a:r>
+              <a:rPr lang="zh-TW" altLang="en-US"/>
+              <a:t>按一下以編輯母片文字樣式</a:t>
+            </a:r>
+          </a:p>
+        </p:txBody>
+      </p:sp>
+      <p:sp>
+        <p:nvSpPr>
+          <p:cNvPr id="5" name="Date Placeholder 4"/>
+          <p:cNvSpPr>
+            <a:spLocks noGrp="1"/>
+          </p:cNvSpPr>
+          <p:nvPr>
+            <p:ph type="dt" sz="half" idx="10"/>
+          </p:nvPr>
+        </p:nvSpPr>
+        <p:spPr/>
+        <p:txBody>
+          <a:bodyPr/>
+          <a:lstStyle/>
+          <a:p>
+            <a:fld id="{E1DD0487-E332-49B6-A37F-C5F91A3D4890}" type="datetimeFigureOut">
+              <a:rPr lang="zh-TW" altLang="en-US" smtClean="0"/>
+              <a:t>2024/10/9</a:t>
+            </a:fld>
+            <a:endParaRPr lang="zh-TW" altLang="en-US"/>
+          </a:p>
+        </p:txBody>
+      </p:sp>
+      <p:sp>
+        <p:nvSpPr>
+          <p:cNvPr id="6" name="Footer Placeholder 5"/>
+          <p:cNvSpPr>
+            <a:spLocks noGrp="1"/>
+          </p:cNvSpPr>
+          <p:nvPr>
+            <p:ph type="ftr" sz="quarter" idx="11"/>
+          </p:nvPr>
+        </p:nvSpPr>
+        <p:spPr/>
+        <p:txBody>
+          <a:bodyPr/>
+          <a:lstStyle/>
+          <a:p>
+            <a:endParaRPr lang="zh-TW" altLang="en-US"/>
+          </a:p>
+        </p:txBody>
+      </p:sp>
+      <p:sp>
+        <p:nvSpPr>
+          <p:cNvPr id="7" name="Slide Number Placeholder 6"/>
+          <p:cNvSpPr>
+            <a:spLocks noGrp="1"/>
+          </p:cNvSpPr>
+          <p:nvPr>
+            <p:ph type="sldNum" sz="quarter" idx="12"/>
+          </p:nvPr>
+        </p:nvSpPr>
+        <p:spPr/>
+        <p:txBody>
+          <a:bodyPr/>
+          <a:lstStyle/>
+          <a:p>
+            <a:fld id="{BE1853FA-6D88-4DD5-8D05-041AB1763DEF}" type="slidenum">
+              <a:rPr lang="zh-TW" altLang="en-US" smtClean="0"/>
+              <a:t>‹#›</a:t>
+            </a:fld>
+            <a:endParaRPr lang="zh-TW" altLang="en-US"/>
+          </a:p>
+        </p:txBody>
+      </p:sp>
+    </p:spTree>
+    <p:extLst>
+      <p:ext uri="{BB962C8B-B14F-4D97-AF65-F5344CB8AC3E}">
+        <p14:creationId xmlns:p14="http://schemas.microsoft.com/office/powerpoint/2010/main" val="50578571"/>
+      </p:ext>
+    </p:extLst>
+  </p:cSld>
+  <p:clrMapOvr>
+    <a:masterClrMapping/>
+  </p:clrMapOvr>
+</p:sldLayout>
+</file>
+
+<file path=ppt/slideLayouts/slideLayout14.xml><?xml version="1.0" encoding="utf-8"?>
+<p:sldLayout xmlns:a="http://schemas.openxmlformats.org/drawingml/2006/main" xmlns:r="http://schemas.openxmlformats.org/officeDocument/2006/relationships" xmlns:p="http://schemas.openxmlformats.org/presentationml/2006/main" preserve="1">
+  <p:cSld name="3 欄">
+    <p:spTree>
+      <p:nvGrpSpPr>
+        <p:cNvPr id="1" name=""/>
+        <p:cNvGrpSpPr/>
+        <p:nvPr/>
+      </p:nvGrpSpPr>
+      <p:grpSpPr>
+        <a:xfrm>
+          <a:off x="0" y="0"/>
+          <a:ext cx="0" cy="0"/>
+          <a:chOff x="0" y="0"/>
+          <a:chExt cx="0" cy="0"/>
+        </a:xfrm>
+      </p:grpSpPr>
+      <p:sp>
+        <p:nvSpPr>
+          <p:cNvPr id="15" name="Title 1"/>
+          <p:cNvSpPr>
+            <a:spLocks noGrp="1"/>
+          </p:cNvSpPr>
+          <p:nvPr>
+            <p:ph type="title"/>
+          </p:nvPr>
+        </p:nvSpPr>
+        <p:spPr>
+          <a:xfrm>
+            <a:off x="913795" y="609600"/>
+            <a:ext cx="10353762" cy="970450"/>
+          </a:xfrm>
+        </p:spPr>
+        <p:txBody>
+          <a:bodyPr/>
+          <a:lstStyle/>
+          <a:p>
+            <a:r>
+              <a:rPr lang="zh-TW" altLang="en-US"/>
+              <a:t>按一下以編輯母片標題樣式</a:t>
+            </a:r>
+            <a:endParaRPr lang="en-US" dirty="0"/>
+          </a:p>
+        </p:txBody>
+      </p:sp>
+      <p:sp>
+        <p:nvSpPr>
+          <p:cNvPr id="7" name="Text Placeholder 2"/>
+          <p:cNvSpPr>
+            <a:spLocks noGrp="1"/>
+          </p:cNvSpPr>
+          <p:nvPr>
+            <p:ph type="body" idx="1"/>
+          </p:nvPr>
+        </p:nvSpPr>
+        <p:spPr>
+          <a:xfrm>
+            <a:off x="913795" y="1885950"/>
+            <a:ext cx="3300984" cy="576262"/>
+          </a:xfrm>
+        </p:spPr>
+        <p:txBody>
+          <a:bodyPr anchor="b">
+            <a:noAutofit/>
+          </a:bodyPr>
+          <a:lstStyle>
+            <a:lvl1pPr marL="0" indent="0" algn="ctr">
+              <a:buNone/>
+              <a:defRPr sz="2400" b="0">
+                <a:solidFill>
+                  <a:schemeClr val="tx1"/>
+                </a:solidFill>
+              </a:defRPr>
+            </a:lvl1pPr>
+            <a:lvl2pPr marL="457200" indent="0">
+              <a:buNone/>
+              <a:defRPr sz="2000" b="1"/>
+            </a:lvl2pPr>
+            <a:lvl3pPr marL="914400" indent="0">
+              <a:buNone/>
+              <a:defRPr sz="1800" b="1"/>
+            </a:lvl3pPr>
+            <a:lvl4pPr marL="1371600" indent="0">
+              <a:buNone/>
+              <a:defRPr sz="1600" b="1"/>
+            </a:lvl4pPr>
+            <a:lvl5pPr marL="1828800" indent="0">
+              <a:buNone/>
+              <a:defRPr sz="1600" b="1"/>
+            </a:lvl5pPr>
+            <a:lvl6pPr marL="2286000" indent="0">
+              <a:buNone/>
+              <a:defRPr sz="1600" b="1"/>
+            </a:lvl6pPr>
+            <a:lvl7pPr marL="2743200" indent="0">
+              <a:buNone/>
+              <a:defRPr sz="1600" b="1"/>
+            </a:lvl7pPr>
+            <a:lvl8pPr marL="3200400" indent="0">
+              <a:buNone/>
+              <a:defRPr sz="1600" b="1"/>
+            </a:lvl8pPr>
+            <a:lvl9pPr marL="3657600" indent="0">
+              <a:buNone/>
+              <a:defRPr sz="1600" b="1"/>
+            </a:lvl9pPr>
+          </a:lstStyle>
+          <a:p>
+            <a:pPr lvl="0"/>
+            <a:r>
+              <a:rPr lang="zh-TW" altLang="en-US"/>
+              <a:t>按一下以編輯母片文字樣式</a:t>
+            </a:r>
+          </a:p>
+        </p:txBody>
+      </p:sp>
+      <p:sp>
+        <p:nvSpPr>
+          <p:cNvPr id="8" name="Text Placeholder 3"/>
+          <p:cNvSpPr>
+            <a:spLocks noGrp="1"/>
+          </p:cNvSpPr>
+          <p:nvPr>
+            <p:ph type="body" sz="half" idx="15"/>
+          </p:nvPr>
+        </p:nvSpPr>
+        <p:spPr>
+          <a:xfrm>
+            <a:off x="913795" y="2571750"/>
+            <a:ext cx="3300984" cy="3219450"/>
+          </a:xfrm>
+        </p:spPr>
+        <p:txBody>
+          <a:bodyPr anchor="t">
+            <a:normAutofit/>
+          </a:bodyPr>
+          <a:lstStyle>
+            <a:lvl1pPr marL="0" indent="0" algn="ctr">
+              <a:buNone/>
+              <a:defRPr sz="1400"/>
+            </a:lvl1pPr>
+            <a:lvl2pPr marL="457200" indent="0">
+              <a:buNone/>
+              <a:defRPr sz="1200"/>
+            </a:lvl2pPr>
+            <a:lvl3pPr marL="914400" indent="0">
+              <a:buNone/>
+              <a:defRPr sz="1000"/>
+            </a:lvl3pPr>
+            <a:lvl4pPr marL="1371600" indent="0">
+              <a:buNone/>
+              <a:defRPr sz="900"/>
+            </a:lvl4pPr>
+            <a:lvl5pPr marL="1828800" indent="0">
+              <a:buNone/>
+              <a:defRPr sz="900"/>
+            </a:lvl5pPr>
+            <a:lvl6pPr marL="2286000" indent="0">
+              <a:buNone/>
+              <a:defRPr sz="900"/>
+            </a:lvl6pPr>
+            <a:lvl7pPr marL="2743200" indent="0">
+              <a:buNone/>
+              <a:defRPr sz="900"/>
+            </a:lvl7pPr>
+            <a:lvl8pPr marL="3200400" indent="0">
+              <a:buNone/>
+              <a:defRPr sz="900"/>
+            </a:lvl8pPr>
+            <a:lvl9pPr marL="3657600" indent="0">
+              <a:buNone/>
+              <a:defRPr sz="900"/>
+            </a:lvl9pPr>
+          </a:lstStyle>
+          <a:p>
+            <a:pPr lvl="0"/>
+            <a:r>
+              <a:rPr lang="zh-TW" altLang="en-US"/>
+              <a:t>按一下以編輯母片文字樣式</a:t>
+            </a:r>
+          </a:p>
+        </p:txBody>
+      </p:sp>
+      <p:sp>
+        <p:nvSpPr>
+          <p:cNvPr id="9" name="Text Placeholder 4"/>
+          <p:cNvSpPr>
+            <a:spLocks noGrp="1"/>
+          </p:cNvSpPr>
+          <p:nvPr>
+            <p:ph type="body" sz="quarter" idx="3"/>
+          </p:nvPr>
+        </p:nvSpPr>
+        <p:spPr>
+          <a:xfrm>
+            <a:off x="4446711" y="1885950"/>
+            <a:ext cx="3300984" cy="576262"/>
+          </a:xfrm>
+        </p:spPr>
+        <p:txBody>
+          <a:bodyPr anchor="b">
+            <a:noAutofit/>
+          </a:bodyPr>
+          <a:lstStyle>
+            <a:lvl1pPr marL="0" indent="0" algn="ctr">
+              <a:buNone/>
+              <a:defRPr sz="2400" b="0">
+                <a:solidFill>
+                  <a:schemeClr val="tx1"/>
+                </a:solidFill>
+              </a:defRPr>
+            </a:lvl1pPr>
+            <a:lvl2pPr marL="457200" indent="0">
+              <a:buNone/>
+              <a:defRPr sz="2000" b="1"/>
+            </a:lvl2pPr>
+            <a:lvl3pPr marL="914400" indent="0">
+              <a:buNone/>
+              <a:defRPr sz="1800" b="1"/>
+            </a:lvl3pPr>
+            <a:lvl4pPr marL="1371600" indent="0">
+              <a:buNone/>
+              <a:defRPr sz="1600" b="1"/>
+            </a:lvl4pPr>
+            <a:lvl5pPr marL="1828800" indent="0">
+              <a:buNone/>
+              <a:defRPr sz="1600" b="1"/>
+            </a:lvl5pPr>
+            <a:lvl6pPr marL="2286000" indent="0">
+              <a:buNone/>
+              <a:defRPr sz="1600" b="1"/>
+            </a:lvl6pPr>
+            <a:lvl7pPr marL="2743200" indent="0">
+              <a:buNone/>
+              <a:defRPr sz="1600" b="1"/>
+            </a:lvl7pPr>
+            <a:lvl8pPr marL="3200400" indent="0">
+              <a:buNone/>
+              <a:defRPr sz="1600" b="1"/>
+            </a:lvl8pPr>
+            <a:lvl9pPr marL="3657600" indent="0">
+              <a:buNone/>
+              <a:defRPr sz="1600" b="1"/>
+            </a:lvl9pPr>
+          </a:lstStyle>
+          <a:p>
+            <a:pPr lvl="0"/>
+            <a:r>
+              <a:rPr lang="zh-TW" altLang="en-US"/>
+              <a:t>按一下以編輯母片文字樣式</a:t>
+            </a:r>
+          </a:p>
+        </p:txBody>
+      </p:sp>
+      <p:sp>
+        <p:nvSpPr>
+          <p:cNvPr id="10" name="Text Placeholder 3"/>
+          <p:cNvSpPr>
+            <a:spLocks noGrp="1"/>
+          </p:cNvSpPr>
+          <p:nvPr>
+            <p:ph type="body" sz="half" idx="16"/>
+          </p:nvPr>
+        </p:nvSpPr>
+        <p:spPr>
+          <a:xfrm>
+            <a:off x="4441435" y="2571750"/>
+            <a:ext cx="3300984" cy="3219450"/>
+          </a:xfrm>
+        </p:spPr>
+        <p:txBody>
+          <a:bodyPr anchor="t">
+            <a:normAutofit/>
+          </a:bodyPr>
+          <a:lstStyle>
+            <a:lvl1pPr marL="0" indent="0" algn="ctr">
+              <a:buNone/>
+              <a:defRPr sz="1400"/>
+            </a:lvl1pPr>
+            <a:lvl2pPr marL="457200" indent="0">
+              <a:buNone/>
+              <a:defRPr sz="1200"/>
+            </a:lvl2pPr>
+            <a:lvl3pPr marL="914400" indent="0">
+              <a:buNone/>
+              <a:defRPr sz="1000"/>
+            </a:lvl3pPr>
+            <a:lvl4pPr marL="1371600" indent="0">
+              <a:buNone/>
+              <a:defRPr sz="900"/>
+            </a:lvl4pPr>
+            <a:lvl5pPr marL="1828800" indent="0">
+              <a:buNone/>
+              <a:defRPr sz="900"/>
+            </a:lvl5pPr>
+            <a:lvl6pPr marL="2286000" indent="0">
+              <a:buNone/>
+              <a:defRPr sz="900"/>
+            </a:lvl6pPr>
+            <a:lvl7pPr marL="2743200" indent="0">
+              <a:buNone/>
+              <a:defRPr sz="900"/>
+            </a:lvl7pPr>
+            <a:lvl8pPr marL="3200400" indent="0">
+              <a:buNone/>
+              <a:defRPr sz="900"/>
+            </a:lvl8pPr>
+            <a:lvl9pPr marL="3657600" indent="0">
+              <a:buNone/>
+              <a:defRPr sz="900"/>
+            </a:lvl9pPr>
+          </a:lstStyle>
+          <a:p>
+            <a:pPr lvl="0"/>
+            <a:r>
+              <a:rPr lang="zh-TW" altLang="en-US"/>
+              <a:t>按一下以編輯母片文字樣式</a:t>
+            </a:r>
+          </a:p>
+        </p:txBody>
+      </p:sp>
+      <p:sp>
+        <p:nvSpPr>
+          <p:cNvPr id="11" name="Text Placeholder 4"/>
+          <p:cNvSpPr>
+            <a:spLocks noGrp="1"/>
+          </p:cNvSpPr>
+          <p:nvPr>
+            <p:ph type="body" sz="quarter" idx="13"/>
+          </p:nvPr>
+        </p:nvSpPr>
+        <p:spPr>
+          <a:xfrm>
+            <a:off x="7966572" y="1885950"/>
+            <a:ext cx="3300984" cy="576262"/>
+          </a:xfrm>
+        </p:spPr>
+        <p:txBody>
+          <a:bodyPr anchor="b">
+            <a:noAutofit/>
+          </a:bodyPr>
+          <a:lstStyle>
+            <a:lvl1pPr marL="0" indent="0" algn="ctr">
+              <a:buNone/>
+              <a:defRPr sz="2400" b="0">
+                <a:solidFill>
+                  <a:schemeClr val="tx1"/>
+                </a:solidFill>
+              </a:defRPr>
+            </a:lvl1pPr>
+            <a:lvl2pPr marL="457200" indent="0">
+              <a:buNone/>
+              <a:defRPr sz="2000" b="1"/>
+            </a:lvl2pPr>
+            <a:lvl3pPr marL="914400" indent="0">
+              <a:buNone/>
+              <a:defRPr sz="1800" b="1"/>
+            </a:lvl3pPr>
+            <a:lvl4pPr marL="1371600" indent="0">
+              <a:buNone/>
+              <a:defRPr sz="1600" b="1"/>
+            </a:lvl4pPr>
+            <a:lvl5pPr marL="1828800" indent="0">
+              <a:buNone/>
+              <a:defRPr sz="1600" b="1"/>
+            </a:lvl5pPr>
+            <a:lvl6pPr marL="2286000" indent="0">
+              <a:buNone/>
+              <a:defRPr sz="1600" b="1"/>
+            </a:lvl6pPr>
+            <a:lvl7pPr marL="2743200" indent="0">
+              <a:buNone/>
+              <a:defRPr sz="1600" b="1"/>
+            </a:lvl7pPr>
+            <a:lvl8pPr marL="3200400" indent="0">
+              <a:buNone/>
+              <a:defRPr sz="1600" b="1"/>
+            </a:lvl8pPr>
+            <a:lvl9pPr marL="3657600" indent="0">
+              <a:buNone/>
+              <a:defRPr sz="1600" b="1"/>
+            </a:lvl9pPr>
+          </a:lstStyle>
+          <a:p>
+            <a:pPr lvl="0"/>
+            <a:r>
+              <a:rPr lang="zh-TW" altLang="en-US"/>
+              <a:t>按一下以編輯母片文字樣式</a:t>
+            </a:r>
+          </a:p>
+        </p:txBody>
+      </p:sp>
+      <p:sp>
+        <p:nvSpPr>
+          <p:cNvPr id="12" name="Text Placeholder 3"/>
+          <p:cNvSpPr>
+            <a:spLocks noGrp="1"/>
+          </p:cNvSpPr>
+          <p:nvPr>
+            <p:ph type="body" sz="half" idx="17"/>
+          </p:nvPr>
+        </p:nvSpPr>
+        <p:spPr>
+          <a:xfrm>
+            <a:off x="7966572" y="2571750"/>
+            <a:ext cx="3300984" cy="3219450"/>
+          </a:xfrm>
+        </p:spPr>
+        <p:txBody>
+          <a:bodyPr anchor="t">
+            <a:normAutofit/>
+          </a:bodyPr>
+          <a:lstStyle>
+            <a:lvl1pPr marL="0" indent="0" algn="ctr">
+              <a:buNone/>
+              <a:defRPr sz="1400"/>
+            </a:lvl1pPr>
+            <a:lvl2pPr marL="457200" indent="0">
+              <a:buNone/>
+              <a:defRPr sz="1200"/>
+            </a:lvl2pPr>
+            <a:lvl3pPr marL="914400" indent="0">
+              <a:buNone/>
+              <a:defRPr sz="1000"/>
+            </a:lvl3pPr>
+            <a:lvl4pPr marL="1371600" indent="0">
+              <a:buNone/>
+              <a:defRPr sz="900"/>
+            </a:lvl4pPr>
+            <a:lvl5pPr marL="1828800" indent="0">
+              <a:buNone/>
+              <a:defRPr sz="900"/>
+            </a:lvl5pPr>
+            <a:lvl6pPr marL="2286000" indent="0">
+              <a:buNone/>
+              <a:defRPr sz="900"/>
+            </a:lvl6pPr>
+            <a:lvl7pPr marL="2743200" indent="0">
+              <a:buNone/>
+              <a:defRPr sz="900"/>
+            </a:lvl7pPr>
+            <a:lvl8pPr marL="3200400" indent="0">
+              <a:buNone/>
+              <a:defRPr sz="900"/>
+            </a:lvl8pPr>
+            <a:lvl9pPr marL="3657600" indent="0">
+              <a:buNone/>
+              <a:defRPr sz="900"/>
+            </a:lvl9pPr>
+          </a:lstStyle>
+          <a:p>
+            <a:pPr lvl="0"/>
+            <a:r>
+              <a:rPr lang="zh-TW" altLang="en-US"/>
+              <a:t>按一下以編輯母片文字樣式</a:t>
+            </a:r>
+          </a:p>
+        </p:txBody>
+      </p:sp>
+      <p:sp>
+        <p:nvSpPr>
+          <p:cNvPr id="3" name="Date Placeholder 2"/>
+          <p:cNvSpPr>
+            <a:spLocks noGrp="1"/>
+          </p:cNvSpPr>
+          <p:nvPr>
+            <p:ph type="dt" sz="half" idx="10"/>
+          </p:nvPr>
+        </p:nvSpPr>
+        <p:spPr/>
+        <p:txBody>
+          <a:bodyPr/>
+          <a:lstStyle/>
+          <a:p>
+            <a:fld id="{E1DD0487-E332-49B6-A37F-C5F91A3D4890}" type="datetimeFigureOut">
+              <a:rPr lang="zh-TW" altLang="en-US" smtClean="0"/>
+              <a:t>2024/10/9</a:t>
+            </a:fld>
+            <a:endParaRPr lang="zh-TW" altLang="en-US"/>
+          </a:p>
+        </p:txBody>
+      </p:sp>
+      <p:sp>
+        <p:nvSpPr>
+          <p:cNvPr id="4" name="Footer Placeholder 3"/>
+          <p:cNvSpPr>
+            <a:spLocks noGrp="1"/>
+          </p:cNvSpPr>
+          <p:nvPr>
+            <p:ph type="ftr" sz="quarter" idx="11"/>
+          </p:nvPr>
+        </p:nvSpPr>
+        <p:spPr/>
+        <p:txBody>
+          <a:bodyPr/>
+          <a:lstStyle/>
+          <a:p>
+            <a:endParaRPr lang="zh-TW" altLang="en-US"/>
+          </a:p>
+        </p:txBody>
+      </p:sp>
+      <p:sp>
+        <p:nvSpPr>
+          <p:cNvPr id="5" name="Slide Number Placeholder 4"/>
+          <p:cNvSpPr>
+            <a:spLocks noGrp="1"/>
+          </p:cNvSpPr>
+          <p:nvPr>
+            <p:ph type="sldNum" sz="quarter" idx="12"/>
+          </p:nvPr>
+        </p:nvSpPr>
+        <p:spPr/>
+        <p:txBody>
+          <a:bodyPr/>
+          <a:lstStyle/>
+          <a:p>
+            <a:fld id="{BE1853FA-6D88-4DD5-8D05-041AB1763DEF}" type="slidenum">
+              <a:rPr lang="zh-TW" altLang="en-US" smtClean="0"/>
+              <a:t>‹#›</a:t>
+            </a:fld>
+            <a:endParaRPr lang="zh-TW" altLang="en-US"/>
+          </a:p>
+        </p:txBody>
+      </p:sp>
+    </p:spTree>
+    <p:extLst>
+      <p:ext uri="{BB962C8B-B14F-4D97-AF65-F5344CB8AC3E}">
+        <p14:creationId xmlns:p14="http://schemas.microsoft.com/office/powerpoint/2010/main" val="4182624081"/>
+      </p:ext>
+    </p:extLst>
+  </p:cSld>
+  <p:clrMapOvr>
+    <a:masterClrMapping/>
+  </p:clrMapOvr>
+</p:sldLayout>
+</file>
+
+<file path=ppt/slideLayouts/slideLayout15.xml><?xml version="1.0" encoding="utf-8"?>
+<p:sldLayout xmlns:a="http://schemas.openxmlformats.org/drawingml/2006/main" xmlns:r="http://schemas.openxmlformats.org/officeDocument/2006/relationships" xmlns:p="http://schemas.openxmlformats.org/presentationml/2006/main" preserve="1">
+  <p:cSld name="3 圖片欄">
+    <p:spTree>
+      <p:nvGrpSpPr>
+        <p:cNvPr id="1" name=""/>
+        <p:cNvGrpSpPr/>
+        <p:nvPr/>
+      </p:nvGrpSpPr>
+      <p:grpSpPr>
+        <a:xfrm>
+          <a:off x="0" y="0"/>
+          <a:ext cx="0" cy="0"/>
+          <a:chOff x="0" y="0"/>
+          <a:chExt cx="0" cy="0"/>
+        </a:xfrm>
+      </p:grpSpPr>
+      <p:pic>
+        <p:nvPicPr>
+          <p:cNvPr id="2" name="Picture 1" descr="Slate-V2-HD-3colPhotoInset.png"/>
+          <p:cNvPicPr>
+            <a:picLocks noChangeAspect="1"/>
+          </p:cNvPicPr>
+          <p:nvPr/>
+        </p:nvPicPr>
+        <p:blipFill>
+          <a:blip r:embed="rId2">
+            <a:extLst>
+              <a:ext uri="{28A0092B-C50C-407E-A947-70E740481C1C}">
+                <a14:useLocalDpi xmlns:a14="http://schemas.microsoft.com/office/drawing/2010/main" val="0"/>
+              </a:ext>
+            </a:extLst>
+          </a:blip>
+          <a:stretch>
+            <a:fillRect/>
+          </a:stretch>
+        </p:blipFill>
+        <p:spPr>
+          <a:xfrm>
+            <a:off x="897962" y="1818214"/>
+            <a:ext cx="3339972" cy="1847851"/>
+          </a:xfrm>
+          <a:prstGeom prst="rect">
+            <a:avLst/>
+          </a:prstGeom>
+        </p:spPr>
+      </p:pic>
+      <p:pic>
+        <p:nvPicPr>
+          <p:cNvPr id="36" name="Picture 35" descr="Slate-V2-HD-3colPhotoInset.png"/>
+          <p:cNvPicPr>
+            <a:picLocks noChangeAspect="1"/>
+          </p:cNvPicPr>
+          <p:nvPr/>
+        </p:nvPicPr>
+        <p:blipFill>
+          <a:blip r:embed="rId2">
+            <a:extLst>
+              <a:ext uri="{28A0092B-C50C-407E-A947-70E740481C1C}">
+                <a14:useLocalDpi xmlns:a14="http://schemas.microsoft.com/office/drawing/2010/main" val="0"/>
+              </a:ext>
+            </a:extLst>
+          </a:blip>
+          <a:stretch>
+            <a:fillRect/>
+          </a:stretch>
+        </p:blipFill>
+        <p:spPr>
+          <a:xfrm>
+            <a:off x="4403800" y="1818214"/>
+            <a:ext cx="3339972" cy="1847851"/>
+          </a:xfrm>
+          <a:prstGeom prst="rect">
+            <a:avLst/>
+          </a:prstGeom>
+        </p:spPr>
+      </p:pic>
+      <p:pic>
+        <p:nvPicPr>
+          <p:cNvPr id="37" name="Picture 36" descr="Slate-V2-HD-3colPhotoInset.png"/>
+          <p:cNvPicPr>
+            <a:picLocks noChangeAspect="1"/>
+          </p:cNvPicPr>
+          <p:nvPr/>
+        </p:nvPicPr>
+        <p:blipFill>
+          <a:blip r:embed="rId2">
+            <a:extLst>
+              <a:ext uri="{28A0092B-C50C-407E-A947-70E740481C1C}">
+                <a14:useLocalDpi xmlns:a14="http://schemas.microsoft.com/office/drawing/2010/main" val="0"/>
+              </a:ext>
+            </a:extLst>
+          </a:blip>
+          <a:stretch>
+            <a:fillRect/>
+          </a:stretch>
+        </p:blipFill>
+        <p:spPr>
+          <a:xfrm>
+            <a:off x="7936051" y="1818214"/>
+            <a:ext cx="3339972" cy="1847851"/>
+          </a:xfrm>
+          <a:prstGeom prst="rect">
+            <a:avLst/>
+          </a:prstGeom>
+        </p:spPr>
+      </p:pic>
+      <p:sp>
+        <p:nvSpPr>
+          <p:cNvPr id="30" name="Title 1"/>
+          <p:cNvSpPr>
+            <a:spLocks noGrp="1"/>
+          </p:cNvSpPr>
+          <p:nvPr>
+            <p:ph type="title"/>
+          </p:nvPr>
+        </p:nvSpPr>
+        <p:spPr>
+          <a:xfrm>
+            <a:off x="913794" y="609600"/>
+            <a:ext cx="10353763" cy="970450"/>
+          </a:xfrm>
+        </p:spPr>
+        <p:txBody>
+          <a:bodyPr/>
+          <a:lstStyle/>
+          <a:p>
+            <a:r>
+              <a:rPr lang="zh-TW" altLang="en-US"/>
+              <a:t>按一下以編輯母片標題樣式</a:t>
+            </a:r>
+            <a:endParaRPr lang="en-US" dirty="0"/>
+          </a:p>
+        </p:txBody>
+      </p:sp>
+      <p:sp>
+        <p:nvSpPr>
+          <p:cNvPr id="19" name="Text Placeholder 2"/>
+          <p:cNvSpPr>
+            <a:spLocks noGrp="1"/>
+          </p:cNvSpPr>
+          <p:nvPr>
+            <p:ph type="body" idx="1"/>
+          </p:nvPr>
+        </p:nvSpPr>
+        <p:spPr>
+          <a:xfrm>
+            <a:off x="913795" y="3904106"/>
+            <a:ext cx="3300984" cy="576262"/>
+          </a:xfrm>
+        </p:spPr>
+        <p:txBody>
+          <a:bodyPr anchor="b">
+            <a:noAutofit/>
+          </a:bodyPr>
+          <a:lstStyle>
+            <a:lvl1pPr marL="0" indent="0" algn="ctr">
+              <a:buNone/>
+              <a:defRPr sz="2000" b="0">
+                <a:solidFill>
+                  <a:schemeClr val="tx1"/>
+                </a:solidFill>
+              </a:defRPr>
+            </a:lvl1pPr>
+            <a:lvl2pPr marL="457200" indent="0">
+              <a:buNone/>
+              <a:defRPr sz="2000" b="1"/>
+            </a:lvl2pPr>
+            <a:lvl3pPr marL="914400" indent="0">
+              <a:buNone/>
+              <a:defRPr sz="1800" b="1"/>
+            </a:lvl3pPr>
+            <a:lvl4pPr marL="1371600" indent="0">
+              <a:buNone/>
+              <a:defRPr sz="1600" b="1"/>
+            </a:lvl4pPr>
+            <a:lvl5pPr marL="1828800" indent="0">
+              <a:buNone/>
+              <a:defRPr sz="1600" b="1"/>
+            </a:lvl5pPr>
+            <a:lvl6pPr marL="2286000" indent="0">
+              <a:buNone/>
+              <a:defRPr sz="1600" b="1"/>
+            </a:lvl6pPr>
+            <a:lvl7pPr marL="2743200" indent="0">
+              <a:buNone/>
+              <a:defRPr sz="1600" b="1"/>
+            </a:lvl7pPr>
+            <a:lvl8pPr marL="3200400" indent="0">
+              <a:buNone/>
+              <a:defRPr sz="1600" b="1"/>
+            </a:lvl8pPr>
+            <a:lvl9pPr marL="3657600" indent="0">
+              <a:buNone/>
+              <a:defRPr sz="1600" b="1"/>
+            </a:lvl9pPr>
+          </a:lstStyle>
+          <a:p>
+            <a:pPr lvl="0"/>
+            <a:r>
+              <a:rPr lang="zh-TW" altLang="en-US"/>
+              <a:t>按一下以編輯母片文字樣式</a:t>
+            </a:r>
+          </a:p>
+        </p:txBody>
+      </p:sp>
+      <p:sp>
+        <p:nvSpPr>
+          <p:cNvPr id="20" name="Picture Placeholder 2"/>
+          <p:cNvSpPr>
+            <a:spLocks noGrp="1" noChangeAspect="1"/>
+          </p:cNvSpPr>
+          <p:nvPr>
+            <p:ph type="pic" idx="15"/>
+          </p:nvPr>
+        </p:nvSpPr>
+        <p:spPr>
+          <a:xfrm>
+            <a:off x="1018102" y="1938918"/>
+            <a:ext cx="3092368" cy="1602954"/>
+          </a:xfrm>
+          <a:prstGeom prst="roundRect">
+            <a:avLst>
+              <a:gd name="adj" fmla="val 1858"/>
+            </a:avLst>
+          </a:prstGeom>
+          <a:effectLst>
+            <a:outerShdw blurRad="38100" dist="25400" dir="4440000">
+              <a:srgbClr val="000000">
+                <a:alpha val="36000"/>
+              </a:srgbClr>
+            </a:outerShdw>
+          </a:effectLst>
+        </p:spPr>
+        <p:txBody>
+          <a:bodyPr anchor="t">
+            <a:normAutofit/>
+          </a:bodyPr>
+          <a:lstStyle>
+            <a:lvl1pPr marL="0" indent="0" algn="ctr">
+              <a:buNone/>
+              <a:defRPr sz="1600"/>
+            </a:lvl1pPr>
+            <a:lvl2pPr marL="457200" indent="0">
+              <a:buNone/>
+              <a:defRPr sz="1600"/>
+            </a:lvl2pPr>
+            <a:lvl3pPr marL="914400" indent="0">
+              <a:buNone/>
+              <a:defRPr sz="1600"/>
+            </a:lvl3pPr>
+            <a:lvl4pPr marL="1371600" indent="0">
+              <a:buNone/>
+              <a:defRPr sz="1600"/>
+            </a:lvl4pPr>
+            <a:lvl5pPr marL="1828800" indent="0">
+              <a:buNone/>
+              <a:defRPr sz="1600"/>
+            </a:lvl5pPr>
+            <a:lvl6pPr marL="2286000" indent="0">
+              <a:buNone/>
+              <a:defRPr sz="1600"/>
+            </a:lvl6pPr>
+            <a:lvl7pPr marL="2743200" indent="0">
+              <a:buNone/>
+              <a:defRPr sz="1600"/>
+            </a:lvl7pPr>
+            <a:lvl8pPr marL="3200400" indent="0">
+              <a:buNone/>
+              <a:defRPr sz="1600"/>
+            </a:lvl8pPr>
+            <a:lvl9pPr marL="3657600" indent="0">
+              <a:buNone/>
+              <a:defRPr sz="1600"/>
+            </a:lvl9pPr>
+          </a:lstStyle>
+          <a:p>
+            <a:r>
+              <a:rPr lang="zh-TW" altLang="en-US"/>
+              <a:t>按一下圖示以新增圖片</a:t>
+            </a:r>
+            <a:endParaRPr lang="en-US" dirty="0"/>
+          </a:p>
+        </p:txBody>
+      </p:sp>
+      <p:sp>
+        <p:nvSpPr>
+          <p:cNvPr id="21" name="Text Placeholder 3"/>
+          <p:cNvSpPr>
+            <a:spLocks noGrp="1"/>
+          </p:cNvSpPr>
+          <p:nvPr>
+            <p:ph type="body" sz="half" idx="18"/>
+          </p:nvPr>
+        </p:nvSpPr>
+        <p:spPr>
+          <a:xfrm>
+            <a:off x="913795" y="4480368"/>
+            <a:ext cx="3300984" cy="1310833"/>
+          </a:xfrm>
+        </p:spPr>
+        <p:txBody>
+          <a:bodyPr anchor="t">
+            <a:normAutofit/>
+          </a:bodyPr>
+          <a:lstStyle>
+            <a:lvl1pPr marL="0" indent="0" algn="ctr">
+              <a:buNone/>
+              <a:defRPr sz="1400"/>
+            </a:lvl1pPr>
+            <a:lvl2pPr marL="457200" indent="0">
+              <a:buNone/>
+              <a:defRPr sz="1200"/>
+            </a:lvl2pPr>
+            <a:lvl3pPr marL="914400" indent="0">
+              <a:buNone/>
+              <a:defRPr sz="1000"/>
+            </a:lvl3pPr>
+            <a:lvl4pPr marL="1371600" indent="0">
+              <a:buNone/>
+              <a:defRPr sz="900"/>
+            </a:lvl4pPr>
+            <a:lvl5pPr marL="1828800" indent="0">
+              <a:buNone/>
+              <a:defRPr sz="900"/>
+            </a:lvl5pPr>
+            <a:lvl6pPr marL="2286000" indent="0">
+              <a:buNone/>
+              <a:defRPr sz="900"/>
+            </a:lvl6pPr>
+            <a:lvl7pPr marL="2743200" indent="0">
+              <a:buNone/>
+              <a:defRPr sz="900"/>
+            </a:lvl7pPr>
+            <a:lvl8pPr marL="3200400" indent="0">
+              <a:buNone/>
+              <a:defRPr sz="900"/>
+            </a:lvl8pPr>
+            <a:lvl9pPr marL="3657600" indent="0">
+              <a:buNone/>
+              <a:defRPr sz="900"/>
+            </a:lvl9pPr>
+          </a:lstStyle>
+          <a:p>
+            <a:pPr lvl="0"/>
+            <a:r>
+              <a:rPr lang="zh-TW" altLang="en-US"/>
+              <a:t>按一下以編輯母片文字樣式</a:t>
+            </a:r>
+          </a:p>
+        </p:txBody>
+      </p:sp>
+      <p:sp>
+        <p:nvSpPr>
+          <p:cNvPr id="22" name="Text Placeholder 4"/>
+          <p:cNvSpPr>
+            <a:spLocks noGrp="1"/>
+          </p:cNvSpPr>
+          <p:nvPr>
+            <p:ph type="body" sz="quarter" idx="3"/>
+          </p:nvPr>
+        </p:nvSpPr>
+        <p:spPr>
+          <a:xfrm>
+            <a:off x="4442788" y="3904106"/>
+            <a:ext cx="3300984" cy="576262"/>
+          </a:xfrm>
+        </p:spPr>
+        <p:txBody>
+          <a:bodyPr anchor="b">
+            <a:noAutofit/>
+          </a:bodyPr>
+          <a:lstStyle>
+            <a:lvl1pPr marL="0" indent="0" algn="ctr">
+              <a:buNone/>
+              <a:defRPr sz="2000" b="0">
+                <a:solidFill>
+                  <a:schemeClr val="tx1"/>
+                </a:solidFill>
+              </a:defRPr>
+            </a:lvl1pPr>
+            <a:lvl2pPr marL="457200" indent="0">
+              <a:buNone/>
+              <a:defRPr sz="2000" b="1"/>
+            </a:lvl2pPr>
+            <a:lvl3pPr marL="914400" indent="0">
+              <a:buNone/>
+              <a:defRPr sz="1800" b="1"/>
+            </a:lvl3pPr>
+            <a:lvl4pPr marL="1371600" indent="0">
+              <a:buNone/>
+              <a:defRPr sz="1600" b="1"/>
+            </a:lvl4pPr>
+            <a:lvl5pPr marL="1828800" indent="0">
+              <a:buNone/>
+              <a:defRPr sz="1600" b="1"/>
+            </a:lvl5pPr>
+            <a:lvl6pPr marL="2286000" indent="0">
+              <a:buNone/>
+              <a:defRPr sz="1600" b="1"/>
+            </a:lvl6pPr>
+            <a:lvl7pPr marL="2743200" indent="0">
+              <a:buNone/>
+              <a:defRPr sz="1600" b="1"/>
+            </a:lvl7pPr>
+            <a:lvl8pPr marL="3200400" indent="0">
+              <a:buNone/>
+              <a:defRPr sz="1600" b="1"/>
+            </a:lvl8pPr>
+            <a:lvl9pPr marL="3657600" indent="0">
+              <a:buNone/>
+              <a:defRPr sz="1600" b="1"/>
+            </a:lvl9pPr>
+          </a:lstStyle>
+          <a:p>
+            <a:pPr lvl="0"/>
+            <a:r>
+              <a:rPr lang="zh-TW" altLang="en-US"/>
+              <a:t>按一下以編輯母片文字樣式</a:t>
+            </a:r>
+          </a:p>
+        </p:txBody>
+      </p:sp>
+      <p:sp>
+        <p:nvSpPr>
+          <p:cNvPr id="23" name="Picture Placeholder 2"/>
+          <p:cNvSpPr>
+            <a:spLocks noGrp="1" noChangeAspect="1"/>
+          </p:cNvSpPr>
+          <p:nvPr>
+            <p:ph type="pic" idx="21"/>
+          </p:nvPr>
+        </p:nvSpPr>
+        <p:spPr>
+          <a:xfrm>
+            <a:off x="4545743" y="1939094"/>
+            <a:ext cx="3092368" cy="1608164"/>
+          </a:xfrm>
+          <a:prstGeom prst="roundRect">
+            <a:avLst>
+              <a:gd name="adj" fmla="val 1858"/>
+            </a:avLst>
+          </a:prstGeom>
+          <a:effectLst>
+            <a:outerShdw blurRad="38100" dist="25400" dir="4440000">
+              <a:srgbClr val="000000">
+                <a:alpha val="36000"/>
+              </a:srgbClr>
+            </a:outerShdw>
+          </a:effectLst>
+        </p:spPr>
+        <p:txBody>
+          <a:bodyPr anchor="t">
+            <a:normAutofit/>
+          </a:bodyPr>
+          <a:lstStyle>
+            <a:lvl1pPr marL="0" indent="0" algn="ctr">
+              <a:buNone/>
+              <a:defRPr sz="1600"/>
+            </a:lvl1pPr>
+            <a:lvl2pPr marL="457200" indent="0">
+              <a:buNone/>
+              <a:defRPr sz="1600"/>
+            </a:lvl2pPr>
+            <a:lvl3pPr marL="914400" indent="0">
+              <a:buNone/>
+              <a:defRPr sz="1600"/>
+            </a:lvl3pPr>
+            <a:lvl4pPr marL="1371600" indent="0">
+              <a:buNone/>
+              <a:defRPr sz="1600"/>
+            </a:lvl4pPr>
+            <a:lvl5pPr marL="1828800" indent="0">
+              <a:buNone/>
+              <a:defRPr sz="1600"/>
+            </a:lvl5pPr>
+            <a:lvl6pPr marL="2286000" indent="0">
+              <a:buNone/>
+              <a:defRPr sz="1600"/>
+            </a:lvl6pPr>
+            <a:lvl7pPr marL="2743200" indent="0">
+              <a:buNone/>
+              <a:defRPr sz="1600"/>
+            </a:lvl7pPr>
+            <a:lvl8pPr marL="3200400" indent="0">
+              <a:buNone/>
+              <a:defRPr sz="1600"/>
+            </a:lvl8pPr>
+            <a:lvl9pPr marL="3657600" indent="0">
+              <a:buNone/>
+              <a:defRPr sz="1600"/>
+            </a:lvl9pPr>
+          </a:lstStyle>
+          <a:p>
+            <a:r>
+              <a:rPr lang="zh-TW" altLang="en-US"/>
+              <a:t>按一下圖示以新增圖片</a:t>
+            </a:r>
+            <a:endParaRPr lang="en-US" dirty="0"/>
+          </a:p>
+        </p:txBody>
+      </p:sp>
+      <p:sp>
+        <p:nvSpPr>
+          <p:cNvPr id="24" name="Text Placeholder 3"/>
+          <p:cNvSpPr>
+            <a:spLocks noGrp="1"/>
+          </p:cNvSpPr>
+          <p:nvPr>
+            <p:ph type="body" sz="half" idx="19"/>
+          </p:nvPr>
+        </p:nvSpPr>
+        <p:spPr>
+          <a:xfrm>
+            <a:off x="4441435" y="4480367"/>
+            <a:ext cx="3300984" cy="1310833"/>
+          </a:xfrm>
+        </p:spPr>
+        <p:txBody>
+          <a:bodyPr anchor="t">
+            <a:normAutofit/>
+          </a:bodyPr>
+          <a:lstStyle>
+            <a:lvl1pPr marL="0" indent="0" algn="ctr">
+              <a:buNone/>
+              <a:defRPr sz="1400"/>
+            </a:lvl1pPr>
+            <a:lvl2pPr marL="457200" indent="0">
+              <a:buNone/>
+              <a:defRPr sz="1200"/>
+            </a:lvl2pPr>
+            <a:lvl3pPr marL="914400" indent="0">
+              <a:buNone/>
+              <a:defRPr sz="1000"/>
+            </a:lvl3pPr>
+            <a:lvl4pPr marL="1371600" indent="0">
+              <a:buNone/>
+              <a:defRPr sz="900"/>
+            </a:lvl4pPr>
+            <a:lvl5pPr marL="1828800" indent="0">
+              <a:buNone/>
+              <a:defRPr sz="900"/>
+            </a:lvl5pPr>
+            <a:lvl6pPr marL="2286000" indent="0">
+              <a:buNone/>
+              <a:defRPr sz="900"/>
+            </a:lvl6pPr>
+            <a:lvl7pPr marL="2743200" indent="0">
+              <a:buNone/>
+              <a:defRPr sz="900"/>
+            </a:lvl7pPr>
+            <a:lvl8pPr marL="3200400" indent="0">
+              <a:buNone/>
+              <a:defRPr sz="900"/>
+            </a:lvl8pPr>
+            <a:lvl9pPr marL="3657600" indent="0">
+              <a:buNone/>
+              <a:defRPr sz="900"/>
+            </a:lvl9pPr>
+          </a:lstStyle>
+          <a:p>
+            <a:pPr lvl="0"/>
+            <a:r>
+              <a:rPr lang="zh-TW" altLang="en-US"/>
+              <a:t>按一下以編輯母片文字樣式</a:t>
+            </a:r>
+          </a:p>
+        </p:txBody>
+      </p:sp>
+      <p:sp>
+        <p:nvSpPr>
+          <p:cNvPr id="25" name="Text Placeholder 4"/>
+          <p:cNvSpPr>
+            <a:spLocks noGrp="1"/>
+          </p:cNvSpPr>
+          <p:nvPr>
+            <p:ph type="body" sz="quarter" idx="13"/>
+          </p:nvPr>
+        </p:nvSpPr>
+        <p:spPr>
+          <a:xfrm>
+            <a:off x="7966697" y="3904106"/>
+            <a:ext cx="3300984" cy="576262"/>
+          </a:xfrm>
+        </p:spPr>
+        <p:txBody>
+          <a:bodyPr anchor="b">
+            <a:noAutofit/>
+          </a:bodyPr>
+          <a:lstStyle>
+            <a:lvl1pPr marL="0" indent="0" algn="ctr">
+              <a:buNone/>
+              <a:defRPr sz="2000" b="0">
+                <a:solidFill>
+                  <a:schemeClr val="tx1"/>
+                </a:solidFill>
+              </a:defRPr>
+            </a:lvl1pPr>
+            <a:lvl2pPr marL="457200" indent="0">
+              <a:buNone/>
+              <a:defRPr sz="2000" b="1"/>
+            </a:lvl2pPr>
+            <a:lvl3pPr marL="914400" indent="0">
+              <a:buNone/>
+              <a:defRPr sz="1800" b="1"/>
+            </a:lvl3pPr>
+            <a:lvl4pPr marL="1371600" indent="0">
+              <a:buNone/>
+              <a:defRPr sz="1600" b="1"/>
+            </a:lvl4pPr>
+            <a:lvl5pPr marL="1828800" indent="0">
+              <a:buNone/>
+              <a:defRPr sz="1600" b="1"/>
+            </a:lvl5pPr>
+            <a:lvl6pPr marL="2286000" indent="0">
+              <a:buNone/>
+              <a:defRPr sz="1600" b="1"/>
+            </a:lvl6pPr>
+            <a:lvl7pPr marL="2743200" indent="0">
+              <a:buNone/>
+              <a:defRPr sz="1600" b="1"/>
+            </a:lvl7pPr>
+            <a:lvl8pPr marL="3200400" indent="0">
+              <a:buNone/>
+              <a:defRPr sz="1600" b="1"/>
+            </a:lvl8pPr>
+            <a:lvl9pPr marL="3657600" indent="0">
+              <a:buNone/>
+              <a:defRPr sz="1600" b="1"/>
+            </a:lvl9pPr>
+          </a:lstStyle>
+          <a:p>
+            <a:pPr lvl="0"/>
+            <a:r>
+              <a:rPr lang="zh-TW" altLang="en-US"/>
+              <a:t>按一下以編輯母片文字樣式</a:t>
+            </a:r>
+          </a:p>
+        </p:txBody>
+      </p:sp>
+      <p:sp>
+        <p:nvSpPr>
+          <p:cNvPr id="26" name="Picture Placeholder 2"/>
+          <p:cNvSpPr>
+            <a:spLocks noGrp="1" noChangeAspect="1"/>
+          </p:cNvSpPr>
+          <p:nvPr>
+            <p:ph type="pic" idx="22"/>
+          </p:nvPr>
+        </p:nvSpPr>
+        <p:spPr>
+          <a:xfrm>
+            <a:off x="8075698" y="1934432"/>
+            <a:ext cx="3092368" cy="1607294"/>
+          </a:xfrm>
+          <a:prstGeom prst="roundRect">
+            <a:avLst>
+              <a:gd name="adj" fmla="val 1858"/>
+            </a:avLst>
+          </a:prstGeom>
+          <a:effectLst>
+            <a:outerShdw blurRad="38100" dist="25400" dir="4440000">
+              <a:srgbClr val="000000">
+                <a:alpha val="36000"/>
+              </a:srgbClr>
+            </a:outerShdw>
+          </a:effectLst>
+        </p:spPr>
+        <p:txBody>
+          <a:bodyPr anchor="t">
+            <a:normAutofit/>
+          </a:bodyPr>
+          <a:lstStyle>
+            <a:lvl1pPr marL="0" indent="0" algn="ctr">
+              <a:buNone/>
+              <a:defRPr sz="1600"/>
+            </a:lvl1pPr>
+            <a:lvl2pPr marL="457200" indent="0">
+              <a:buNone/>
+              <a:defRPr sz="1600"/>
+            </a:lvl2pPr>
+            <a:lvl3pPr marL="914400" indent="0">
+              <a:buNone/>
+              <a:defRPr sz="1600"/>
+            </a:lvl3pPr>
+            <a:lvl4pPr marL="1371600" indent="0">
+              <a:buNone/>
+              <a:defRPr sz="1600"/>
+            </a:lvl4pPr>
+            <a:lvl5pPr marL="1828800" indent="0">
+              <a:buNone/>
+              <a:defRPr sz="1600"/>
+            </a:lvl5pPr>
+            <a:lvl6pPr marL="2286000" indent="0">
+              <a:buNone/>
+              <a:defRPr sz="1600"/>
+            </a:lvl6pPr>
+            <a:lvl7pPr marL="2743200" indent="0">
+              <a:buNone/>
+              <a:defRPr sz="1600"/>
+            </a:lvl7pPr>
+            <a:lvl8pPr marL="3200400" indent="0">
+              <a:buNone/>
+              <a:defRPr sz="1600"/>
+            </a:lvl8pPr>
+            <a:lvl9pPr marL="3657600" indent="0">
+              <a:buNone/>
+              <a:defRPr sz="1600"/>
+            </a:lvl9pPr>
+          </a:lstStyle>
+          <a:p>
+            <a:r>
+              <a:rPr lang="zh-TW" altLang="en-US"/>
+              <a:t>按一下圖示以新增圖片</a:t>
+            </a:r>
+            <a:endParaRPr lang="en-US" dirty="0"/>
+          </a:p>
+        </p:txBody>
+      </p:sp>
+      <p:sp>
+        <p:nvSpPr>
+          <p:cNvPr id="27" name="Text Placeholder 3"/>
+          <p:cNvSpPr>
+            <a:spLocks noGrp="1"/>
+          </p:cNvSpPr>
+          <p:nvPr>
+            <p:ph type="body" sz="half" idx="20"/>
+          </p:nvPr>
+        </p:nvSpPr>
+        <p:spPr>
+          <a:xfrm>
+            <a:off x="7966572" y="4480365"/>
+            <a:ext cx="3300984" cy="1310835"/>
+          </a:xfrm>
+        </p:spPr>
+        <p:txBody>
+          <a:bodyPr anchor="t">
+            <a:normAutofit/>
+          </a:bodyPr>
+          <a:lstStyle>
+            <a:lvl1pPr marL="0" indent="0" algn="ctr">
+              <a:buNone/>
+              <a:defRPr sz="1400"/>
+            </a:lvl1pPr>
+            <a:lvl2pPr marL="457200" indent="0">
+              <a:buNone/>
+              <a:defRPr sz="1200"/>
+            </a:lvl2pPr>
+            <a:lvl3pPr marL="914400" indent="0">
+              <a:buNone/>
+              <a:defRPr sz="1000"/>
+            </a:lvl3pPr>
+            <a:lvl4pPr marL="1371600" indent="0">
+              <a:buNone/>
+              <a:defRPr sz="900"/>
+            </a:lvl4pPr>
+            <a:lvl5pPr marL="1828800" indent="0">
+              <a:buNone/>
+              <a:defRPr sz="900"/>
+            </a:lvl5pPr>
+            <a:lvl6pPr marL="2286000" indent="0">
+              <a:buNone/>
+              <a:defRPr sz="900"/>
+            </a:lvl6pPr>
+            <a:lvl7pPr marL="2743200" indent="0">
+              <a:buNone/>
+              <a:defRPr sz="900"/>
+            </a:lvl7pPr>
+            <a:lvl8pPr marL="3200400" indent="0">
+              <a:buNone/>
+              <a:defRPr sz="900"/>
+            </a:lvl8pPr>
+            <a:lvl9pPr marL="3657600" indent="0">
+              <a:buNone/>
+              <a:defRPr sz="900"/>
+            </a:lvl9pPr>
+          </a:lstStyle>
+          <a:p>
+            <a:pPr lvl="0"/>
+            <a:r>
+              <a:rPr lang="zh-TW" altLang="en-US"/>
+              <a:t>按一下以編輯母片文字樣式</a:t>
+            </a:r>
+          </a:p>
+        </p:txBody>
+      </p:sp>
+      <p:sp>
+        <p:nvSpPr>
+          <p:cNvPr id="3" name="Date Placeholder 2"/>
+          <p:cNvSpPr>
+            <a:spLocks noGrp="1"/>
+          </p:cNvSpPr>
+          <p:nvPr>
+            <p:ph type="dt" sz="half" idx="10"/>
+          </p:nvPr>
+        </p:nvSpPr>
+        <p:spPr/>
+        <p:txBody>
+          <a:bodyPr/>
+          <a:lstStyle/>
+          <a:p>
+            <a:fld id="{E1DD0487-E332-49B6-A37F-C5F91A3D4890}" type="datetimeFigureOut">
+              <a:rPr lang="zh-TW" altLang="en-US" smtClean="0"/>
+              <a:t>2024/10/9</a:t>
+            </a:fld>
+            <a:endParaRPr lang="zh-TW" altLang="en-US"/>
+          </a:p>
+        </p:txBody>
+      </p:sp>
+      <p:sp>
+        <p:nvSpPr>
+          <p:cNvPr id="4" name="Footer Placeholder 3"/>
+          <p:cNvSpPr>
+            <a:spLocks noGrp="1"/>
+          </p:cNvSpPr>
+          <p:nvPr>
+            <p:ph type="ftr" sz="quarter" idx="11"/>
+          </p:nvPr>
+        </p:nvSpPr>
+        <p:spPr/>
+        <p:txBody>
+          <a:bodyPr/>
+          <a:lstStyle/>
+          <a:p>
+            <a:endParaRPr lang="zh-TW" altLang="en-US"/>
+          </a:p>
+        </p:txBody>
+      </p:sp>
+      <p:sp>
+        <p:nvSpPr>
+          <p:cNvPr id="5" name="Slide Number Placeholder 4"/>
+          <p:cNvSpPr>
+            <a:spLocks noGrp="1"/>
+          </p:cNvSpPr>
+          <p:nvPr>
+            <p:ph type="sldNum" sz="quarter" idx="12"/>
+          </p:nvPr>
+        </p:nvSpPr>
+        <p:spPr/>
+        <p:txBody>
+          <a:bodyPr/>
+          <a:lstStyle/>
+          <a:p>
+            <a:fld id="{BE1853FA-6D88-4DD5-8D05-041AB1763DEF}" type="slidenum">
+              <a:rPr lang="zh-TW" altLang="en-US" smtClean="0"/>
+              <a:t>‹#›</a:t>
+            </a:fld>
+            <a:endParaRPr lang="zh-TW" altLang="en-US"/>
+          </a:p>
+        </p:txBody>
+      </p:sp>
+    </p:spTree>
+    <p:extLst>
+      <p:ext uri="{BB962C8B-B14F-4D97-AF65-F5344CB8AC3E}">
+        <p14:creationId xmlns:p14="http://schemas.microsoft.com/office/powerpoint/2010/main" val="2206478130"/>
+      </p:ext>
+    </p:extLst>
+  </p:cSld>
+  <p:clrMapOvr>
+    <a:masterClrMapping/>
+  </p:clrMapOvr>
+</p:sldLayout>
+</file>
+
+<file path=ppt/slideLayouts/slideLayout16.xml><?xml version="1.0" encoding="utf-8"?>
 <p:sldLayout xmlns:a="http://schemas.openxmlformats.org/drawingml/2006/main" xmlns:r="http://schemas.openxmlformats.org/officeDocument/2006/relationships" xmlns:p="http://schemas.openxmlformats.org/presentationml/2006/main" type="vertTx" preserve="1">
   <p:cSld name="標題及直排文字">
     <p:spTree>
@@ -346,13 +2961,7 @@
       </p:grpSpPr>
       <p:sp>
         <p:nvSpPr>
-          <p:cNvPr id="2" name="標題 1">
-            <a:extLst>
-              <a:ext uri="{FF2B5EF4-FFF2-40B4-BE49-F238E27FC236}">
-                <a16:creationId xmlns:a16="http://schemas.microsoft.com/office/drawing/2014/main" id="{A02F0018-7F8E-4206-A929-07CDC6B5F34A}"/>
-              </a:ext>
-            </a:extLst>
-          </p:cNvPr>
+          <p:cNvPr id="2" name="Title 1"/>
           <p:cNvSpPr>
             <a:spLocks noGrp="1"/>
           </p:cNvSpPr>
@@ -369,18 +2978,13 @@
               <a:rPr lang="zh-TW" altLang="en-US"/>
               <a:t>按一下以編輯母片標題樣式</a:t>
             </a:r>
-          </a:p>
-        </p:txBody>
-      </p:sp>
-      <p:sp>
-        <p:nvSpPr>
-          <p:cNvPr id="3" name="直排文字版面配置區 2">
-            <a:extLst>
-              <a:ext uri="{FF2B5EF4-FFF2-40B4-BE49-F238E27FC236}">
-                <a16:creationId xmlns:a16="http://schemas.microsoft.com/office/drawing/2014/main" id="{9B801E88-34C3-4545-A358-81F5614FED64}"/>
-              </a:ext>
-            </a:extLst>
-          </p:cNvPr>
+            <a:endParaRPr lang="en-US" dirty="0"/>
+          </a:p>
+        </p:txBody>
+      </p:sp>
+      <p:sp>
+        <p:nvSpPr>
+          <p:cNvPr id="3" name="Vertical Text Placeholder 2"/>
           <p:cNvSpPr>
             <a:spLocks noGrp="1"/>
           </p:cNvSpPr>
@@ -390,7 +2994,7 @@
         </p:nvSpPr>
         <p:spPr/>
         <p:txBody>
-          <a:bodyPr vert="eaVert"/>
+          <a:bodyPr vert="eaVert" anchor="t"/>
           <a:lstStyle/>
           <a:p>
             <a:pPr lvl="0"/>
@@ -426,18 +3030,13 @@
               <a:rPr lang="zh-TW" altLang="en-US"/>
               <a:t>第五層</a:t>
             </a:r>
-          </a:p>
-        </p:txBody>
-      </p:sp>
-      <p:sp>
-        <p:nvSpPr>
-          <p:cNvPr id="4" name="日期版面配置區 3">
-            <a:extLst>
-              <a:ext uri="{FF2B5EF4-FFF2-40B4-BE49-F238E27FC236}">
-                <a16:creationId xmlns:a16="http://schemas.microsoft.com/office/drawing/2014/main" id="{60AFD716-8B99-4230-B55F-C8B88ECBB171}"/>
-              </a:ext>
-            </a:extLst>
-          </p:cNvPr>
+            <a:endParaRPr lang="en-US" dirty="0"/>
+          </a:p>
+        </p:txBody>
+      </p:sp>
+      <p:sp>
+        <p:nvSpPr>
+          <p:cNvPr id="4" name="Date Placeholder 3"/>
           <p:cNvSpPr>
             <a:spLocks noGrp="1"/>
           </p:cNvSpPr>
@@ -450,9 +3049,9 @@
           <a:bodyPr/>
           <a:lstStyle/>
           <a:p>
-            <a:fld id="{C3C90D7E-32D6-4894-AE08-7BBB3E610FC9}" type="datetimeFigureOut">
+            <a:fld id="{E1DD0487-E332-49B6-A37F-C5F91A3D4890}" type="datetimeFigureOut">
               <a:rPr lang="zh-TW" altLang="en-US" smtClean="0"/>
-              <a:t>2024/9/16</a:t>
+              <a:t>2024/10/9</a:t>
             </a:fld>
             <a:endParaRPr lang="zh-TW" altLang="en-US"/>
           </a:p>
@@ -460,13 +3059,7 @@
       </p:sp>
       <p:sp>
         <p:nvSpPr>
-          <p:cNvPr id="5" name="頁尾版面配置區 4">
-            <a:extLst>
-              <a:ext uri="{FF2B5EF4-FFF2-40B4-BE49-F238E27FC236}">
-                <a16:creationId xmlns:a16="http://schemas.microsoft.com/office/drawing/2014/main" id="{EA374743-76D9-4BF8-A60C-2F50B2636A8A}"/>
-              </a:ext>
-            </a:extLst>
-          </p:cNvPr>
+          <p:cNvPr id="5" name="Footer Placeholder 4"/>
           <p:cNvSpPr>
             <a:spLocks noGrp="1"/>
           </p:cNvSpPr>
@@ -485,13 +3078,7 @@
       </p:sp>
       <p:sp>
         <p:nvSpPr>
-          <p:cNvPr id="6" name="投影片編號版面配置區 5">
-            <a:extLst>
-              <a:ext uri="{FF2B5EF4-FFF2-40B4-BE49-F238E27FC236}">
-                <a16:creationId xmlns:a16="http://schemas.microsoft.com/office/drawing/2014/main" id="{00454594-6C11-4013-A666-A151E960EC9B}"/>
-              </a:ext>
-            </a:extLst>
-          </p:cNvPr>
+          <p:cNvPr id="6" name="Slide Number Placeholder 5"/>
           <p:cNvSpPr>
             <a:spLocks noGrp="1"/>
           </p:cNvSpPr>
@@ -504,7 +3091,7 @@
           <a:bodyPr/>
           <a:lstStyle/>
           <a:p>
-            <a:fld id="{E31EC408-072F-4346-BD0A-D6AA5788A305}" type="slidenum">
+            <a:fld id="{BE1853FA-6D88-4DD5-8D05-041AB1763DEF}" type="slidenum">
               <a:rPr lang="zh-TW" altLang="en-US" smtClean="0"/>
               <a:t>‹#›</a:t>
             </a:fld>
@@ -515,7 +3102,7 @@
     </p:spTree>
     <p:extLst>
       <p:ext uri="{BB962C8B-B14F-4D97-AF65-F5344CB8AC3E}">
-        <p14:creationId xmlns:p14="http://schemas.microsoft.com/office/powerpoint/2010/main" val="188953001"/>
+        <p14:creationId xmlns:p14="http://schemas.microsoft.com/office/powerpoint/2010/main" val="1115807419"/>
       </p:ext>
     </p:extLst>
   </p:cSld>
@@ -525,7 +3112,7 @@
 </p:sldLayout>
 </file>
 
-<file path=ppt/slideLayouts/slideLayout11.xml><?xml version="1.0" encoding="utf-8"?>
+<file path=ppt/slideLayouts/slideLayout17.xml><?xml version="1.0" encoding="utf-8"?>
 <p:sldLayout xmlns:a="http://schemas.openxmlformats.org/drawingml/2006/main" xmlns:r="http://schemas.openxmlformats.org/officeDocument/2006/relationships" xmlns:p="http://schemas.openxmlformats.org/presentationml/2006/main" type="vertTitleAndTx" preserve="1">
   <p:cSld name="直排標題及文字">
     <p:spTree>
@@ -544,13 +3131,7 @@
       </p:grpSpPr>
       <p:sp>
         <p:nvSpPr>
-          <p:cNvPr id="2" name="直排標題 1">
-            <a:extLst>
-              <a:ext uri="{FF2B5EF4-FFF2-40B4-BE49-F238E27FC236}">
-                <a16:creationId xmlns:a16="http://schemas.microsoft.com/office/drawing/2014/main" id="{70F760AC-E708-4605-85E2-7D0F424B3E29}"/>
-              </a:ext>
-            </a:extLst>
-          </p:cNvPr>
+          <p:cNvPr id="2" name="Vertical Title 1"/>
           <p:cNvSpPr>
             <a:spLocks noGrp="1"/>
           </p:cNvSpPr>
@@ -560,30 +3141,29 @@
         </p:nvSpPr>
         <p:spPr>
           <a:xfrm>
-            <a:off x="8724900" y="365125"/>
-            <a:ext cx="2628900" cy="5811838"/>
+            <a:off x="8983068" y="609599"/>
+            <a:ext cx="2284487" cy="5181601"/>
           </a:xfrm>
         </p:spPr>
         <p:txBody>
           <a:bodyPr vert="eaVert"/>
-          <a:lstStyle/>
+          <a:lstStyle>
+            <a:lvl1pPr algn="l">
+              <a:defRPr/>
+            </a:lvl1pPr>
+          </a:lstStyle>
           <a:p>
             <a:r>
               <a:rPr lang="zh-TW" altLang="en-US"/>
               <a:t>按一下以編輯母片標題樣式</a:t>
             </a:r>
-          </a:p>
-        </p:txBody>
-      </p:sp>
-      <p:sp>
-        <p:nvSpPr>
-          <p:cNvPr id="3" name="直排文字版面配置區 2">
-            <a:extLst>
-              <a:ext uri="{FF2B5EF4-FFF2-40B4-BE49-F238E27FC236}">
-                <a16:creationId xmlns:a16="http://schemas.microsoft.com/office/drawing/2014/main" id="{84BECF48-F3B6-4D47-82A8-C6AE92EDC2F0}"/>
-              </a:ext>
-            </a:extLst>
-          </p:cNvPr>
+            <a:endParaRPr lang="en-US" dirty="0"/>
+          </a:p>
+        </p:txBody>
+      </p:sp>
+      <p:sp>
+        <p:nvSpPr>
+          <p:cNvPr id="3" name="Vertical Text Placeholder 2"/>
           <p:cNvSpPr>
             <a:spLocks noGrp="1"/>
           </p:cNvSpPr>
@@ -593,12 +3173,12 @@
         </p:nvSpPr>
         <p:spPr>
           <a:xfrm>
-            <a:off x="838200" y="365125"/>
-            <a:ext cx="7734300" cy="5811838"/>
+            <a:off x="913796" y="609599"/>
+            <a:ext cx="7916872" cy="5181601"/>
           </a:xfrm>
         </p:spPr>
         <p:txBody>
-          <a:bodyPr vert="eaVert"/>
+          <a:bodyPr vert="eaVert" anchor="t"/>
           <a:lstStyle/>
           <a:p>
             <a:pPr lvl="0"/>
@@ -634,18 +3214,13 @@
               <a:rPr lang="zh-TW" altLang="en-US"/>
               <a:t>第五層</a:t>
             </a:r>
-          </a:p>
-        </p:txBody>
-      </p:sp>
-      <p:sp>
-        <p:nvSpPr>
-          <p:cNvPr id="4" name="日期版面配置區 3">
-            <a:extLst>
-              <a:ext uri="{FF2B5EF4-FFF2-40B4-BE49-F238E27FC236}">
-                <a16:creationId xmlns:a16="http://schemas.microsoft.com/office/drawing/2014/main" id="{215DE52A-093E-4116-A2FE-F61BA999B89F}"/>
-              </a:ext>
-            </a:extLst>
-          </p:cNvPr>
+            <a:endParaRPr lang="en-US" dirty="0"/>
+          </a:p>
+        </p:txBody>
+      </p:sp>
+      <p:sp>
+        <p:nvSpPr>
+          <p:cNvPr id="4" name="Date Placeholder 3"/>
           <p:cNvSpPr>
             <a:spLocks noGrp="1"/>
           </p:cNvSpPr>
@@ -658,9 +3233,9 @@
           <a:bodyPr/>
           <a:lstStyle/>
           <a:p>
-            <a:fld id="{C3C90D7E-32D6-4894-AE08-7BBB3E610FC9}" type="datetimeFigureOut">
+            <a:fld id="{E1DD0487-E332-49B6-A37F-C5F91A3D4890}" type="datetimeFigureOut">
               <a:rPr lang="zh-TW" altLang="en-US" smtClean="0"/>
-              <a:t>2024/9/16</a:t>
+              <a:t>2024/10/9</a:t>
             </a:fld>
             <a:endParaRPr lang="zh-TW" altLang="en-US"/>
           </a:p>
@@ -668,13 +3243,7 @@
       </p:sp>
       <p:sp>
         <p:nvSpPr>
-          <p:cNvPr id="5" name="頁尾版面配置區 4">
-            <a:extLst>
-              <a:ext uri="{FF2B5EF4-FFF2-40B4-BE49-F238E27FC236}">
-                <a16:creationId xmlns:a16="http://schemas.microsoft.com/office/drawing/2014/main" id="{34553FE1-A5D9-4070-AA9C-378F491D4677}"/>
-              </a:ext>
-            </a:extLst>
-          </p:cNvPr>
+          <p:cNvPr id="5" name="Footer Placeholder 4"/>
           <p:cNvSpPr>
             <a:spLocks noGrp="1"/>
           </p:cNvSpPr>
@@ -693,13 +3262,7 @@
       </p:sp>
       <p:sp>
         <p:nvSpPr>
-          <p:cNvPr id="6" name="投影片編號版面配置區 5">
-            <a:extLst>
-              <a:ext uri="{FF2B5EF4-FFF2-40B4-BE49-F238E27FC236}">
-                <a16:creationId xmlns:a16="http://schemas.microsoft.com/office/drawing/2014/main" id="{928EFDDC-5B11-4543-8144-518625EDA57F}"/>
-              </a:ext>
-            </a:extLst>
-          </p:cNvPr>
+          <p:cNvPr id="6" name="Slide Number Placeholder 5"/>
           <p:cNvSpPr>
             <a:spLocks noGrp="1"/>
           </p:cNvSpPr>
@@ -712,7 +3275,7 @@
           <a:bodyPr/>
           <a:lstStyle/>
           <a:p>
-            <a:fld id="{E31EC408-072F-4346-BD0A-D6AA5788A305}" type="slidenum">
+            <a:fld id="{BE1853FA-6D88-4DD5-8D05-041AB1763DEF}" type="slidenum">
               <a:rPr lang="zh-TW" altLang="en-US" smtClean="0"/>
               <a:t>‹#›</a:t>
             </a:fld>
@@ -723,7 +3286,7 @@
     </p:spTree>
     <p:extLst>
       <p:ext uri="{BB962C8B-B14F-4D97-AF65-F5344CB8AC3E}">
-        <p14:creationId xmlns:p14="http://schemas.microsoft.com/office/powerpoint/2010/main" val="2483123943"/>
+        <p14:creationId xmlns:p14="http://schemas.microsoft.com/office/powerpoint/2010/main" val="3041832086"/>
       </p:ext>
     </p:extLst>
   </p:cSld>
@@ -752,13 +3315,7 @@
       </p:grpSpPr>
       <p:sp>
         <p:nvSpPr>
-          <p:cNvPr id="2" name="標題 1">
-            <a:extLst>
-              <a:ext uri="{FF2B5EF4-FFF2-40B4-BE49-F238E27FC236}">
-                <a16:creationId xmlns:a16="http://schemas.microsoft.com/office/drawing/2014/main" id="{A1BFCF4C-FB58-444C-B754-A594851E4C7B}"/>
-              </a:ext>
-            </a:extLst>
-          </p:cNvPr>
+          <p:cNvPr id="2" name="Title 1"/>
           <p:cNvSpPr>
             <a:spLocks noGrp="1"/>
           </p:cNvSpPr>
@@ -775,18 +3332,13 @@
               <a:rPr lang="zh-TW" altLang="en-US"/>
               <a:t>按一下以編輯母片標題樣式</a:t>
             </a:r>
-          </a:p>
-        </p:txBody>
-      </p:sp>
-      <p:sp>
-        <p:nvSpPr>
-          <p:cNvPr id="3" name="內容版面配置區 2">
-            <a:extLst>
-              <a:ext uri="{FF2B5EF4-FFF2-40B4-BE49-F238E27FC236}">
-                <a16:creationId xmlns:a16="http://schemas.microsoft.com/office/drawing/2014/main" id="{987C475D-648F-4511-A6FE-04B04F755F93}"/>
-              </a:ext>
-            </a:extLst>
-          </p:cNvPr>
+            <a:endParaRPr lang="en-US" dirty="0"/>
+          </a:p>
+        </p:txBody>
+      </p:sp>
+      <p:sp>
+        <p:nvSpPr>
+          <p:cNvPr id="3" name="Content Placeholder 2"/>
           <p:cNvSpPr>
             <a:spLocks noGrp="1"/>
           </p:cNvSpPr>
@@ -832,18 +3384,13 @@
               <a:rPr lang="zh-TW" altLang="en-US"/>
               <a:t>第五層</a:t>
             </a:r>
-          </a:p>
-        </p:txBody>
-      </p:sp>
-      <p:sp>
-        <p:nvSpPr>
-          <p:cNvPr id="4" name="日期版面配置區 3">
-            <a:extLst>
-              <a:ext uri="{FF2B5EF4-FFF2-40B4-BE49-F238E27FC236}">
-                <a16:creationId xmlns:a16="http://schemas.microsoft.com/office/drawing/2014/main" id="{F511FCF8-D8F7-4914-920F-D63F2D97F713}"/>
-              </a:ext>
-            </a:extLst>
-          </p:cNvPr>
+            <a:endParaRPr lang="en-US" dirty="0"/>
+          </a:p>
+        </p:txBody>
+      </p:sp>
+      <p:sp>
+        <p:nvSpPr>
+          <p:cNvPr id="4" name="Date Placeholder 3"/>
           <p:cNvSpPr>
             <a:spLocks noGrp="1"/>
           </p:cNvSpPr>
@@ -856,9 +3403,9 @@
           <a:bodyPr/>
           <a:lstStyle/>
           <a:p>
-            <a:fld id="{C3C90D7E-32D6-4894-AE08-7BBB3E610FC9}" type="datetimeFigureOut">
+            <a:fld id="{E1DD0487-E332-49B6-A37F-C5F91A3D4890}" type="datetimeFigureOut">
               <a:rPr lang="zh-TW" altLang="en-US" smtClean="0"/>
-              <a:t>2024/9/16</a:t>
+              <a:t>2024/10/9</a:t>
             </a:fld>
             <a:endParaRPr lang="zh-TW" altLang="en-US"/>
           </a:p>
@@ -866,13 +3413,7 @@
       </p:sp>
       <p:sp>
         <p:nvSpPr>
-          <p:cNvPr id="5" name="頁尾版面配置區 4">
-            <a:extLst>
-              <a:ext uri="{FF2B5EF4-FFF2-40B4-BE49-F238E27FC236}">
-                <a16:creationId xmlns:a16="http://schemas.microsoft.com/office/drawing/2014/main" id="{7E1D3E8F-338D-4B4D-B411-5282866FF95D}"/>
-              </a:ext>
-            </a:extLst>
-          </p:cNvPr>
+          <p:cNvPr id="5" name="Footer Placeholder 4"/>
           <p:cNvSpPr>
             <a:spLocks noGrp="1"/>
           </p:cNvSpPr>
@@ -891,13 +3432,7 @@
       </p:sp>
       <p:sp>
         <p:nvSpPr>
-          <p:cNvPr id="6" name="投影片編號版面配置區 5">
-            <a:extLst>
-              <a:ext uri="{FF2B5EF4-FFF2-40B4-BE49-F238E27FC236}">
-                <a16:creationId xmlns:a16="http://schemas.microsoft.com/office/drawing/2014/main" id="{F7DF3AD5-06B6-42D8-AEDF-66CCE6582524}"/>
-              </a:ext>
-            </a:extLst>
-          </p:cNvPr>
+          <p:cNvPr id="6" name="Slide Number Placeholder 5"/>
           <p:cNvSpPr>
             <a:spLocks noGrp="1"/>
           </p:cNvSpPr>
@@ -910,7 +3445,7 @@
           <a:bodyPr/>
           <a:lstStyle/>
           <a:p>
-            <a:fld id="{E31EC408-072F-4346-BD0A-D6AA5788A305}" type="slidenum">
+            <a:fld id="{BE1853FA-6D88-4DD5-8D05-041AB1763DEF}" type="slidenum">
               <a:rPr lang="zh-TW" altLang="en-US" smtClean="0"/>
               <a:t>‹#›</a:t>
             </a:fld>
@@ -921,7 +3456,7 @@
     </p:spTree>
     <p:extLst>
       <p:ext uri="{BB962C8B-B14F-4D97-AF65-F5344CB8AC3E}">
-        <p14:creationId xmlns:p14="http://schemas.microsoft.com/office/powerpoint/2010/main" val="4198509733"/>
+        <p14:creationId xmlns:p14="http://schemas.microsoft.com/office/powerpoint/2010/main" val="2577190429"/>
       </p:ext>
     </p:extLst>
   </p:cSld>
@@ -950,13 +3485,7 @@
       </p:grpSpPr>
       <p:sp>
         <p:nvSpPr>
-          <p:cNvPr id="2" name="標題 1">
-            <a:extLst>
-              <a:ext uri="{FF2B5EF4-FFF2-40B4-BE49-F238E27FC236}">
-                <a16:creationId xmlns:a16="http://schemas.microsoft.com/office/drawing/2014/main" id="{5986B870-2B24-4658-9AEB-3C92E8E40B41}"/>
-              </a:ext>
-            </a:extLst>
-          </p:cNvPr>
+          <p:cNvPr id="2" name="Title 1"/>
           <p:cNvSpPr>
             <a:spLocks noGrp="1"/>
           </p:cNvSpPr>
@@ -966,15 +3495,15 @@
         </p:nvSpPr>
         <p:spPr>
           <a:xfrm>
-            <a:off x="831850" y="1709738"/>
-            <a:ext cx="10515600" cy="2852737"/>
+            <a:off x="1295401" y="1761067"/>
+            <a:ext cx="9590550" cy="1828813"/>
           </a:xfrm>
         </p:spPr>
         <p:txBody>
           <a:bodyPr anchor="b"/>
           <a:lstStyle>
-            <a:lvl1pPr>
-              <a:defRPr sz="6000"/>
+            <a:lvl1pPr algn="ctr">
+              <a:defRPr sz="4000" b="0" cap="none"/>
             </a:lvl1pPr>
           </a:lstStyle>
           <a:p>
@@ -982,18 +3511,13 @@
               <a:rPr lang="zh-TW" altLang="en-US"/>
               <a:t>按一下以編輯母片標題樣式</a:t>
             </a:r>
-          </a:p>
-        </p:txBody>
-      </p:sp>
-      <p:sp>
-        <p:nvSpPr>
-          <p:cNvPr id="3" name="文字版面配置區 2">
-            <a:extLst>
-              <a:ext uri="{FF2B5EF4-FFF2-40B4-BE49-F238E27FC236}">
-                <a16:creationId xmlns:a16="http://schemas.microsoft.com/office/drawing/2014/main" id="{90235018-E757-4630-8511-F466B919268F}"/>
-              </a:ext>
-            </a:extLst>
-          </p:cNvPr>
+            <a:endParaRPr lang="en-US" dirty="0"/>
+          </a:p>
+        </p:txBody>
+      </p:sp>
+      <p:sp>
+        <p:nvSpPr>
+          <p:cNvPr id="3" name="Text Placeholder 2"/>
           <p:cNvSpPr>
             <a:spLocks noGrp="1"/>
           </p:cNvSpPr>
@@ -1003,26 +3527,24 @@
         </p:nvSpPr>
         <p:spPr>
           <a:xfrm>
-            <a:off x="831850" y="4589463"/>
-            <a:ext cx="10515600" cy="1500187"/>
+            <a:off x="1295401" y="3589879"/>
+            <a:ext cx="9590550" cy="1507054"/>
           </a:xfrm>
         </p:spPr>
         <p:txBody>
-          <a:bodyPr/>
+          <a:bodyPr anchor="t"/>
           <a:lstStyle>
-            <a:lvl1pPr marL="0" indent="0">
-              <a:buNone/>
-              <a:defRPr sz="2400">
+            <a:lvl1pPr marL="0" indent="0" algn="ctr">
+              <a:buNone/>
+              <a:defRPr sz="2000">
                 <a:solidFill>
-                  <a:schemeClr val="tx1">
-                    <a:tint val="75000"/>
-                  </a:schemeClr>
+                  <a:schemeClr val="tx1"/>
                 </a:solidFill>
               </a:defRPr>
             </a:lvl1pPr>
             <a:lvl2pPr marL="457200" indent="0">
               <a:buNone/>
-              <a:defRPr sz="2000">
+              <a:defRPr sz="1800">
                 <a:solidFill>
                   <a:schemeClr val="tx1">
                     <a:tint val="75000"/>
@@ -1032,7 +3554,7 @@
             </a:lvl2pPr>
             <a:lvl3pPr marL="914400" indent="0">
               <a:buNone/>
-              <a:defRPr sz="1800">
+              <a:defRPr sz="1600">
                 <a:solidFill>
                   <a:schemeClr val="tx1">
                     <a:tint val="75000"/>
@@ -1042,7 +3564,7 @@
             </a:lvl3pPr>
             <a:lvl4pPr marL="1371600" indent="0">
               <a:buNone/>
-              <a:defRPr sz="1600">
+              <a:defRPr sz="1400">
                 <a:solidFill>
                   <a:schemeClr val="tx1">
                     <a:tint val="75000"/>
@@ -1052,7 +3574,7 @@
             </a:lvl4pPr>
             <a:lvl5pPr marL="1828800" indent="0">
               <a:buNone/>
-              <a:defRPr sz="1600">
+              <a:defRPr sz="1400">
                 <a:solidFill>
                   <a:schemeClr val="tx1">
                     <a:tint val="75000"/>
@@ -1062,7 +3584,7 @@
             </a:lvl5pPr>
             <a:lvl6pPr marL="2286000" indent="0">
               <a:buNone/>
-              <a:defRPr sz="1600">
+              <a:defRPr sz="1400">
                 <a:solidFill>
                   <a:schemeClr val="tx1">
                     <a:tint val="75000"/>
@@ -1072,7 +3594,7 @@
             </a:lvl6pPr>
             <a:lvl7pPr marL="2743200" indent="0">
               <a:buNone/>
-              <a:defRPr sz="1600">
+              <a:defRPr sz="1400">
                 <a:solidFill>
                   <a:schemeClr val="tx1">
                     <a:tint val="75000"/>
@@ -1082,7 +3604,7 @@
             </a:lvl7pPr>
             <a:lvl8pPr marL="3200400" indent="0">
               <a:buNone/>
-              <a:defRPr sz="1600">
+              <a:defRPr sz="1400">
                 <a:solidFill>
                   <a:schemeClr val="tx1">
                     <a:tint val="75000"/>
@@ -1092,7 +3614,7 @@
             </a:lvl8pPr>
             <a:lvl9pPr marL="3657600" indent="0">
               <a:buNone/>
-              <a:defRPr sz="1600">
+              <a:defRPr sz="1400">
                 <a:solidFill>
                   <a:schemeClr val="tx1">
                     <a:tint val="75000"/>
@@ -1112,13 +3634,7 @@
       </p:sp>
       <p:sp>
         <p:nvSpPr>
-          <p:cNvPr id="4" name="日期版面配置區 3">
-            <a:extLst>
-              <a:ext uri="{FF2B5EF4-FFF2-40B4-BE49-F238E27FC236}">
-                <a16:creationId xmlns:a16="http://schemas.microsoft.com/office/drawing/2014/main" id="{37546C76-CF19-433D-9070-0A54A149F1B2}"/>
-              </a:ext>
-            </a:extLst>
-          </p:cNvPr>
+          <p:cNvPr id="4" name="Date Placeholder 3"/>
           <p:cNvSpPr>
             <a:spLocks noGrp="1"/>
           </p:cNvSpPr>
@@ -1131,9 +3647,9 @@
           <a:bodyPr/>
           <a:lstStyle/>
           <a:p>
-            <a:fld id="{C3C90D7E-32D6-4894-AE08-7BBB3E610FC9}" type="datetimeFigureOut">
+            <a:fld id="{E1DD0487-E332-49B6-A37F-C5F91A3D4890}" type="datetimeFigureOut">
               <a:rPr lang="zh-TW" altLang="en-US" smtClean="0"/>
-              <a:t>2024/9/16</a:t>
+              <a:t>2024/10/9</a:t>
             </a:fld>
             <a:endParaRPr lang="zh-TW" altLang="en-US"/>
           </a:p>
@@ -1141,13 +3657,7 @@
       </p:sp>
       <p:sp>
         <p:nvSpPr>
-          <p:cNvPr id="5" name="頁尾版面配置區 4">
-            <a:extLst>
-              <a:ext uri="{FF2B5EF4-FFF2-40B4-BE49-F238E27FC236}">
-                <a16:creationId xmlns:a16="http://schemas.microsoft.com/office/drawing/2014/main" id="{9C9DC25F-827C-4564-AD0E-7FD815D53AF7}"/>
-              </a:ext>
-            </a:extLst>
-          </p:cNvPr>
+          <p:cNvPr id="5" name="Footer Placeholder 4"/>
           <p:cNvSpPr>
             <a:spLocks noGrp="1"/>
           </p:cNvSpPr>
@@ -1166,13 +3676,7 @@
       </p:sp>
       <p:sp>
         <p:nvSpPr>
-          <p:cNvPr id="6" name="投影片編號版面配置區 5">
-            <a:extLst>
-              <a:ext uri="{FF2B5EF4-FFF2-40B4-BE49-F238E27FC236}">
-                <a16:creationId xmlns:a16="http://schemas.microsoft.com/office/drawing/2014/main" id="{8C0653A6-68AA-4213-8D62-EAF9243D6998}"/>
-              </a:ext>
-            </a:extLst>
-          </p:cNvPr>
+          <p:cNvPr id="6" name="Slide Number Placeholder 5"/>
           <p:cNvSpPr>
             <a:spLocks noGrp="1"/>
           </p:cNvSpPr>
@@ -1185,7 +3689,7 @@
           <a:bodyPr/>
           <a:lstStyle/>
           <a:p>
-            <a:fld id="{E31EC408-072F-4346-BD0A-D6AA5788A305}" type="slidenum">
+            <a:fld id="{BE1853FA-6D88-4DD5-8D05-041AB1763DEF}" type="slidenum">
               <a:rPr lang="zh-TW" altLang="en-US" smtClean="0"/>
               <a:t>‹#›</a:t>
             </a:fld>
@@ -1196,7 +3700,7 @@
     </p:spTree>
     <p:extLst>
       <p:ext uri="{BB962C8B-B14F-4D97-AF65-F5344CB8AC3E}">
-        <p14:creationId xmlns:p14="http://schemas.microsoft.com/office/powerpoint/2010/main" val="3126775509"/>
+        <p14:creationId xmlns:p14="http://schemas.microsoft.com/office/powerpoint/2010/main" val="1755450433"/>
       </p:ext>
     </p:extLst>
   </p:cSld>
@@ -1225,13 +3729,7 @@
       </p:grpSpPr>
       <p:sp>
         <p:nvSpPr>
-          <p:cNvPr id="2" name="標題 1">
-            <a:extLst>
-              <a:ext uri="{FF2B5EF4-FFF2-40B4-BE49-F238E27FC236}">
-                <a16:creationId xmlns:a16="http://schemas.microsoft.com/office/drawing/2014/main" id="{F8A74D77-9E6E-4FD1-97AD-0ADC1228B6AF}"/>
-              </a:ext>
-            </a:extLst>
-          </p:cNvPr>
+          <p:cNvPr id="2" name="Title 1"/>
           <p:cNvSpPr>
             <a:spLocks noGrp="1"/>
           </p:cNvSpPr>
@@ -1248,18 +3746,13 @@
               <a:rPr lang="zh-TW" altLang="en-US"/>
               <a:t>按一下以編輯母片標題樣式</a:t>
             </a:r>
-          </a:p>
-        </p:txBody>
-      </p:sp>
-      <p:sp>
-        <p:nvSpPr>
-          <p:cNvPr id="3" name="內容版面配置區 2">
-            <a:extLst>
-              <a:ext uri="{FF2B5EF4-FFF2-40B4-BE49-F238E27FC236}">
-                <a16:creationId xmlns:a16="http://schemas.microsoft.com/office/drawing/2014/main" id="{9FDE4E9B-689C-4373-B281-9636BE211982}"/>
-              </a:ext>
-            </a:extLst>
-          </p:cNvPr>
+            <a:endParaRPr lang="en-US" dirty="0"/>
+          </a:p>
+        </p:txBody>
+      </p:sp>
+      <p:sp>
+        <p:nvSpPr>
+          <p:cNvPr id="3" name="Content Placeholder 2"/>
           <p:cNvSpPr>
             <a:spLocks noGrp="1"/>
           </p:cNvSpPr>
@@ -1269,126 +3762,162 @@
         </p:nvSpPr>
         <p:spPr>
           <a:xfrm>
-            <a:off x="838200" y="1825625"/>
-            <a:ext cx="5181600" cy="4351338"/>
+            <a:off x="913795" y="1732449"/>
+            <a:ext cx="5060497" cy="4058750"/>
           </a:xfrm>
         </p:spPr>
         <p:txBody>
+          <a:bodyPr anchor="t">
+            <a:normAutofit/>
+          </a:bodyPr>
+          <a:lstStyle/>
+          <a:p>
+            <a:pPr lvl="0"/>
+            <a:r>
+              <a:rPr lang="zh-TW" altLang="en-US"/>
+              <a:t>按一下以編輯母片文字樣式</a:t>
+            </a:r>
+          </a:p>
+          <a:p>
+            <a:pPr lvl="1"/>
+            <a:r>
+              <a:rPr lang="zh-TW" altLang="en-US"/>
+              <a:t>第二層</a:t>
+            </a:r>
+          </a:p>
+          <a:p>
+            <a:pPr lvl="2"/>
+            <a:r>
+              <a:rPr lang="zh-TW" altLang="en-US"/>
+              <a:t>第三層</a:t>
+            </a:r>
+          </a:p>
+          <a:p>
+            <a:pPr lvl="3"/>
+            <a:r>
+              <a:rPr lang="zh-TW" altLang="en-US"/>
+              <a:t>第四層</a:t>
+            </a:r>
+          </a:p>
+          <a:p>
+            <a:pPr lvl="4"/>
+            <a:r>
+              <a:rPr lang="zh-TW" altLang="en-US"/>
+              <a:t>第五層</a:t>
+            </a:r>
+            <a:endParaRPr lang="en-US" dirty="0"/>
+          </a:p>
+        </p:txBody>
+      </p:sp>
+      <p:sp>
+        <p:nvSpPr>
+          <p:cNvPr id="4" name="Content Placeholder 3"/>
+          <p:cNvSpPr>
+            <a:spLocks noGrp="1"/>
+          </p:cNvSpPr>
+          <p:nvPr>
+            <p:ph sz="half" idx="2"/>
+          </p:nvPr>
+        </p:nvSpPr>
+        <p:spPr>
+          <a:xfrm>
+            <a:off x="6202892" y="1732449"/>
+            <a:ext cx="5064665" cy="4058751"/>
+          </a:xfrm>
+        </p:spPr>
+        <p:txBody>
+          <a:bodyPr anchor="t">
+            <a:normAutofit/>
+          </a:bodyPr>
+          <a:lstStyle/>
+          <a:p>
+            <a:pPr lvl="0"/>
+            <a:r>
+              <a:rPr lang="zh-TW" altLang="en-US"/>
+              <a:t>按一下以編輯母片文字樣式</a:t>
+            </a:r>
+          </a:p>
+          <a:p>
+            <a:pPr lvl="1"/>
+            <a:r>
+              <a:rPr lang="zh-TW" altLang="en-US"/>
+              <a:t>第二層</a:t>
+            </a:r>
+          </a:p>
+          <a:p>
+            <a:pPr lvl="2"/>
+            <a:r>
+              <a:rPr lang="zh-TW" altLang="en-US"/>
+              <a:t>第三層</a:t>
+            </a:r>
+          </a:p>
+          <a:p>
+            <a:pPr lvl="3"/>
+            <a:r>
+              <a:rPr lang="zh-TW" altLang="en-US"/>
+              <a:t>第四層</a:t>
+            </a:r>
+          </a:p>
+          <a:p>
+            <a:pPr lvl="4"/>
+            <a:r>
+              <a:rPr lang="zh-TW" altLang="en-US"/>
+              <a:t>第五層</a:t>
+            </a:r>
+            <a:endParaRPr lang="en-US" dirty="0"/>
+          </a:p>
+        </p:txBody>
+      </p:sp>
+      <p:sp>
+        <p:nvSpPr>
+          <p:cNvPr id="5" name="Date Placeholder 4"/>
+          <p:cNvSpPr>
+            <a:spLocks noGrp="1"/>
+          </p:cNvSpPr>
+          <p:nvPr>
+            <p:ph type="dt" sz="half" idx="10"/>
+          </p:nvPr>
+        </p:nvSpPr>
+        <p:spPr/>
+        <p:txBody>
           <a:bodyPr/>
           <a:lstStyle/>
           <a:p>
-            <a:pPr lvl="0"/>
-            <a:r>
-              <a:rPr lang="zh-TW" altLang="en-US"/>
-              <a:t>按一下以編輯母片文字樣式</a:t>
-            </a:r>
-          </a:p>
-          <a:p>
-            <a:pPr lvl="1"/>
-            <a:r>
-              <a:rPr lang="zh-TW" altLang="en-US"/>
-              <a:t>第二層</a:t>
-            </a:r>
-          </a:p>
-          <a:p>
-            <a:pPr lvl="2"/>
-            <a:r>
-              <a:rPr lang="zh-TW" altLang="en-US"/>
-              <a:t>第三層</a:t>
-            </a:r>
-          </a:p>
-          <a:p>
-            <a:pPr lvl="3"/>
-            <a:r>
-              <a:rPr lang="zh-TW" altLang="en-US"/>
-              <a:t>第四層</a:t>
-            </a:r>
-          </a:p>
-          <a:p>
-            <a:pPr lvl="4"/>
-            <a:r>
-              <a:rPr lang="zh-TW" altLang="en-US"/>
-              <a:t>第五層</a:t>
-            </a:r>
-          </a:p>
-        </p:txBody>
-      </p:sp>
-      <p:sp>
-        <p:nvSpPr>
-          <p:cNvPr id="4" name="內容版面配置區 3">
-            <a:extLst>
-              <a:ext uri="{FF2B5EF4-FFF2-40B4-BE49-F238E27FC236}">
-                <a16:creationId xmlns:a16="http://schemas.microsoft.com/office/drawing/2014/main" id="{CD25EC10-0BDA-4ECA-AB8E-059AC3378E22}"/>
-              </a:ext>
-            </a:extLst>
-          </p:cNvPr>
-          <p:cNvSpPr>
-            <a:spLocks noGrp="1"/>
-          </p:cNvSpPr>
-          <p:nvPr>
-            <p:ph sz="half" idx="2"/>
-          </p:nvPr>
-        </p:nvSpPr>
-        <p:spPr>
-          <a:xfrm>
-            <a:off x="6172200" y="1825625"/>
-            <a:ext cx="5181600" cy="4351338"/>
-          </a:xfrm>
-        </p:spPr>
+            <a:fld id="{E1DD0487-E332-49B6-A37F-C5F91A3D4890}" type="datetimeFigureOut">
+              <a:rPr lang="zh-TW" altLang="en-US" smtClean="0"/>
+              <a:t>2024/10/9</a:t>
+            </a:fld>
+            <a:endParaRPr lang="zh-TW" altLang="en-US"/>
+          </a:p>
+        </p:txBody>
+      </p:sp>
+      <p:sp>
+        <p:nvSpPr>
+          <p:cNvPr id="6" name="Footer Placeholder 5"/>
+          <p:cNvSpPr>
+            <a:spLocks noGrp="1"/>
+          </p:cNvSpPr>
+          <p:nvPr>
+            <p:ph type="ftr" sz="quarter" idx="11"/>
+          </p:nvPr>
+        </p:nvSpPr>
+        <p:spPr/>
         <p:txBody>
           <a:bodyPr/>
           <a:lstStyle/>
           <a:p>
-            <a:pPr lvl="0"/>
-            <a:r>
-              <a:rPr lang="zh-TW" altLang="en-US"/>
-              <a:t>按一下以編輯母片文字樣式</a:t>
-            </a:r>
-          </a:p>
-          <a:p>
-            <a:pPr lvl="1"/>
-            <a:r>
-              <a:rPr lang="zh-TW" altLang="en-US"/>
-              <a:t>第二層</a:t>
-            </a:r>
-          </a:p>
-          <a:p>
-            <a:pPr lvl="2"/>
-            <a:r>
-              <a:rPr lang="zh-TW" altLang="en-US"/>
-              <a:t>第三層</a:t>
-            </a:r>
-          </a:p>
-          <a:p>
-            <a:pPr lvl="3"/>
-            <a:r>
-              <a:rPr lang="zh-TW" altLang="en-US"/>
-              <a:t>第四層</a:t>
-            </a:r>
-          </a:p>
-          <a:p>
-            <a:pPr lvl="4"/>
-            <a:r>
-              <a:rPr lang="zh-TW" altLang="en-US"/>
-              <a:t>第五層</a:t>
-            </a:r>
-          </a:p>
-        </p:txBody>
-      </p:sp>
-      <p:sp>
-        <p:nvSpPr>
-          <p:cNvPr id="5" name="日期版面配置區 4">
-            <a:extLst>
-              <a:ext uri="{FF2B5EF4-FFF2-40B4-BE49-F238E27FC236}">
-                <a16:creationId xmlns:a16="http://schemas.microsoft.com/office/drawing/2014/main" id="{63DAF127-0983-4C38-869C-C0A513FA9147}"/>
-              </a:ext>
-            </a:extLst>
-          </p:cNvPr>
-          <p:cNvSpPr>
-            <a:spLocks noGrp="1"/>
-          </p:cNvSpPr>
-          <p:nvPr>
-            <p:ph type="dt" sz="half" idx="10"/>
+            <a:endParaRPr lang="zh-TW" altLang="en-US"/>
+          </a:p>
+        </p:txBody>
+      </p:sp>
+      <p:sp>
+        <p:nvSpPr>
+          <p:cNvPr id="7" name="Slide Number Placeholder 6"/>
+          <p:cNvSpPr>
+            <a:spLocks noGrp="1"/>
+          </p:cNvSpPr>
+          <p:nvPr>
+            <p:ph type="sldNum" sz="quarter" idx="12"/>
           </p:nvPr>
         </p:nvSpPr>
         <p:spPr/>
@@ -1396,61 +3925,7 @@
           <a:bodyPr/>
           <a:lstStyle/>
           <a:p>
-            <a:fld id="{C3C90D7E-32D6-4894-AE08-7BBB3E610FC9}" type="datetimeFigureOut">
-              <a:rPr lang="zh-TW" altLang="en-US" smtClean="0"/>
-              <a:t>2024/9/16</a:t>
-            </a:fld>
-            <a:endParaRPr lang="zh-TW" altLang="en-US"/>
-          </a:p>
-        </p:txBody>
-      </p:sp>
-      <p:sp>
-        <p:nvSpPr>
-          <p:cNvPr id="6" name="頁尾版面配置區 5">
-            <a:extLst>
-              <a:ext uri="{FF2B5EF4-FFF2-40B4-BE49-F238E27FC236}">
-                <a16:creationId xmlns:a16="http://schemas.microsoft.com/office/drawing/2014/main" id="{E014CBA6-CCE3-4CF4-8E13-D895EDBD8F25}"/>
-              </a:ext>
-            </a:extLst>
-          </p:cNvPr>
-          <p:cNvSpPr>
-            <a:spLocks noGrp="1"/>
-          </p:cNvSpPr>
-          <p:nvPr>
-            <p:ph type="ftr" sz="quarter" idx="11"/>
-          </p:nvPr>
-        </p:nvSpPr>
-        <p:spPr/>
-        <p:txBody>
-          <a:bodyPr/>
-          <a:lstStyle/>
-          <a:p>
-            <a:endParaRPr lang="zh-TW" altLang="en-US"/>
-          </a:p>
-        </p:txBody>
-      </p:sp>
-      <p:sp>
-        <p:nvSpPr>
-          <p:cNvPr id="7" name="投影片編號版面配置區 6">
-            <a:extLst>
-              <a:ext uri="{FF2B5EF4-FFF2-40B4-BE49-F238E27FC236}">
-                <a16:creationId xmlns:a16="http://schemas.microsoft.com/office/drawing/2014/main" id="{5CEAA8E5-79B3-445E-B8C3-29BD56CE6D7A}"/>
-              </a:ext>
-            </a:extLst>
-          </p:cNvPr>
-          <p:cNvSpPr>
-            <a:spLocks noGrp="1"/>
-          </p:cNvSpPr>
-          <p:nvPr>
-            <p:ph type="sldNum" sz="quarter" idx="12"/>
-          </p:nvPr>
-        </p:nvSpPr>
-        <p:spPr/>
-        <p:txBody>
-          <a:bodyPr/>
-          <a:lstStyle/>
-          <a:p>
-            <a:fld id="{E31EC408-072F-4346-BD0A-D6AA5788A305}" type="slidenum">
+            <a:fld id="{BE1853FA-6D88-4DD5-8D05-041AB1763DEF}" type="slidenum">
               <a:rPr lang="zh-TW" altLang="en-US" smtClean="0"/>
               <a:t>‹#›</a:t>
             </a:fld>
@@ -1461,7 +3936,7 @@
     </p:spTree>
     <p:extLst>
       <p:ext uri="{BB962C8B-B14F-4D97-AF65-F5344CB8AC3E}">
-        <p14:creationId xmlns:p14="http://schemas.microsoft.com/office/powerpoint/2010/main" val="3858213488"/>
+        <p14:creationId xmlns:p14="http://schemas.microsoft.com/office/powerpoint/2010/main" val="2804481071"/>
       </p:ext>
     </p:extLst>
   </p:cSld>
@@ -1488,67 +3963,117 @@
           <a:chExt cx="0" cy="0"/>
         </a:xfrm>
       </p:grpSpPr>
-      <p:sp>
-        <p:nvSpPr>
-          <p:cNvPr id="2" name="標題 1">
+      <p:pic>
+        <p:nvPicPr>
+          <p:cNvPr id="20" name="Picture 19" descr="Slate-V2-HD-compPhotoInset.png"/>
+          <p:cNvPicPr>
+            <a:picLocks noChangeAspect="1"/>
+          </p:cNvPicPr>
+          <p:nvPr/>
+        </p:nvPicPr>
+        <p:blipFill>
+          <a:blip r:embed="rId2">
             <a:extLst>
-              <a:ext uri="{FF2B5EF4-FFF2-40B4-BE49-F238E27FC236}">
-                <a16:creationId xmlns:a16="http://schemas.microsoft.com/office/drawing/2014/main" id="{A00F76B6-8DEC-4A74-A06A-BA0146321CD8}"/>
+              <a:ext uri="{28A0092B-C50C-407E-A947-70E740481C1C}">
+                <a14:useLocalDpi xmlns:a14="http://schemas.microsoft.com/office/drawing/2010/main" val="0"/>
               </a:ext>
             </a:extLst>
-          </p:cNvPr>
-          <p:cNvSpPr>
-            <a:spLocks noGrp="1"/>
-          </p:cNvSpPr>
-          <p:nvPr>
-            <p:ph type="title"/>
-          </p:nvPr>
-        </p:nvSpPr>
+          </a:blip>
+          <a:stretch>
+            <a:fillRect/>
+          </a:stretch>
+        </p:blipFill>
         <p:spPr>
           <a:xfrm>
-            <a:off x="839788" y="365125"/>
-            <a:ext cx="10515600" cy="1325563"/>
+            <a:off x="913795" y="1734506"/>
+            <a:ext cx="5089072" cy="4148769"/>
+          </a:xfrm>
+          <a:prstGeom prst="rect">
+            <a:avLst/>
+          </a:prstGeom>
+        </p:spPr>
+      </p:pic>
+      <p:pic>
+        <p:nvPicPr>
+          <p:cNvPr id="21" name="Picture 20" descr="Slate-V2-HD-compPhotoInset.png"/>
+          <p:cNvPicPr>
+            <a:picLocks noChangeAspect="1"/>
+          </p:cNvPicPr>
+          <p:nvPr/>
+        </p:nvPicPr>
+        <p:blipFill>
+          <a:blip r:embed="rId2">
+            <a:extLst>
+              <a:ext uri="{28A0092B-C50C-407E-A947-70E740481C1C}">
+                <a14:useLocalDpi xmlns:a14="http://schemas.microsoft.com/office/drawing/2010/main" val="0"/>
+              </a:ext>
+            </a:extLst>
+          </a:blip>
+          <a:stretch>
+            <a:fillRect/>
+          </a:stretch>
+        </p:blipFill>
+        <p:spPr>
+          <a:xfrm>
+            <a:off x="6178485" y="1734506"/>
+            <a:ext cx="5089072" cy="4148769"/>
+          </a:xfrm>
+          <a:prstGeom prst="rect">
+            <a:avLst/>
+          </a:prstGeom>
+        </p:spPr>
+      </p:pic>
+      <p:sp>
+        <p:nvSpPr>
+          <p:cNvPr id="2" name="Title 1"/>
+          <p:cNvSpPr>
+            <a:spLocks noGrp="1"/>
+          </p:cNvSpPr>
+          <p:nvPr>
+            <p:ph type="title"/>
+          </p:nvPr>
+        </p:nvSpPr>
+        <p:spPr/>
+        <p:txBody>
+          <a:bodyPr/>
+          <a:lstStyle>
+            <a:lvl1pPr>
+              <a:defRPr/>
+            </a:lvl1pPr>
+          </a:lstStyle>
+          <a:p>
+            <a:r>
+              <a:rPr lang="zh-TW" altLang="en-US"/>
+              <a:t>按一下以編輯母片標題樣式</a:t>
+            </a:r>
+            <a:endParaRPr lang="en-US" dirty="0"/>
+          </a:p>
+        </p:txBody>
+      </p:sp>
+      <p:sp>
+        <p:nvSpPr>
+          <p:cNvPr id="3" name="Text Placeholder 2"/>
+          <p:cNvSpPr>
+            <a:spLocks noGrp="1"/>
+          </p:cNvSpPr>
+          <p:nvPr>
+            <p:ph type="body" idx="1"/>
+          </p:nvPr>
+        </p:nvSpPr>
+        <p:spPr>
+          <a:xfrm>
+            <a:off x="1005872" y="1835254"/>
+            <a:ext cx="4876344" cy="544884"/>
           </a:xfrm>
         </p:spPr>
         <p:txBody>
-          <a:bodyPr/>
-          <a:lstStyle/>
-          <a:p>
-            <a:r>
-              <a:rPr lang="zh-TW" altLang="en-US"/>
-              <a:t>按一下以編輯母片標題樣式</a:t>
-            </a:r>
-          </a:p>
-        </p:txBody>
-      </p:sp>
-      <p:sp>
-        <p:nvSpPr>
-          <p:cNvPr id="3" name="文字版面配置區 2">
-            <a:extLst>
-              <a:ext uri="{FF2B5EF4-FFF2-40B4-BE49-F238E27FC236}">
-                <a16:creationId xmlns:a16="http://schemas.microsoft.com/office/drawing/2014/main" id="{EF00F5C5-99A7-4F16-855A-F170362659F7}"/>
-              </a:ext>
-            </a:extLst>
-          </p:cNvPr>
-          <p:cNvSpPr>
-            <a:spLocks noGrp="1"/>
-          </p:cNvSpPr>
-          <p:nvPr>
-            <p:ph type="body" idx="1"/>
-          </p:nvPr>
-        </p:nvSpPr>
-        <p:spPr>
-          <a:xfrm>
-            <a:off x="839788" y="1681163"/>
-            <a:ext cx="5157787" cy="823912"/>
-          </a:xfrm>
-        </p:spPr>
-        <p:txBody>
-          <a:bodyPr anchor="b"/>
+          <a:bodyPr anchor="b">
+            <a:noAutofit/>
+          </a:bodyPr>
           <a:lstStyle>
-            <a:lvl1pPr marL="0" indent="0">
-              <a:buNone/>
-              <a:defRPr sz="2400" b="1"/>
+            <a:lvl1pPr marL="0" indent="0" algn="ctr">
+              <a:buNone/>
+              <a:defRPr sz="2400" b="0"/>
             </a:lvl1pPr>
             <a:lvl2pPr marL="457200" indent="0">
               <a:buNone/>
@@ -1594,13 +4119,7 @@
       </p:sp>
       <p:sp>
         <p:nvSpPr>
-          <p:cNvPr id="4" name="內容版面配置區 3">
-            <a:extLst>
-              <a:ext uri="{FF2B5EF4-FFF2-40B4-BE49-F238E27FC236}">
-                <a16:creationId xmlns:a16="http://schemas.microsoft.com/office/drawing/2014/main" id="{6722BEB2-C9B4-4C14-8234-D17E84349984}"/>
-              </a:ext>
-            </a:extLst>
-          </p:cNvPr>
+          <p:cNvPr id="4" name="Content Placeholder 3"/>
           <p:cNvSpPr>
             <a:spLocks noGrp="1"/>
           </p:cNvSpPr>
@@ -1610,13 +4129,31 @@
         </p:nvSpPr>
         <p:spPr>
           <a:xfrm>
-            <a:off x="839788" y="2505075"/>
-            <a:ext cx="5157787" cy="3684588"/>
+            <a:off x="1005872" y="2380137"/>
+            <a:ext cx="4876344" cy="3411063"/>
           </a:xfrm>
         </p:spPr>
         <p:txBody>
-          <a:bodyPr/>
-          <a:lstStyle/>
+          <a:bodyPr anchor="t">
+            <a:normAutofit/>
+          </a:bodyPr>
+          <a:lstStyle>
+            <a:lvl1pPr>
+              <a:defRPr sz="1800"/>
+            </a:lvl1pPr>
+            <a:lvl2pPr>
+              <a:defRPr sz="1600"/>
+            </a:lvl2pPr>
+            <a:lvl3pPr>
+              <a:defRPr sz="1400"/>
+            </a:lvl3pPr>
+            <a:lvl4pPr>
+              <a:defRPr sz="1200"/>
+            </a:lvl4pPr>
+            <a:lvl5pPr>
+              <a:defRPr sz="1200"/>
+            </a:lvl5pPr>
+          </a:lstStyle>
           <a:p>
             <a:pPr lvl="0"/>
             <a:r>
@@ -1651,18 +4188,13 @@
               <a:rPr lang="zh-TW" altLang="en-US"/>
               <a:t>第五層</a:t>
             </a:r>
-          </a:p>
-        </p:txBody>
-      </p:sp>
-      <p:sp>
-        <p:nvSpPr>
-          <p:cNvPr id="5" name="文字版面配置區 4">
-            <a:extLst>
-              <a:ext uri="{FF2B5EF4-FFF2-40B4-BE49-F238E27FC236}">
-                <a16:creationId xmlns:a16="http://schemas.microsoft.com/office/drawing/2014/main" id="{E4A41162-A0AC-4211-940F-4B92208F9B0E}"/>
-              </a:ext>
-            </a:extLst>
-          </p:cNvPr>
+            <a:endParaRPr lang="en-US" dirty="0"/>
+          </a:p>
+        </p:txBody>
+      </p:sp>
+      <p:sp>
+        <p:nvSpPr>
+          <p:cNvPr id="5" name="Text Placeholder 4"/>
           <p:cNvSpPr>
             <a:spLocks noGrp="1"/>
           </p:cNvSpPr>
@@ -1672,16 +4204,18 @@
         </p:nvSpPr>
         <p:spPr>
           <a:xfrm>
-            <a:off x="6172200" y="1681163"/>
-            <a:ext cx="5183188" cy="823912"/>
+            <a:off x="6294967" y="1835254"/>
+            <a:ext cx="4895330" cy="544883"/>
           </a:xfrm>
         </p:spPr>
         <p:txBody>
-          <a:bodyPr anchor="b"/>
+          <a:bodyPr anchor="b">
+            <a:noAutofit/>
+          </a:bodyPr>
           <a:lstStyle>
-            <a:lvl1pPr marL="0" indent="0">
-              <a:buNone/>
-              <a:defRPr sz="2400" b="1"/>
+            <a:lvl1pPr marL="0" indent="0" algn="ctr">
+              <a:buNone/>
+              <a:defRPr sz="2400" b="0"/>
             </a:lvl1pPr>
             <a:lvl2pPr marL="457200" indent="0">
               <a:buNone/>
@@ -1727,13 +4261,7 @@
       </p:sp>
       <p:sp>
         <p:nvSpPr>
-          <p:cNvPr id="6" name="內容版面配置區 5">
-            <a:extLst>
-              <a:ext uri="{FF2B5EF4-FFF2-40B4-BE49-F238E27FC236}">
-                <a16:creationId xmlns:a16="http://schemas.microsoft.com/office/drawing/2014/main" id="{E8EA159A-F9D7-4F58-A7C3-6E5B65E42266}"/>
-              </a:ext>
-            </a:extLst>
-          </p:cNvPr>
+          <p:cNvPr id="6" name="Content Placeholder 5"/>
           <p:cNvSpPr>
             <a:spLocks noGrp="1"/>
           </p:cNvSpPr>
@@ -1743,64 +4271,100 @@
         </p:nvSpPr>
         <p:spPr>
           <a:xfrm>
-            <a:off x="6172200" y="2505075"/>
-            <a:ext cx="5183188" cy="3684588"/>
+            <a:off x="6294967" y="2380137"/>
+            <a:ext cx="4895330" cy="3411063"/>
           </a:xfrm>
         </p:spPr>
         <p:txBody>
+          <a:bodyPr anchor="t">
+            <a:normAutofit/>
+          </a:bodyPr>
+          <a:lstStyle>
+            <a:lvl1pPr>
+              <a:defRPr sz="1800"/>
+            </a:lvl1pPr>
+            <a:lvl2pPr>
+              <a:defRPr sz="1600"/>
+            </a:lvl2pPr>
+            <a:lvl3pPr>
+              <a:defRPr sz="1400"/>
+            </a:lvl3pPr>
+            <a:lvl4pPr>
+              <a:defRPr sz="1200"/>
+            </a:lvl4pPr>
+            <a:lvl5pPr>
+              <a:defRPr sz="1200"/>
+            </a:lvl5pPr>
+          </a:lstStyle>
+          <a:p>
+            <a:pPr lvl="0"/>
+            <a:r>
+              <a:rPr lang="zh-TW" altLang="en-US"/>
+              <a:t>按一下以編輯母片文字樣式</a:t>
+            </a:r>
+          </a:p>
+          <a:p>
+            <a:pPr lvl="1"/>
+            <a:r>
+              <a:rPr lang="zh-TW" altLang="en-US"/>
+              <a:t>第二層</a:t>
+            </a:r>
+          </a:p>
+          <a:p>
+            <a:pPr lvl="2"/>
+            <a:r>
+              <a:rPr lang="zh-TW" altLang="en-US"/>
+              <a:t>第三層</a:t>
+            </a:r>
+          </a:p>
+          <a:p>
+            <a:pPr lvl="3"/>
+            <a:r>
+              <a:rPr lang="zh-TW" altLang="en-US"/>
+              <a:t>第四層</a:t>
+            </a:r>
+          </a:p>
+          <a:p>
+            <a:pPr lvl="4"/>
+            <a:r>
+              <a:rPr lang="zh-TW" altLang="en-US"/>
+              <a:t>第五層</a:t>
+            </a:r>
+            <a:endParaRPr lang="en-US" dirty="0"/>
+          </a:p>
+        </p:txBody>
+      </p:sp>
+      <p:sp>
+        <p:nvSpPr>
+          <p:cNvPr id="7" name="Date Placeholder 6"/>
+          <p:cNvSpPr>
+            <a:spLocks noGrp="1"/>
+          </p:cNvSpPr>
+          <p:nvPr>
+            <p:ph type="dt" sz="half" idx="10"/>
+          </p:nvPr>
+        </p:nvSpPr>
+        <p:spPr/>
+        <p:txBody>
           <a:bodyPr/>
           <a:lstStyle/>
           <a:p>
-            <a:pPr lvl="0"/>
-            <a:r>
-              <a:rPr lang="zh-TW" altLang="en-US"/>
-              <a:t>按一下以編輯母片文字樣式</a:t>
-            </a:r>
-          </a:p>
-          <a:p>
-            <a:pPr lvl="1"/>
-            <a:r>
-              <a:rPr lang="zh-TW" altLang="en-US"/>
-              <a:t>第二層</a:t>
-            </a:r>
-          </a:p>
-          <a:p>
-            <a:pPr lvl="2"/>
-            <a:r>
-              <a:rPr lang="zh-TW" altLang="en-US"/>
-              <a:t>第三層</a:t>
-            </a:r>
-          </a:p>
-          <a:p>
-            <a:pPr lvl="3"/>
-            <a:r>
-              <a:rPr lang="zh-TW" altLang="en-US"/>
-              <a:t>第四層</a:t>
-            </a:r>
-          </a:p>
-          <a:p>
-            <a:pPr lvl="4"/>
-            <a:r>
-              <a:rPr lang="zh-TW" altLang="en-US"/>
-              <a:t>第五層</a:t>
-            </a:r>
-          </a:p>
-        </p:txBody>
-      </p:sp>
-      <p:sp>
-        <p:nvSpPr>
-          <p:cNvPr id="7" name="日期版面配置區 6">
-            <a:extLst>
-              <a:ext uri="{FF2B5EF4-FFF2-40B4-BE49-F238E27FC236}">
-                <a16:creationId xmlns:a16="http://schemas.microsoft.com/office/drawing/2014/main" id="{AE973E80-9141-48B7-A9D7-605A4541768F}"/>
-              </a:ext>
-            </a:extLst>
-          </p:cNvPr>
-          <p:cNvSpPr>
-            <a:spLocks noGrp="1"/>
-          </p:cNvSpPr>
-          <p:nvPr>
-            <p:ph type="dt" sz="half" idx="10"/>
+            <a:fld id="{E1DD0487-E332-49B6-A37F-C5F91A3D4890}" type="datetimeFigureOut">
+              <a:rPr lang="zh-TW" altLang="en-US" smtClean="0"/>
+              <a:t>2024/10/9</a:t>
+            </a:fld>
+            <a:endParaRPr lang="zh-TW" altLang="en-US"/>
+          </a:p>
+        </p:txBody>
+      </p:sp>
+      <p:sp>
+        <p:nvSpPr>
+          <p:cNvPr id="8" name="Footer Placeholder 7"/>
+          <p:cNvSpPr>
+            <a:spLocks noGrp="1"/>
+          </p:cNvSpPr>
+          <p:nvPr>
+            <p:ph type="ftr" sz="quarter" idx="11"/>
           </p:nvPr>
         </p:nvSpPr>
         <p:spPr/>
@@ -1808,28 +4372,18 @@
           <a:bodyPr/>
           <a:lstStyle/>
           <a:p>
-            <a:fld id="{C3C90D7E-32D6-4894-AE08-7BBB3E610FC9}" type="datetimeFigureOut">
-              <a:rPr lang="zh-TW" altLang="en-US" smtClean="0"/>
-              <a:t>2024/9/16</a:t>
-            </a:fld>
             <a:endParaRPr lang="zh-TW" altLang="en-US"/>
           </a:p>
         </p:txBody>
       </p:sp>
       <p:sp>
         <p:nvSpPr>
-          <p:cNvPr id="8" name="頁尾版面配置區 7">
-            <a:extLst>
-              <a:ext uri="{FF2B5EF4-FFF2-40B4-BE49-F238E27FC236}">
-                <a16:creationId xmlns:a16="http://schemas.microsoft.com/office/drawing/2014/main" id="{6520B07A-79F8-43E7-8013-632DD2AED223}"/>
-              </a:ext>
-            </a:extLst>
-          </p:cNvPr>
-          <p:cNvSpPr>
-            <a:spLocks noGrp="1"/>
-          </p:cNvSpPr>
-          <p:nvPr>
-            <p:ph type="ftr" sz="quarter" idx="11"/>
+          <p:cNvPr id="9" name="Slide Number Placeholder 8"/>
+          <p:cNvSpPr>
+            <a:spLocks noGrp="1"/>
+          </p:cNvSpPr>
+          <p:nvPr>
+            <p:ph type="sldNum" sz="quarter" idx="12"/>
           </p:nvPr>
         </p:nvSpPr>
         <p:spPr/>
@@ -1837,32 +4391,7 @@
           <a:bodyPr/>
           <a:lstStyle/>
           <a:p>
-            <a:endParaRPr lang="zh-TW" altLang="en-US"/>
-          </a:p>
-        </p:txBody>
-      </p:sp>
-      <p:sp>
-        <p:nvSpPr>
-          <p:cNvPr id="9" name="投影片編號版面配置區 8">
-            <a:extLst>
-              <a:ext uri="{FF2B5EF4-FFF2-40B4-BE49-F238E27FC236}">
-                <a16:creationId xmlns:a16="http://schemas.microsoft.com/office/drawing/2014/main" id="{3B997D8F-4F1C-4DE6-A82C-3E0C38ACAE96}"/>
-              </a:ext>
-            </a:extLst>
-          </p:cNvPr>
-          <p:cNvSpPr>
-            <a:spLocks noGrp="1"/>
-          </p:cNvSpPr>
-          <p:nvPr>
-            <p:ph type="sldNum" sz="quarter" idx="12"/>
-          </p:nvPr>
-        </p:nvSpPr>
-        <p:spPr/>
-        <p:txBody>
-          <a:bodyPr/>
-          <a:lstStyle/>
-          <a:p>
-            <a:fld id="{E31EC408-072F-4346-BD0A-D6AA5788A305}" type="slidenum">
+            <a:fld id="{BE1853FA-6D88-4DD5-8D05-041AB1763DEF}" type="slidenum">
               <a:rPr lang="zh-TW" altLang="en-US" smtClean="0"/>
               <a:t>‹#›</a:t>
             </a:fld>
@@ -1873,7 +4402,7 @@
     </p:spTree>
     <p:extLst>
       <p:ext uri="{BB962C8B-B14F-4D97-AF65-F5344CB8AC3E}">
-        <p14:creationId xmlns:p14="http://schemas.microsoft.com/office/powerpoint/2010/main" val="3379995638"/>
+        <p14:creationId xmlns:p14="http://schemas.microsoft.com/office/powerpoint/2010/main" val="3500255207"/>
       </p:ext>
     </p:extLst>
   </p:cSld>
@@ -1902,13 +4431,7 @@
       </p:grpSpPr>
       <p:sp>
         <p:nvSpPr>
-          <p:cNvPr id="2" name="標題 1">
-            <a:extLst>
-              <a:ext uri="{FF2B5EF4-FFF2-40B4-BE49-F238E27FC236}">
-                <a16:creationId xmlns:a16="http://schemas.microsoft.com/office/drawing/2014/main" id="{6CE04611-FD10-429D-89AA-73C259B64293}"/>
-              </a:ext>
-            </a:extLst>
-          </p:cNvPr>
+          <p:cNvPr id="2" name="Title 1"/>
           <p:cNvSpPr>
             <a:spLocks noGrp="1"/>
           </p:cNvSpPr>
@@ -1925,18 +4448,13 @@
               <a:rPr lang="zh-TW" altLang="en-US"/>
               <a:t>按一下以編輯母片標題樣式</a:t>
             </a:r>
-          </a:p>
-        </p:txBody>
-      </p:sp>
-      <p:sp>
-        <p:nvSpPr>
-          <p:cNvPr id="3" name="日期版面配置區 2">
-            <a:extLst>
-              <a:ext uri="{FF2B5EF4-FFF2-40B4-BE49-F238E27FC236}">
-                <a16:creationId xmlns:a16="http://schemas.microsoft.com/office/drawing/2014/main" id="{2D9009F3-A280-4DA8-ACC4-187DE2172BCA}"/>
-              </a:ext>
-            </a:extLst>
-          </p:cNvPr>
+            <a:endParaRPr lang="en-US" dirty="0"/>
+          </a:p>
+        </p:txBody>
+      </p:sp>
+      <p:sp>
+        <p:nvSpPr>
+          <p:cNvPr id="3" name="Date Placeholder 2"/>
           <p:cNvSpPr>
             <a:spLocks noGrp="1"/>
           </p:cNvSpPr>
@@ -1949,9 +4467,9 @@
           <a:bodyPr/>
           <a:lstStyle/>
           <a:p>
-            <a:fld id="{C3C90D7E-32D6-4894-AE08-7BBB3E610FC9}" type="datetimeFigureOut">
+            <a:fld id="{E1DD0487-E332-49B6-A37F-C5F91A3D4890}" type="datetimeFigureOut">
               <a:rPr lang="zh-TW" altLang="en-US" smtClean="0"/>
-              <a:t>2024/9/16</a:t>
+              <a:t>2024/10/9</a:t>
             </a:fld>
             <a:endParaRPr lang="zh-TW" altLang="en-US"/>
           </a:p>
@@ -1959,13 +4477,7 @@
       </p:sp>
       <p:sp>
         <p:nvSpPr>
-          <p:cNvPr id="4" name="頁尾版面配置區 3">
-            <a:extLst>
-              <a:ext uri="{FF2B5EF4-FFF2-40B4-BE49-F238E27FC236}">
-                <a16:creationId xmlns:a16="http://schemas.microsoft.com/office/drawing/2014/main" id="{F8FD791E-F627-4DDB-AD69-F7639FDD1767}"/>
-              </a:ext>
-            </a:extLst>
-          </p:cNvPr>
+          <p:cNvPr id="4" name="Footer Placeholder 3"/>
           <p:cNvSpPr>
             <a:spLocks noGrp="1"/>
           </p:cNvSpPr>
@@ -1984,13 +4496,7 @@
       </p:sp>
       <p:sp>
         <p:nvSpPr>
-          <p:cNvPr id="5" name="投影片編號版面配置區 4">
-            <a:extLst>
-              <a:ext uri="{FF2B5EF4-FFF2-40B4-BE49-F238E27FC236}">
-                <a16:creationId xmlns:a16="http://schemas.microsoft.com/office/drawing/2014/main" id="{CE9C3C73-9A1B-4A20-B40C-BF8E0726E9AE}"/>
-              </a:ext>
-            </a:extLst>
-          </p:cNvPr>
+          <p:cNvPr id="5" name="Slide Number Placeholder 4"/>
           <p:cNvSpPr>
             <a:spLocks noGrp="1"/>
           </p:cNvSpPr>
@@ -2003,7 +4509,7 @@
           <a:bodyPr/>
           <a:lstStyle/>
           <a:p>
-            <a:fld id="{E31EC408-072F-4346-BD0A-D6AA5788A305}" type="slidenum">
+            <a:fld id="{BE1853FA-6D88-4DD5-8D05-041AB1763DEF}" type="slidenum">
               <a:rPr lang="zh-TW" altLang="en-US" smtClean="0"/>
               <a:t>‹#›</a:t>
             </a:fld>
@@ -2014,7 +4520,7 @@
     </p:spTree>
     <p:extLst>
       <p:ext uri="{BB962C8B-B14F-4D97-AF65-F5344CB8AC3E}">
-        <p14:creationId xmlns:p14="http://schemas.microsoft.com/office/powerpoint/2010/main" val="3116621787"/>
+        <p14:creationId xmlns:p14="http://schemas.microsoft.com/office/powerpoint/2010/main" val="4064129241"/>
       </p:ext>
     </p:extLst>
   </p:cSld>
@@ -2043,13 +4549,7 @@
       </p:grpSpPr>
       <p:sp>
         <p:nvSpPr>
-          <p:cNvPr id="2" name="日期版面配置區 1">
-            <a:extLst>
-              <a:ext uri="{FF2B5EF4-FFF2-40B4-BE49-F238E27FC236}">
-                <a16:creationId xmlns:a16="http://schemas.microsoft.com/office/drawing/2014/main" id="{1E1D8EED-F2A7-4221-9887-0DBB62EB3F80}"/>
-              </a:ext>
-            </a:extLst>
-          </p:cNvPr>
+          <p:cNvPr id="2" name="Date Placeholder 1"/>
           <p:cNvSpPr>
             <a:spLocks noGrp="1"/>
           </p:cNvSpPr>
@@ -2062,9 +4562,9 @@
           <a:bodyPr/>
           <a:lstStyle/>
           <a:p>
-            <a:fld id="{C3C90D7E-32D6-4894-AE08-7BBB3E610FC9}" type="datetimeFigureOut">
+            <a:fld id="{E1DD0487-E332-49B6-A37F-C5F91A3D4890}" type="datetimeFigureOut">
               <a:rPr lang="zh-TW" altLang="en-US" smtClean="0"/>
-              <a:t>2024/9/16</a:t>
+              <a:t>2024/10/9</a:t>
             </a:fld>
             <a:endParaRPr lang="zh-TW" altLang="en-US"/>
           </a:p>
@@ -2072,13 +4572,7 @@
       </p:sp>
       <p:sp>
         <p:nvSpPr>
-          <p:cNvPr id="3" name="頁尾版面配置區 2">
-            <a:extLst>
-              <a:ext uri="{FF2B5EF4-FFF2-40B4-BE49-F238E27FC236}">
-                <a16:creationId xmlns:a16="http://schemas.microsoft.com/office/drawing/2014/main" id="{10593B39-DC86-45A7-85EF-B4DB9C28DC80}"/>
-              </a:ext>
-            </a:extLst>
-          </p:cNvPr>
+          <p:cNvPr id="3" name="Footer Placeholder 2"/>
           <p:cNvSpPr>
             <a:spLocks noGrp="1"/>
           </p:cNvSpPr>
@@ -2097,13 +4591,7 @@
       </p:sp>
       <p:sp>
         <p:nvSpPr>
-          <p:cNvPr id="4" name="投影片編號版面配置區 3">
-            <a:extLst>
-              <a:ext uri="{FF2B5EF4-FFF2-40B4-BE49-F238E27FC236}">
-                <a16:creationId xmlns:a16="http://schemas.microsoft.com/office/drawing/2014/main" id="{3D9056B2-6966-4CAF-94D1-2295A737E168}"/>
-              </a:ext>
-            </a:extLst>
-          </p:cNvPr>
+          <p:cNvPr id="4" name="Slide Number Placeholder 3"/>
           <p:cNvSpPr>
             <a:spLocks noGrp="1"/>
           </p:cNvSpPr>
@@ -2116,7 +4604,7 @@
           <a:bodyPr/>
           <a:lstStyle/>
           <a:p>
-            <a:fld id="{E31EC408-072F-4346-BD0A-D6AA5788A305}" type="slidenum">
+            <a:fld id="{BE1853FA-6D88-4DD5-8D05-041AB1763DEF}" type="slidenum">
               <a:rPr lang="zh-TW" altLang="en-US" smtClean="0"/>
               <a:t>‹#›</a:t>
             </a:fld>
@@ -2127,7 +4615,7 @@
     </p:spTree>
     <p:extLst>
       <p:ext uri="{BB962C8B-B14F-4D97-AF65-F5344CB8AC3E}">
-        <p14:creationId xmlns:p14="http://schemas.microsoft.com/office/powerpoint/2010/main" val="3887241942"/>
+        <p14:creationId xmlns:p14="http://schemas.microsoft.com/office/powerpoint/2010/main" val="871163165"/>
       </p:ext>
     </p:extLst>
   </p:cSld>
@@ -2156,13 +4644,7 @@
       </p:grpSpPr>
       <p:sp>
         <p:nvSpPr>
-          <p:cNvPr id="2" name="標題 1">
-            <a:extLst>
-              <a:ext uri="{FF2B5EF4-FFF2-40B4-BE49-F238E27FC236}">
-                <a16:creationId xmlns:a16="http://schemas.microsoft.com/office/drawing/2014/main" id="{5C3076DF-D16B-4600-9550-96C6A8DD7F1A}"/>
-              </a:ext>
-            </a:extLst>
-          </p:cNvPr>
+          <p:cNvPr id="2" name="Title 1"/>
           <p:cNvSpPr>
             <a:spLocks noGrp="1"/>
           </p:cNvSpPr>
@@ -2172,15 +4654,17 @@
         </p:nvSpPr>
         <p:spPr>
           <a:xfrm>
-            <a:off x="839788" y="457200"/>
-            <a:ext cx="3932237" cy="1600200"/>
+            <a:off x="913795" y="609600"/>
+            <a:ext cx="3706889" cy="1821918"/>
           </a:xfrm>
         </p:spPr>
         <p:txBody>
-          <a:bodyPr anchor="b"/>
+          <a:bodyPr anchor="b">
+            <a:normAutofit/>
+          </a:bodyPr>
           <a:lstStyle>
-            <a:lvl1pPr>
-              <a:defRPr sz="3200"/>
+            <a:lvl1pPr algn="ctr">
+              <a:defRPr sz="2400" b="0"/>
             </a:lvl1pPr>
           </a:lstStyle>
           <a:p>
@@ -2188,18 +4672,13 @@
               <a:rPr lang="zh-TW" altLang="en-US"/>
               <a:t>按一下以編輯母片標題樣式</a:t>
             </a:r>
-          </a:p>
-        </p:txBody>
-      </p:sp>
-      <p:sp>
-        <p:nvSpPr>
-          <p:cNvPr id="3" name="內容版面配置區 2">
-            <a:extLst>
-              <a:ext uri="{FF2B5EF4-FFF2-40B4-BE49-F238E27FC236}">
-                <a16:creationId xmlns:a16="http://schemas.microsoft.com/office/drawing/2014/main" id="{9CD3D667-FDE5-4F5D-9495-588EC18912CE}"/>
-              </a:ext>
-            </a:extLst>
-          </p:cNvPr>
+            <a:endParaRPr lang="en-US" dirty="0"/>
+          </a:p>
+        </p:txBody>
+      </p:sp>
+      <p:sp>
+        <p:nvSpPr>
+          <p:cNvPr id="3" name="Content Placeholder 2"/>
           <p:cNvSpPr>
             <a:spLocks noGrp="1"/>
           </p:cNvSpPr>
@@ -2209,41 +4688,15 @@
         </p:nvSpPr>
         <p:spPr>
           <a:xfrm>
-            <a:off x="5183188" y="987425"/>
-            <a:ext cx="6172200" cy="4873625"/>
+            <a:off x="4855633" y="609600"/>
+            <a:ext cx="6411924" cy="5181600"/>
           </a:xfrm>
         </p:spPr>
         <p:txBody>
-          <a:bodyPr/>
-          <a:lstStyle>
-            <a:lvl1pPr>
-              <a:defRPr sz="3200"/>
-            </a:lvl1pPr>
-            <a:lvl2pPr>
-              <a:defRPr sz="2800"/>
-            </a:lvl2pPr>
-            <a:lvl3pPr>
-              <a:defRPr sz="2400"/>
-            </a:lvl3pPr>
-            <a:lvl4pPr>
-              <a:defRPr sz="2000"/>
-            </a:lvl4pPr>
-            <a:lvl5pPr>
-              <a:defRPr sz="2000"/>
-            </a:lvl5pPr>
-            <a:lvl6pPr>
-              <a:defRPr sz="2000"/>
-            </a:lvl6pPr>
-            <a:lvl7pPr>
-              <a:defRPr sz="2000"/>
-            </a:lvl7pPr>
-            <a:lvl8pPr>
-              <a:defRPr sz="2000"/>
-            </a:lvl8pPr>
-            <a:lvl9pPr>
-              <a:defRPr sz="2000"/>
-            </a:lvl9pPr>
-          </a:lstStyle>
+          <a:bodyPr>
+            <a:normAutofit/>
+          </a:bodyPr>
+          <a:lstStyle/>
           <a:p>
             <a:pPr lvl="0"/>
             <a:r>
@@ -2278,18 +4731,13 @@
               <a:rPr lang="zh-TW" altLang="en-US"/>
               <a:t>第五層</a:t>
             </a:r>
-          </a:p>
-        </p:txBody>
-      </p:sp>
-      <p:sp>
-        <p:nvSpPr>
-          <p:cNvPr id="4" name="文字版面配置區 3">
-            <a:extLst>
-              <a:ext uri="{FF2B5EF4-FFF2-40B4-BE49-F238E27FC236}">
-                <a16:creationId xmlns:a16="http://schemas.microsoft.com/office/drawing/2014/main" id="{22F511E7-BEEF-4F51-BA0E-52C1908D5608}"/>
-              </a:ext>
-            </a:extLst>
-          </p:cNvPr>
+            <a:endParaRPr lang="en-US" dirty="0"/>
+          </a:p>
+        </p:txBody>
+      </p:sp>
+      <p:sp>
+        <p:nvSpPr>
+          <p:cNvPr id="4" name="Text Placeholder 3"/>
           <p:cNvSpPr>
             <a:spLocks noGrp="1"/>
           </p:cNvSpPr>
@@ -2299,48 +4747,50 @@
         </p:nvSpPr>
         <p:spPr>
           <a:xfrm>
-            <a:off x="839788" y="2057400"/>
-            <a:ext cx="3932237" cy="3811588"/>
+            <a:off x="913795" y="2431518"/>
+            <a:ext cx="3706889" cy="3359681"/>
           </a:xfrm>
         </p:spPr>
         <p:txBody>
-          <a:bodyPr/>
+          <a:bodyPr anchor="t">
+            <a:normAutofit/>
+          </a:bodyPr>
           <a:lstStyle>
-            <a:lvl1pPr marL="0" indent="0">
+            <a:lvl1pPr marL="0" indent="0" algn="ctr">
               <a:buNone/>
               <a:defRPr sz="1600"/>
             </a:lvl1pPr>
             <a:lvl2pPr marL="457200" indent="0">
               <a:buNone/>
-              <a:defRPr sz="1400"/>
+              <a:defRPr sz="1200"/>
             </a:lvl2pPr>
             <a:lvl3pPr marL="914400" indent="0">
               <a:buNone/>
-              <a:defRPr sz="1200"/>
+              <a:defRPr sz="1000"/>
             </a:lvl3pPr>
             <a:lvl4pPr marL="1371600" indent="0">
               <a:buNone/>
-              <a:defRPr sz="1000"/>
+              <a:defRPr sz="900"/>
             </a:lvl4pPr>
             <a:lvl5pPr marL="1828800" indent="0">
               <a:buNone/>
-              <a:defRPr sz="1000"/>
+              <a:defRPr sz="900"/>
             </a:lvl5pPr>
             <a:lvl6pPr marL="2286000" indent="0">
               <a:buNone/>
-              <a:defRPr sz="1000"/>
+              <a:defRPr sz="900"/>
             </a:lvl6pPr>
             <a:lvl7pPr marL="2743200" indent="0">
               <a:buNone/>
-              <a:defRPr sz="1000"/>
+              <a:defRPr sz="900"/>
             </a:lvl7pPr>
             <a:lvl8pPr marL="3200400" indent="0">
               <a:buNone/>
-              <a:defRPr sz="1000"/>
+              <a:defRPr sz="900"/>
             </a:lvl8pPr>
             <a:lvl9pPr marL="3657600" indent="0">
               <a:buNone/>
-              <a:defRPr sz="1000"/>
+              <a:defRPr sz="900"/>
             </a:lvl9pPr>
           </a:lstStyle>
           <a:p>
@@ -2354,13 +4804,7 @@
       </p:sp>
       <p:sp>
         <p:nvSpPr>
-          <p:cNvPr id="5" name="日期版面配置區 4">
-            <a:extLst>
-              <a:ext uri="{FF2B5EF4-FFF2-40B4-BE49-F238E27FC236}">
-                <a16:creationId xmlns:a16="http://schemas.microsoft.com/office/drawing/2014/main" id="{88060697-A92E-4178-A790-FCBB90D70573}"/>
-              </a:ext>
-            </a:extLst>
-          </p:cNvPr>
+          <p:cNvPr id="5" name="Date Placeholder 4"/>
           <p:cNvSpPr>
             <a:spLocks noGrp="1"/>
           </p:cNvSpPr>
@@ -2373,9 +4817,9 @@
           <a:bodyPr/>
           <a:lstStyle/>
           <a:p>
-            <a:fld id="{C3C90D7E-32D6-4894-AE08-7BBB3E610FC9}" type="datetimeFigureOut">
+            <a:fld id="{E1DD0487-E332-49B6-A37F-C5F91A3D4890}" type="datetimeFigureOut">
               <a:rPr lang="zh-TW" altLang="en-US" smtClean="0"/>
-              <a:t>2024/9/16</a:t>
+              <a:t>2024/10/9</a:t>
             </a:fld>
             <a:endParaRPr lang="zh-TW" altLang="en-US"/>
           </a:p>
@@ -2383,13 +4827,7 @@
       </p:sp>
       <p:sp>
         <p:nvSpPr>
-          <p:cNvPr id="6" name="頁尾版面配置區 5">
-            <a:extLst>
-              <a:ext uri="{FF2B5EF4-FFF2-40B4-BE49-F238E27FC236}">
-                <a16:creationId xmlns:a16="http://schemas.microsoft.com/office/drawing/2014/main" id="{2A8E3F57-A99A-4C4C-BF14-EE42AB99CE78}"/>
-              </a:ext>
-            </a:extLst>
-          </p:cNvPr>
+          <p:cNvPr id="6" name="Footer Placeholder 5"/>
           <p:cNvSpPr>
             <a:spLocks noGrp="1"/>
           </p:cNvSpPr>
@@ -2408,13 +4846,7 @@
       </p:sp>
       <p:sp>
         <p:nvSpPr>
-          <p:cNvPr id="7" name="投影片編號版面配置區 6">
-            <a:extLst>
-              <a:ext uri="{FF2B5EF4-FFF2-40B4-BE49-F238E27FC236}">
-                <a16:creationId xmlns:a16="http://schemas.microsoft.com/office/drawing/2014/main" id="{39234440-6924-48D7-AC1A-200D5946BCA9}"/>
-              </a:ext>
-            </a:extLst>
-          </p:cNvPr>
+          <p:cNvPr id="7" name="Slide Number Placeholder 6"/>
           <p:cNvSpPr>
             <a:spLocks noGrp="1"/>
           </p:cNvSpPr>
@@ -2427,7 +4859,7 @@
           <a:bodyPr/>
           <a:lstStyle/>
           <a:p>
-            <a:fld id="{E31EC408-072F-4346-BD0A-D6AA5788A305}" type="slidenum">
+            <a:fld id="{BE1853FA-6D88-4DD5-8D05-041AB1763DEF}" type="slidenum">
               <a:rPr lang="zh-TW" altLang="en-US" smtClean="0"/>
               <a:t>‹#›</a:t>
             </a:fld>
@@ -2438,7 +4870,7 @@
     </p:spTree>
     <p:extLst>
       <p:ext uri="{BB962C8B-B14F-4D97-AF65-F5344CB8AC3E}">
-        <p14:creationId xmlns:p14="http://schemas.microsoft.com/office/powerpoint/2010/main" val="2036183199"/>
+        <p14:creationId xmlns:p14="http://schemas.microsoft.com/office/powerpoint/2010/main" val="648557609"/>
       </p:ext>
     </p:extLst>
   </p:cSld>
@@ -2465,33 +4897,59 @@
           <a:chExt cx="0" cy="0"/>
         </a:xfrm>
       </p:grpSpPr>
-      <p:sp>
-        <p:nvSpPr>
-          <p:cNvPr id="2" name="標題 1">
+      <p:pic>
+        <p:nvPicPr>
+          <p:cNvPr id="22" name="Picture 21" descr="Slate-V2-HD-vertPhotoInset.png"/>
+          <p:cNvPicPr>
+            <a:picLocks noChangeAspect="1"/>
+          </p:cNvPicPr>
+          <p:nvPr/>
+        </p:nvPicPr>
+        <p:blipFill>
+          <a:blip r:embed="rId2">
             <a:extLst>
-              <a:ext uri="{FF2B5EF4-FFF2-40B4-BE49-F238E27FC236}">
-                <a16:creationId xmlns:a16="http://schemas.microsoft.com/office/drawing/2014/main" id="{B2E81694-0B93-4D65-9DA3-21597478A96C}"/>
+              <a:ext uri="{28A0092B-C50C-407E-A947-70E740481C1C}">
+                <a14:useLocalDpi xmlns:a14="http://schemas.microsoft.com/office/drawing/2010/main" val="0"/>
               </a:ext>
             </a:extLst>
-          </p:cNvPr>
-          <p:cNvSpPr>
-            <a:spLocks noGrp="1"/>
-          </p:cNvSpPr>
-          <p:nvPr>
-            <p:ph type="title"/>
-          </p:nvPr>
-        </p:nvSpPr>
+          </a:blip>
+          <a:stretch>
+            <a:fillRect/>
+          </a:stretch>
+        </p:blipFill>
         <p:spPr>
           <a:xfrm>
-            <a:off x="839788" y="457200"/>
-            <a:ext cx="3932237" cy="1600200"/>
+            <a:off x="7293665" y="609600"/>
+            <a:ext cx="3584166" cy="5204832"/>
+          </a:xfrm>
+          <a:prstGeom prst="rect">
+            <a:avLst/>
+          </a:prstGeom>
+        </p:spPr>
+      </p:pic>
+      <p:sp>
+        <p:nvSpPr>
+          <p:cNvPr id="2" name="Title 1"/>
+          <p:cNvSpPr>
+            <a:spLocks noGrp="1"/>
+          </p:cNvSpPr>
+          <p:nvPr>
+            <p:ph type="title"/>
+          </p:nvPr>
+        </p:nvSpPr>
+        <p:spPr>
+          <a:xfrm>
+            <a:off x="913795" y="609923"/>
+            <a:ext cx="5934949" cy="1829338"/>
           </a:xfrm>
         </p:spPr>
         <p:txBody>
-          <a:bodyPr anchor="b"/>
+          <a:bodyPr anchor="b">
+            <a:noAutofit/>
+          </a:bodyPr>
           <a:lstStyle>
-            <a:lvl1pPr>
-              <a:defRPr sz="3200"/>
+            <a:lvl1pPr algn="ctr">
+              <a:defRPr sz="3200" b="0"/>
             </a:lvl1pPr>
           </a:lstStyle>
           <a:p>
@@ -2499,20 +4957,15 @@
               <a:rPr lang="zh-TW" altLang="en-US"/>
               <a:t>按一下以編輯母片標題樣式</a:t>
             </a:r>
-          </a:p>
-        </p:txBody>
-      </p:sp>
-      <p:sp>
-        <p:nvSpPr>
-          <p:cNvPr id="3" name="圖片版面配置區 2">
-            <a:extLst>
-              <a:ext uri="{FF2B5EF4-FFF2-40B4-BE49-F238E27FC236}">
-                <a16:creationId xmlns:a16="http://schemas.microsoft.com/office/drawing/2014/main" id="{23E4D718-8CB0-4334-BB8A-FB8B57D7CDC6}"/>
-              </a:ext>
-            </a:extLst>
-          </p:cNvPr>
-          <p:cNvSpPr>
-            <a:spLocks noGrp="1"/>
+            <a:endParaRPr lang="en-US" dirty="0"/>
+          </a:p>
+        </p:txBody>
+      </p:sp>
+      <p:sp>
+        <p:nvSpPr>
+          <p:cNvPr id="3" name="Picture Placeholder 2"/>
+          <p:cNvSpPr>
+            <a:spLocks noGrp="1" noChangeAspect="1"/>
           </p:cNvSpPr>
           <p:nvPr>
             <p:ph type="pic" idx="1"/>
@@ -2520,118 +4973,127 @@
         </p:nvSpPr>
         <p:spPr>
           <a:xfrm>
-            <a:off x="5183188" y="987425"/>
-            <a:ext cx="6172200" cy="4873625"/>
+            <a:off x="7442551" y="763702"/>
+            <a:ext cx="3275751" cy="4912822"/>
           </a:xfrm>
+          <a:effectLst>
+            <a:outerShdw blurRad="38100" dist="25400" dir="4440000">
+              <a:srgbClr val="000000">
+                <a:alpha val="36000"/>
+              </a:srgbClr>
+            </a:outerShdw>
+          </a:effectLst>
         </p:spPr>
         <p:txBody>
-          <a:bodyPr/>
+          <a:bodyPr anchor="t">
+            <a:normAutofit/>
+          </a:bodyPr>
           <a:lstStyle>
-            <a:lvl1pPr marL="0" indent="0">
-              <a:buNone/>
-              <a:defRPr sz="3200"/>
-            </a:lvl1pPr>
-            <a:lvl2pPr marL="457200" indent="0">
-              <a:buNone/>
-              <a:defRPr sz="2800"/>
-            </a:lvl2pPr>
-            <a:lvl3pPr marL="914400" indent="0">
-              <a:buNone/>
-              <a:defRPr sz="2400"/>
-            </a:lvl3pPr>
-            <a:lvl4pPr marL="1371600" indent="0">
-              <a:buNone/>
-              <a:defRPr sz="2000"/>
-            </a:lvl4pPr>
-            <a:lvl5pPr marL="1828800" indent="0">
-              <a:buNone/>
-              <a:defRPr sz="2000"/>
-            </a:lvl5pPr>
-            <a:lvl6pPr marL="2286000" indent="0">
-              <a:buNone/>
-              <a:defRPr sz="2000"/>
-            </a:lvl6pPr>
-            <a:lvl7pPr marL="2743200" indent="0">
-              <a:buNone/>
-              <a:defRPr sz="2000"/>
-            </a:lvl7pPr>
-            <a:lvl8pPr marL="3200400" indent="0">
-              <a:buNone/>
-              <a:defRPr sz="2000"/>
-            </a:lvl8pPr>
-            <a:lvl9pPr marL="3657600" indent="0">
-              <a:buNone/>
-              <a:defRPr sz="2000"/>
-            </a:lvl9pPr>
-          </a:lstStyle>
-          <a:p>
-            <a:endParaRPr lang="zh-TW" altLang="en-US"/>
-          </a:p>
-        </p:txBody>
-      </p:sp>
-      <p:sp>
-        <p:nvSpPr>
-          <p:cNvPr id="4" name="文字版面配置區 3">
-            <a:extLst>
-              <a:ext uri="{FF2B5EF4-FFF2-40B4-BE49-F238E27FC236}">
-                <a16:creationId xmlns:a16="http://schemas.microsoft.com/office/drawing/2014/main" id="{0DC47463-53E7-4FE3-B60B-1657D11127BD}"/>
-              </a:ext>
-            </a:extLst>
-          </p:cNvPr>
-          <p:cNvSpPr>
-            <a:spLocks noGrp="1"/>
-          </p:cNvSpPr>
-          <p:nvPr>
-            <p:ph type="body" sz="half" idx="2"/>
-          </p:nvPr>
-        </p:nvSpPr>
-        <p:spPr>
-          <a:xfrm>
-            <a:off x="839788" y="2057400"/>
-            <a:ext cx="3932237" cy="3811588"/>
-          </a:xfrm>
-        </p:spPr>
-        <p:txBody>
-          <a:bodyPr/>
-          <a:lstStyle>
-            <a:lvl1pPr marL="0" indent="0">
+            <a:lvl1pPr marL="0" indent="0" algn="ctr">
               <a:buNone/>
               <a:defRPr sz="1600"/>
             </a:lvl1pPr>
             <a:lvl2pPr marL="457200" indent="0">
               <a:buNone/>
-              <a:defRPr sz="1400"/>
+              <a:defRPr sz="1600"/>
             </a:lvl2pPr>
             <a:lvl3pPr marL="914400" indent="0">
               <a:buNone/>
-              <a:defRPr sz="1200"/>
+              <a:defRPr sz="1600"/>
             </a:lvl3pPr>
             <a:lvl4pPr marL="1371600" indent="0">
               <a:buNone/>
-              <a:defRPr sz="1000"/>
+              <a:defRPr sz="1600"/>
             </a:lvl4pPr>
             <a:lvl5pPr marL="1828800" indent="0">
               <a:buNone/>
-              <a:defRPr sz="1000"/>
+              <a:defRPr sz="1600"/>
             </a:lvl5pPr>
             <a:lvl6pPr marL="2286000" indent="0">
               <a:buNone/>
-              <a:defRPr sz="1000"/>
+              <a:defRPr sz="1600"/>
             </a:lvl6pPr>
             <a:lvl7pPr marL="2743200" indent="0">
               <a:buNone/>
-              <a:defRPr sz="1000"/>
+              <a:defRPr sz="1600"/>
             </a:lvl7pPr>
             <a:lvl8pPr marL="3200400" indent="0">
               <a:buNone/>
-              <a:defRPr sz="1000"/>
+              <a:defRPr sz="1600"/>
             </a:lvl8pPr>
             <a:lvl9pPr marL="3657600" indent="0">
               <a:buNone/>
-              <a:defRPr sz="1000"/>
+              <a:defRPr sz="1600"/>
             </a:lvl9pPr>
           </a:lstStyle>
           <a:p>
+            <a:r>
+              <a:rPr lang="zh-TW" altLang="en-US"/>
+              <a:t>按一下圖示以新增圖片</a:t>
+            </a:r>
+            <a:endParaRPr lang="en-US" dirty="0"/>
+          </a:p>
+        </p:txBody>
+      </p:sp>
+      <p:sp>
+        <p:nvSpPr>
+          <p:cNvPr id="4" name="Text Placeholder 3"/>
+          <p:cNvSpPr>
+            <a:spLocks noGrp="1"/>
+          </p:cNvSpPr>
+          <p:nvPr>
+            <p:ph type="body" sz="half" idx="2"/>
+          </p:nvPr>
+        </p:nvSpPr>
+        <p:spPr>
+          <a:xfrm>
+            <a:off x="913795" y="2439261"/>
+            <a:ext cx="5934949" cy="3376134"/>
+          </a:xfrm>
+        </p:spPr>
+        <p:txBody>
+          <a:bodyPr anchor="t">
+            <a:normAutofit/>
+          </a:bodyPr>
+          <a:lstStyle>
+            <a:lvl1pPr marL="0" indent="0" algn="ctr">
+              <a:buNone/>
+              <a:defRPr sz="1600"/>
+            </a:lvl1pPr>
+            <a:lvl2pPr marL="457200" indent="0">
+              <a:buNone/>
+              <a:defRPr sz="1200"/>
+            </a:lvl2pPr>
+            <a:lvl3pPr marL="914400" indent="0">
+              <a:buNone/>
+              <a:defRPr sz="1000"/>
+            </a:lvl3pPr>
+            <a:lvl4pPr marL="1371600" indent="0">
+              <a:buNone/>
+              <a:defRPr sz="900"/>
+            </a:lvl4pPr>
+            <a:lvl5pPr marL="1828800" indent="0">
+              <a:buNone/>
+              <a:defRPr sz="900"/>
+            </a:lvl5pPr>
+            <a:lvl6pPr marL="2286000" indent="0">
+              <a:buNone/>
+              <a:defRPr sz="900"/>
+            </a:lvl6pPr>
+            <a:lvl7pPr marL="2743200" indent="0">
+              <a:buNone/>
+              <a:defRPr sz="900"/>
+            </a:lvl7pPr>
+            <a:lvl8pPr marL="3200400" indent="0">
+              <a:buNone/>
+              <a:defRPr sz="900"/>
+            </a:lvl8pPr>
+            <a:lvl9pPr marL="3657600" indent="0">
+              <a:buNone/>
+              <a:defRPr sz="900"/>
+            </a:lvl9pPr>
+          </a:lstStyle>
+          <a:p>
             <a:pPr lvl="0"/>
             <a:r>
               <a:rPr lang="zh-TW" altLang="en-US"/>
@@ -2642,13 +5104,7 @@
       </p:sp>
       <p:sp>
         <p:nvSpPr>
-          <p:cNvPr id="5" name="日期版面配置區 4">
-            <a:extLst>
-              <a:ext uri="{FF2B5EF4-FFF2-40B4-BE49-F238E27FC236}">
-                <a16:creationId xmlns:a16="http://schemas.microsoft.com/office/drawing/2014/main" id="{28875DC5-6AFF-40C0-8C77-F81A0A3E1B0F}"/>
-              </a:ext>
-            </a:extLst>
-          </p:cNvPr>
+          <p:cNvPr id="5" name="Date Placeholder 4"/>
           <p:cNvSpPr>
             <a:spLocks noGrp="1"/>
           </p:cNvSpPr>
@@ -2661,9 +5117,9 @@
           <a:bodyPr/>
           <a:lstStyle/>
           <a:p>
-            <a:fld id="{C3C90D7E-32D6-4894-AE08-7BBB3E610FC9}" type="datetimeFigureOut">
+            <a:fld id="{E1DD0487-E332-49B6-A37F-C5F91A3D4890}" type="datetimeFigureOut">
               <a:rPr lang="zh-TW" altLang="en-US" smtClean="0"/>
-              <a:t>2024/9/16</a:t>
+              <a:t>2024/10/9</a:t>
             </a:fld>
             <a:endParaRPr lang="zh-TW" altLang="en-US"/>
           </a:p>
@@ -2671,13 +5127,7 @@
       </p:sp>
       <p:sp>
         <p:nvSpPr>
-          <p:cNvPr id="6" name="頁尾版面配置區 5">
-            <a:extLst>
-              <a:ext uri="{FF2B5EF4-FFF2-40B4-BE49-F238E27FC236}">
-                <a16:creationId xmlns:a16="http://schemas.microsoft.com/office/drawing/2014/main" id="{24F8A973-6D07-4F0C-97A0-280FEFC238E0}"/>
-              </a:ext>
-            </a:extLst>
-          </p:cNvPr>
+          <p:cNvPr id="6" name="Footer Placeholder 5"/>
           <p:cNvSpPr>
             <a:spLocks noGrp="1"/>
           </p:cNvSpPr>
@@ -2696,13 +5146,7 @@
       </p:sp>
       <p:sp>
         <p:nvSpPr>
-          <p:cNvPr id="7" name="投影片編號版面配置區 6">
-            <a:extLst>
-              <a:ext uri="{FF2B5EF4-FFF2-40B4-BE49-F238E27FC236}">
-                <a16:creationId xmlns:a16="http://schemas.microsoft.com/office/drawing/2014/main" id="{DB60BB1E-F41B-40F0-929B-5208374980BF}"/>
-              </a:ext>
-            </a:extLst>
-          </p:cNvPr>
+          <p:cNvPr id="7" name="Slide Number Placeholder 6"/>
           <p:cNvSpPr>
             <a:spLocks noGrp="1"/>
           </p:cNvSpPr>
@@ -2715,7 +5159,7 @@
           <a:bodyPr/>
           <a:lstStyle/>
           <a:p>
-            <a:fld id="{E31EC408-072F-4346-BD0A-D6AA5788A305}" type="slidenum">
+            <a:fld id="{BE1853FA-6D88-4DD5-8D05-041AB1763DEF}" type="slidenum">
               <a:rPr lang="zh-TW" altLang="en-US" smtClean="0"/>
               <a:t>‹#›</a:t>
             </a:fld>
@@ -2726,7 +5170,7 @@
     </p:spTree>
     <p:extLst>
       <p:ext uri="{BB962C8B-B14F-4D97-AF65-F5344CB8AC3E}">
-        <p14:creationId xmlns:p14="http://schemas.microsoft.com/office/powerpoint/2010/main" val="3148270851"/>
+        <p14:creationId xmlns:p14="http://schemas.microsoft.com/office/powerpoint/2010/main" val="1721679845"/>
       </p:ext>
     </p:extLst>
   </p:cSld>
@@ -2740,8 +5184,8 @@
 <p:sldMaster xmlns:a="http://schemas.openxmlformats.org/drawingml/2006/main" xmlns:r="http://schemas.openxmlformats.org/officeDocument/2006/relationships" xmlns:p="http://schemas.openxmlformats.org/presentationml/2006/main">
   <p:cSld>
     <p:bg>
-      <p:bgRef idx="1001">
-        <a:schemeClr val="bg1"/>
+      <p:bgRef idx="1003">
+        <a:schemeClr val="bg2"/>
       </p:bgRef>
     </p:bg>
     <p:spTree>
@@ -2760,13 +5204,7 @@
       </p:grpSpPr>
       <p:sp>
         <p:nvSpPr>
-          <p:cNvPr id="2" name="標題版面配置區 1">
-            <a:extLst>
-              <a:ext uri="{FF2B5EF4-FFF2-40B4-BE49-F238E27FC236}">
-                <a16:creationId xmlns:a16="http://schemas.microsoft.com/office/drawing/2014/main" id="{B8575AAC-624C-4B52-ABD4-699B1E35D2CF}"/>
-              </a:ext>
-            </a:extLst>
-          </p:cNvPr>
+          <p:cNvPr id="2" name="Title Placeholder 1"/>
           <p:cNvSpPr>
             <a:spLocks noGrp="1"/>
           </p:cNvSpPr>
@@ -2776,12 +5214,19 @@
         </p:nvSpPr>
         <p:spPr>
           <a:xfrm>
-            <a:off x="838200" y="365125"/>
-            <a:ext cx="10515600" cy="1325563"/>
+            <a:off x="913795" y="609600"/>
+            <a:ext cx="10353762" cy="970450"/>
           </a:xfrm>
           <a:prstGeom prst="rect">
             <a:avLst/>
           </a:prstGeom>
+          <a:effectLst>
+            <a:outerShdw blurRad="25400" dir="17880000">
+              <a:srgbClr val="000000">
+                <a:alpha val="46000"/>
+              </a:srgbClr>
+            </a:outerShdw>
+          </a:effectLst>
         </p:spPr>
         <p:txBody>
           <a:bodyPr vert="horz" lIns="91440" tIns="45720" rIns="91440" bIns="45720" rtlCol="0" anchor="ctr">
@@ -2793,18 +5238,13 @@
               <a:rPr lang="zh-TW" altLang="en-US"/>
               <a:t>按一下以編輯母片標題樣式</a:t>
             </a:r>
-          </a:p>
-        </p:txBody>
-      </p:sp>
-      <p:sp>
-        <p:nvSpPr>
-          <p:cNvPr id="3" name="文字版面配置區 2">
-            <a:extLst>
-              <a:ext uri="{FF2B5EF4-FFF2-40B4-BE49-F238E27FC236}">
-                <a16:creationId xmlns:a16="http://schemas.microsoft.com/office/drawing/2014/main" id="{76722991-C57D-471F-8271-C419A1CFB074}"/>
-              </a:ext>
-            </a:extLst>
-          </p:cNvPr>
+            <a:endParaRPr lang="en-US" dirty="0"/>
+          </a:p>
+        </p:txBody>
+      </p:sp>
+      <p:sp>
+        <p:nvSpPr>
+          <p:cNvPr id="3" name="Text Placeholder 2"/>
           <p:cNvSpPr>
             <a:spLocks noGrp="1"/>
           </p:cNvSpPr>
@@ -2814,15 +5254,22 @@
         </p:nvSpPr>
         <p:spPr>
           <a:xfrm>
-            <a:off x="838200" y="1825625"/>
-            <a:ext cx="10515600" cy="4351338"/>
+            <a:off x="913795" y="1732449"/>
+            <a:ext cx="10353762" cy="4058751"/>
           </a:xfrm>
           <a:prstGeom prst="rect">
             <a:avLst/>
           </a:prstGeom>
+          <a:effectLst>
+            <a:outerShdw blurRad="25400" dir="17880000">
+              <a:srgbClr val="000000">
+                <a:alpha val="46000"/>
+              </a:srgbClr>
+            </a:outerShdw>
+          </a:effectLst>
         </p:spPr>
         <p:txBody>
-          <a:bodyPr vert="horz" lIns="91440" tIns="45720" rIns="91440" bIns="45720" rtlCol="0">
+          <a:bodyPr vert="horz" lIns="91440" tIns="45720" rIns="91440" bIns="45720" rtlCol="0" anchor="t">
             <a:normAutofit/>
           </a:bodyPr>
           <a:lstStyle/>
@@ -2860,18 +5307,13 @@
               <a:rPr lang="zh-TW" altLang="en-US"/>
               <a:t>第五層</a:t>
             </a:r>
-          </a:p>
-        </p:txBody>
-      </p:sp>
-      <p:sp>
-        <p:nvSpPr>
-          <p:cNvPr id="4" name="日期版面配置區 3">
-            <a:extLst>
-              <a:ext uri="{FF2B5EF4-FFF2-40B4-BE49-F238E27FC236}">
-                <a16:creationId xmlns:a16="http://schemas.microsoft.com/office/drawing/2014/main" id="{85C839DD-8CBF-4E23-A0C7-7C039E950BB8}"/>
-              </a:ext>
-            </a:extLst>
-          </p:cNvPr>
+            <a:endParaRPr lang="en-US" dirty="0"/>
+          </a:p>
+        </p:txBody>
+      </p:sp>
+      <p:sp>
+        <p:nvSpPr>
+          <p:cNvPr id="4" name="Date Placeholder 3"/>
           <p:cNvSpPr>
             <a:spLocks noGrp="1"/>
           </p:cNvSpPr>
@@ -2881,7 +5323,7 @@
         </p:nvSpPr>
         <p:spPr>
           <a:xfrm>
-            <a:off x="838200" y="6356350"/>
+            <a:off x="7678736" y="5883275"/>
             <a:ext cx="2743200" cy="365125"/>
           </a:xfrm>
           <a:prstGeom prst="rect">
@@ -2891,20 +5333,27 @@
         <p:txBody>
           <a:bodyPr vert="horz" lIns="91440" tIns="45720" rIns="91440" bIns="45720" rtlCol="0" anchor="ctr"/>
           <a:lstStyle>
-            <a:lvl1pPr algn="l">
-              <a:defRPr sz="1200">
+            <a:lvl1pPr algn="r">
+              <a:defRPr sz="1000">
                 <a:solidFill>
                   <a:schemeClr val="tx1">
-                    <a:tint val="75000"/>
+                    <a:lumMod val="95000"/>
                   </a:schemeClr>
                 </a:solidFill>
+                <a:effectLst>
+                  <a:outerShdw blurRad="50800" dist="38100" dir="2700000" algn="tl" rotWithShape="0">
+                    <a:schemeClr val="bg1">
+                      <a:alpha val="43000"/>
+                    </a:schemeClr>
+                  </a:outerShdw>
+                </a:effectLst>
               </a:defRPr>
             </a:lvl1pPr>
           </a:lstStyle>
           <a:p>
-            <a:fld id="{C3C90D7E-32D6-4894-AE08-7BBB3E610FC9}" type="datetimeFigureOut">
+            <a:fld id="{E1DD0487-E332-49B6-A37F-C5F91A3D4890}" type="datetimeFigureOut">
               <a:rPr lang="zh-TW" altLang="en-US" smtClean="0"/>
-              <a:t>2024/9/16</a:t>
+              <a:t>2024/10/9</a:t>
             </a:fld>
             <a:endParaRPr lang="zh-TW" altLang="en-US"/>
           </a:p>
@@ -2912,13 +5361,7 @@
       </p:sp>
       <p:sp>
         <p:nvSpPr>
-          <p:cNvPr id="5" name="頁尾版面配置區 4">
-            <a:extLst>
-              <a:ext uri="{FF2B5EF4-FFF2-40B4-BE49-F238E27FC236}">
-                <a16:creationId xmlns:a16="http://schemas.microsoft.com/office/drawing/2014/main" id="{12802D8A-77D4-418C-8190-43B6ADED2131}"/>
-              </a:ext>
-            </a:extLst>
-          </p:cNvPr>
+          <p:cNvPr id="5" name="Footer Placeholder 4"/>
           <p:cNvSpPr>
             <a:spLocks noGrp="1"/>
           </p:cNvSpPr>
@@ -2928,8 +5371,8 @@
         </p:nvSpPr>
         <p:spPr>
           <a:xfrm>
-            <a:off x="4038600" y="6356350"/>
-            <a:ext cx="4114800" cy="365125"/>
+            <a:off x="913795" y="5883275"/>
+            <a:ext cx="6672865" cy="365125"/>
           </a:xfrm>
           <a:prstGeom prst="rect">
             <a:avLst/>
@@ -2938,13 +5381,20 @@
         <p:txBody>
           <a:bodyPr vert="horz" lIns="91440" tIns="45720" rIns="91440" bIns="45720" rtlCol="0" anchor="ctr"/>
           <a:lstStyle>
-            <a:lvl1pPr algn="ctr">
-              <a:defRPr sz="1200">
+            <a:lvl1pPr algn="l">
+              <a:defRPr sz="1000">
                 <a:solidFill>
                   <a:schemeClr val="tx1">
-                    <a:tint val="75000"/>
+                    <a:lumMod val="95000"/>
                   </a:schemeClr>
                 </a:solidFill>
+                <a:effectLst>
+                  <a:outerShdw blurRad="50800" dist="38100" dir="2700000" algn="tl" rotWithShape="0">
+                    <a:schemeClr val="bg1">
+                      <a:alpha val="43000"/>
+                    </a:schemeClr>
+                  </a:outerShdw>
+                </a:effectLst>
               </a:defRPr>
             </a:lvl1pPr>
           </a:lstStyle>
@@ -2955,13 +5405,7 @@
       </p:sp>
       <p:sp>
         <p:nvSpPr>
-          <p:cNvPr id="6" name="投影片編號版面配置區 5">
-            <a:extLst>
-              <a:ext uri="{FF2B5EF4-FFF2-40B4-BE49-F238E27FC236}">
-                <a16:creationId xmlns:a16="http://schemas.microsoft.com/office/drawing/2014/main" id="{7072B55E-2BE2-4AF4-AFF8-2A716F492F1C}"/>
-              </a:ext>
-            </a:extLst>
-          </p:cNvPr>
+          <p:cNvPr id="6" name="Slide Number Placeholder 5"/>
           <p:cNvSpPr>
             <a:spLocks noGrp="1"/>
           </p:cNvSpPr>
@@ -2971,8 +5415,8 @@
         </p:nvSpPr>
         <p:spPr>
           <a:xfrm>
-            <a:off x="8610600" y="6356350"/>
-            <a:ext cx="2743200" cy="365125"/>
+            <a:off x="10514011" y="5883275"/>
+            <a:ext cx="753545" cy="365125"/>
           </a:xfrm>
           <a:prstGeom prst="rect">
             <a:avLst/>
@@ -2982,17 +5426,24 @@
           <a:bodyPr vert="horz" lIns="91440" tIns="45720" rIns="91440" bIns="45720" rtlCol="0" anchor="ctr"/>
           <a:lstStyle>
             <a:lvl1pPr algn="r">
-              <a:defRPr sz="1200">
+              <a:defRPr sz="1000">
                 <a:solidFill>
                   <a:schemeClr val="tx1">
-                    <a:tint val="75000"/>
+                    <a:lumMod val="95000"/>
                   </a:schemeClr>
                 </a:solidFill>
+                <a:effectLst>
+                  <a:outerShdw blurRad="50800" dist="38100" dir="2700000" algn="tl" rotWithShape="0">
+                    <a:schemeClr val="bg1">
+                      <a:alpha val="43000"/>
+                    </a:schemeClr>
+                  </a:outerShdw>
+                </a:effectLst>
               </a:defRPr>
             </a:lvl1pPr>
           </a:lstStyle>
           <a:p>
-            <a:fld id="{E31EC408-072F-4346-BD0A-D6AA5788A305}" type="slidenum">
+            <a:fld id="{BE1853FA-6D88-4DD5-8D05-041AB1763DEF}" type="slidenum">
               <a:rPr lang="zh-TW" altLang="en-US" smtClean="0"/>
               <a:t>‹#›</a:t>
             </a:fld>
@@ -3003,55 +5454,469 @@
     </p:spTree>
     <p:extLst>
       <p:ext uri="{BB962C8B-B14F-4D97-AF65-F5344CB8AC3E}">
-        <p14:creationId xmlns:p14="http://schemas.microsoft.com/office/powerpoint/2010/main" val="2016052060"/>
+        <p14:creationId xmlns:p14="http://schemas.microsoft.com/office/powerpoint/2010/main" val="414372820"/>
       </p:ext>
     </p:extLst>
   </p:cSld>
-  <p:clrMap bg1="lt1" tx1="dk1" bg2="lt2" tx2="dk2" accent1="accent1" accent2="accent2" accent3="accent3" accent4="accent4" accent5="accent5" accent6="accent6" hlink="hlink" folHlink="folHlink"/>
+  <p:clrMap bg1="dk1" tx1="lt1" bg2="dk2" tx2="lt2" accent1="accent1" accent2="accent2" accent3="accent3" accent4="accent4" accent5="accent5" accent6="accent6" hlink="hlink" folHlink="folHlink"/>
   <p:sldLayoutIdLst>
-    <p:sldLayoutId id="2147483649" r:id="rId1"/>
-    <p:sldLayoutId id="2147483650" r:id="rId2"/>
-    <p:sldLayoutId id="2147483651" r:id="rId3"/>
-    <p:sldLayoutId id="2147483652" r:id="rId4"/>
-    <p:sldLayoutId id="2147483653" r:id="rId5"/>
-    <p:sldLayoutId id="2147483654" r:id="rId6"/>
-    <p:sldLayoutId id="2147483655" r:id="rId7"/>
-    <p:sldLayoutId id="2147483656" r:id="rId8"/>
-    <p:sldLayoutId id="2147483657" r:id="rId9"/>
-    <p:sldLayoutId id="2147483658" r:id="rId10"/>
-    <p:sldLayoutId id="2147483659" r:id="rId11"/>
+    <p:sldLayoutId id="2147483679" r:id="rId1"/>
+    <p:sldLayoutId id="2147483680" r:id="rId2"/>
+    <p:sldLayoutId id="2147483681" r:id="rId3"/>
+    <p:sldLayoutId id="2147483682" r:id="rId4"/>
+    <p:sldLayoutId id="2147483683" r:id="rId5"/>
+    <p:sldLayoutId id="2147483684" r:id="rId6"/>
+    <p:sldLayoutId id="2147483685" r:id="rId7"/>
+    <p:sldLayoutId id="2147483686" r:id="rId8"/>
+    <p:sldLayoutId id="2147483687" r:id="rId9"/>
+    <p:sldLayoutId id="2147483688" r:id="rId10"/>
+    <p:sldLayoutId id="2147483689" r:id="rId11"/>
+    <p:sldLayoutId id="2147483690" r:id="rId12"/>
+    <p:sldLayoutId id="2147483691" r:id="rId13"/>
+    <p:sldLayoutId id="2147483692" r:id="rId14"/>
+    <p:sldLayoutId id="2147483693" r:id="rId15"/>
+    <p:sldLayoutId id="2147483694" r:id="rId16"/>
+    <p:sldLayoutId id="2147483695" r:id="rId17"/>
   </p:sldLayoutIdLst>
   <p:txStyles>
     <p:titleStyle>
-      <a:lvl1pPr algn="l" defTabSz="914400" rtl="0" eaLnBrk="1" latinLnBrk="0" hangingPunct="1">
-        <a:lnSpc>
-          <a:spcPct val="90000"/>
-        </a:lnSpc>
+      <a:lvl1pPr algn="ctr" defTabSz="457200" rtl="0" eaLnBrk="1" latinLnBrk="0" hangingPunct="1">
         <a:spcBef>
           <a:spcPct val="0"/>
         </a:spcBef>
         <a:buNone/>
-        <a:defRPr sz="4400" kern="1200">
+        <a:defRPr sz="4000" kern="1200">
+          <a:ln>
+            <a:solidFill>
+              <a:schemeClr val="bg1">
+                <a:lumMod val="75000"/>
+                <a:lumOff val="25000"/>
+                <a:alpha val="10000"/>
+              </a:schemeClr>
+            </a:solidFill>
+          </a:ln>
           <a:solidFill>
-            <a:schemeClr val="tx1"/>
+            <a:schemeClr val="tx2"/>
           </a:solidFill>
+          <a:effectLst>
+            <a:outerShdw blurRad="9525" dist="25400" dir="14640000" algn="tl" rotWithShape="0">
+              <a:schemeClr val="bg1">
+                <a:alpha val="30000"/>
+              </a:schemeClr>
+            </a:outerShdw>
+          </a:effectLst>
           <a:latin typeface="+mj-lt"/>
           <a:ea typeface="+mj-ea"/>
-          <a:cs typeface="+mj-cs"/>
+          <a:cs typeface="Trebuchet MS"/>
         </a:defRPr>
       </a:lvl1pPr>
+      <a:lvl2pPr eaLnBrk="1" hangingPunct="1">
+        <a:defRPr>
+          <a:solidFill>
+            <a:schemeClr val="tx2"/>
+          </a:solidFill>
+        </a:defRPr>
+      </a:lvl2pPr>
+      <a:lvl3pPr eaLnBrk="1" hangingPunct="1">
+        <a:defRPr>
+          <a:solidFill>
+            <a:schemeClr val="tx2"/>
+          </a:solidFill>
+        </a:defRPr>
+      </a:lvl3pPr>
+      <a:lvl4pPr eaLnBrk="1" hangingPunct="1">
+        <a:defRPr>
+          <a:solidFill>
+            <a:schemeClr val="tx2"/>
+          </a:solidFill>
+        </a:defRPr>
+      </a:lvl4pPr>
+      <a:lvl5pPr eaLnBrk="1" hangingPunct="1">
+        <a:defRPr>
+          <a:solidFill>
+            <a:schemeClr val="tx2"/>
+          </a:solidFill>
+        </a:defRPr>
+      </a:lvl5pPr>
+      <a:lvl6pPr eaLnBrk="1" hangingPunct="1">
+        <a:defRPr>
+          <a:solidFill>
+            <a:schemeClr val="tx2"/>
+          </a:solidFill>
+        </a:defRPr>
+      </a:lvl6pPr>
+      <a:lvl7pPr eaLnBrk="1" hangingPunct="1">
+        <a:defRPr>
+          <a:solidFill>
+            <a:schemeClr val="tx2"/>
+          </a:solidFill>
+        </a:defRPr>
+      </a:lvl7pPr>
+      <a:lvl8pPr eaLnBrk="1" hangingPunct="1">
+        <a:defRPr>
+          <a:solidFill>
+            <a:schemeClr val="tx2"/>
+          </a:solidFill>
+        </a:defRPr>
+      </a:lvl8pPr>
+      <a:lvl9pPr eaLnBrk="1" hangingPunct="1">
+        <a:defRPr>
+          <a:solidFill>
+            <a:schemeClr val="tx2"/>
+          </a:solidFill>
+        </a:defRPr>
+      </a:lvl9pPr>
     </p:titleStyle>
     <p:bodyStyle>
-      <a:lvl1pPr marL="228600" indent="-228600" algn="l" defTabSz="914400" rtl="0" eaLnBrk="1" latinLnBrk="0" hangingPunct="1">
-        <a:lnSpc>
-          <a:spcPct val="90000"/>
-        </a:lnSpc>
+      <a:lvl1pPr marL="342900" indent="-306000" algn="l" defTabSz="457200" rtl="0" eaLnBrk="1" latinLnBrk="0" hangingPunct="1">
         <a:spcBef>
-          <a:spcPts val="1000"/>
+          <a:spcPct val="20000"/>
         </a:spcBef>
-        <a:buFont typeface="Arial" panose="020B0604020202020204" pitchFamily="34" charset="0"/>
-        <a:buChar char="•"/>
-        <a:defRPr sz="2800" kern="1200">
+        <a:spcAft>
+          <a:spcPts val="600"/>
+        </a:spcAft>
+        <a:buClr>
+          <a:schemeClr val="tx2"/>
+        </a:buClr>
+        <a:buSzPct val="70000"/>
+        <a:buFont typeface="Wingdings 2" charset="2"/>
+        <a:buChar char=""/>
+        <a:defRPr sz="2000" kern="1200">
+          <a:ln>
+            <a:solidFill>
+              <a:schemeClr val="bg1">
+                <a:lumMod val="75000"/>
+                <a:lumOff val="25000"/>
+                <a:alpha val="10000"/>
+              </a:schemeClr>
+            </a:solidFill>
+          </a:ln>
+          <a:solidFill>
+            <a:schemeClr val="tx2"/>
+          </a:solidFill>
+          <a:effectLst>
+            <a:outerShdw blurRad="9525" dist="25400" dir="14640000" algn="tl" rotWithShape="0">
+              <a:schemeClr val="bg1">
+                <a:alpha val="30000"/>
+              </a:schemeClr>
+            </a:outerShdw>
+          </a:effectLst>
+          <a:latin typeface="+mn-lt"/>
+          <a:ea typeface="+mn-ea"/>
+          <a:cs typeface="+mn-cs"/>
+        </a:defRPr>
+      </a:lvl1pPr>
+      <a:lvl2pPr marL="720000" indent="-270000" algn="l" defTabSz="457200" rtl="0" eaLnBrk="1" latinLnBrk="0" hangingPunct="1">
+        <a:spcBef>
+          <a:spcPct val="20000"/>
+        </a:spcBef>
+        <a:spcAft>
+          <a:spcPts val="600"/>
+        </a:spcAft>
+        <a:buClr>
+          <a:schemeClr val="tx2"/>
+        </a:buClr>
+        <a:buSzPct val="70000"/>
+        <a:buFont typeface="Wingdings 2" charset="2"/>
+        <a:buChar char=""/>
+        <a:defRPr sz="1800" kern="1200">
+          <a:ln>
+            <a:solidFill>
+              <a:schemeClr val="bg1">
+                <a:lumMod val="75000"/>
+                <a:lumOff val="25000"/>
+                <a:alpha val="10000"/>
+              </a:schemeClr>
+            </a:solidFill>
+          </a:ln>
+          <a:solidFill>
+            <a:schemeClr val="tx2"/>
+          </a:solidFill>
+          <a:effectLst>
+            <a:outerShdw blurRad="9525" dist="25400" dir="14640000" algn="tl" rotWithShape="0">
+              <a:schemeClr val="bg1">
+                <a:alpha val="30000"/>
+              </a:schemeClr>
+            </a:outerShdw>
+          </a:effectLst>
+          <a:latin typeface="+mn-lt"/>
+          <a:ea typeface="+mn-ea"/>
+          <a:cs typeface="+mn-cs"/>
+        </a:defRPr>
+      </a:lvl2pPr>
+      <a:lvl3pPr marL="1026000" indent="-216000" algn="l" defTabSz="457200" rtl="0" eaLnBrk="1" latinLnBrk="0" hangingPunct="1">
+        <a:spcBef>
+          <a:spcPct val="20000"/>
+        </a:spcBef>
+        <a:spcAft>
+          <a:spcPts val="600"/>
+        </a:spcAft>
+        <a:buClr>
+          <a:schemeClr val="tx2"/>
+        </a:buClr>
+        <a:buSzPct val="70000"/>
+        <a:buFont typeface="Wingdings 2" charset="2"/>
+        <a:buChar char=""/>
+        <a:defRPr sz="1600" kern="1200">
+          <a:ln>
+            <a:solidFill>
+              <a:schemeClr val="bg1">
+                <a:lumMod val="75000"/>
+                <a:lumOff val="25000"/>
+                <a:alpha val="10000"/>
+              </a:schemeClr>
+            </a:solidFill>
+          </a:ln>
+          <a:solidFill>
+            <a:schemeClr val="tx2"/>
+          </a:solidFill>
+          <a:effectLst>
+            <a:outerShdw blurRad="9525" dist="25400" dir="14640000" algn="tl" rotWithShape="0">
+              <a:schemeClr val="bg1">
+                <a:alpha val="30000"/>
+              </a:schemeClr>
+            </a:outerShdw>
+          </a:effectLst>
+          <a:latin typeface="+mn-lt"/>
+          <a:ea typeface="+mn-ea"/>
+          <a:cs typeface="+mn-cs"/>
+        </a:defRPr>
+      </a:lvl3pPr>
+      <a:lvl4pPr marL="1386000" indent="-216000" algn="l" defTabSz="457200" rtl="0" eaLnBrk="1" latinLnBrk="0" hangingPunct="1">
+        <a:spcBef>
+          <a:spcPct val="20000"/>
+        </a:spcBef>
+        <a:spcAft>
+          <a:spcPts val="600"/>
+        </a:spcAft>
+        <a:buClr>
+          <a:schemeClr val="tx2"/>
+        </a:buClr>
+        <a:buSzPct val="70000"/>
+        <a:buFont typeface="Wingdings 2" charset="2"/>
+        <a:buChar char=""/>
+        <a:defRPr sz="1400" kern="1200">
+          <a:ln>
+            <a:solidFill>
+              <a:schemeClr val="bg1">
+                <a:lumMod val="75000"/>
+                <a:lumOff val="25000"/>
+                <a:alpha val="10000"/>
+              </a:schemeClr>
+            </a:solidFill>
+          </a:ln>
+          <a:solidFill>
+            <a:schemeClr val="tx2"/>
+          </a:solidFill>
+          <a:effectLst>
+            <a:outerShdw blurRad="9525" dist="25400" dir="14640000" algn="tl" rotWithShape="0">
+              <a:schemeClr val="bg1">
+                <a:alpha val="30000"/>
+              </a:schemeClr>
+            </a:outerShdw>
+          </a:effectLst>
+          <a:latin typeface="+mn-lt"/>
+          <a:ea typeface="+mn-ea"/>
+          <a:cs typeface="+mn-cs"/>
+        </a:defRPr>
+      </a:lvl4pPr>
+      <a:lvl5pPr marL="1674000" indent="-216000" algn="l" defTabSz="457200" rtl="0" eaLnBrk="1" latinLnBrk="0" hangingPunct="1">
+        <a:spcBef>
+          <a:spcPct val="20000"/>
+        </a:spcBef>
+        <a:spcAft>
+          <a:spcPts val="600"/>
+        </a:spcAft>
+        <a:buClr>
+          <a:schemeClr val="tx2"/>
+        </a:buClr>
+        <a:buSzPct val="70000"/>
+        <a:buFont typeface="Wingdings 2" charset="2"/>
+        <a:buChar char=""/>
+        <a:defRPr sz="1400" kern="1200">
+          <a:ln>
+            <a:solidFill>
+              <a:schemeClr val="bg1">
+                <a:lumMod val="75000"/>
+                <a:lumOff val="25000"/>
+                <a:alpha val="10000"/>
+              </a:schemeClr>
+            </a:solidFill>
+          </a:ln>
+          <a:solidFill>
+            <a:schemeClr val="tx2"/>
+          </a:solidFill>
+          <a:effectLst>
+            <a:outerShdw blurRad="9525" dist="25400" dir="14640000" algn="tl" rotWithShape="0">
+              <a:schemeClr val="bg1">
+                <a:alpha val="30000"/>
+              </a:schemeClr>
+            </a:outerShdw>
+          </a:effectLst>
+          <a:latin typeface="+mn-lt"/>
+          <a:ea typeface="+mn-ea"/>
+          <a:cs typeface="+mn-cs"/>
+        </a:defRPr>
+      </a:lvl5pPr>
+      <a:lvl6pPr marL="2014600" indent="-228600" algn="l" defTabSz="457200" rtl="0" eaLnBrk="1" latinLnBrk="0" hangingPunct="1">
+        <a:spcBef>
+          <a:spcPct val="20000"/>
+        </a:spcBef>
+        <a:spcAft>
+          <a:spcPts val="600"/>
+        </a:spcAft>
+        <a:buClr>
+          <a:schemeClr val="tx2"/>
+        </a:buClr>
+        <a:buSzPct val="70000"/>
+        <a:buFont typeface="Wingdings 2" charset="2"/>
+        <a:buChar char=""/>
+        <a:defRPr sz="1400" kern="1200">
+          <a:ln>
+            <a:solidFill>
+              <a:schemeClr val="bg1">
+                <a:lumMod val="75000"/>
+                <a:lumOff val="25000"/>
+                <a:alpha val="10000"/>
+              </a:schemeClr>
+            </a:solidFill>
+          </a:ln>
+          <a:solidFill>
+            <a:schemeClr val="tx2"/>
+          </a:solidFill>
+          <a:effectLst>
+            <a:outerShdw blurRad="9525" dist="25400" dir="14640000" algn="tl" rotWithShape="0">
+              <a:schemeClr val="bg1">
+                <a:alpha val="30000"/>
+              </a:schemeClr>
+            </a:outerShdw>
+          </a:effectLst>
+          <a:latin typeface="+mn-lt"/>
+          <a:ea typeface="+mn-ea"/>
+          <a:cs typeface="+mn-cs"/>
+        </a:defRPr>
+      </a:lvl6pPr>
+      <a:lvl7pPr marL="2401800" indent="-228600" algn="l" defTabSz="457200" rtl="0" eaLnBrk="1" latinLnBrk="0" hangingPunct="1">
+        <a:spcBef>
+          <a:spcPct val="20000"/>
+        </a:spcBef>
+        <a:spcAft>
+          <a:spcPts val="600"/>
+        </a:spcAft>
+        <a:buClr>
+          <a:schemeClr val="tx2"/>
+        </a:buClr>
+        <a:buSzPct val="70000"/>
+        <a:buFont typeface="Wingdings 2" charset="2"/>
+        <a:buChar char=""/>
+        <a:defRPr sz="1400" kern="1200">
+          <a:ln>
+            <a:solidFill>
+              <a:schemeClr val="bg1">
+                <a:lumMod val="75000"/>
+                <a:lumOff val="25000"/>
+                <a:alpha val="10000"/>
+              </a:schemeClr>
+            </a:solidFill>
+          </a:ln>
+          <a:solidFill>
+            <a:schemeClr val="tx2"/>
+          </a:solidFill>
+          <a:effectLst>
+            <a:outerShdw blurRad="9525" dist="25400" dir="14640000" algn="tl" rotWithShape="0">
+              <a:schemeClr val="bg1">
+                <a:alpha val="30000"/>
+              </a:schemeClr>
+            </a:outerShdw>
+          </a:effectLst>
+          <a:latin typeface="+mn-lt"/>
+          <a:ea typeface="+mn-ea"/>
+          <a:cs typeface="+mn-cs"/>
+        </a:defRPr>
+      </a:lvl7pPr>
+      <a:lvl8pPr marL="2789000" indent="-228600" algn="l" defTabSz="457200" rtl="0" eaLnBrk="1" latinLnBrk="0" hangingPunct="1">
+        <a:spcBef>
+          <a:spcPct val="20000"/>
+        </a:spcBef>
+        <a:spcAft>
+          <a:spcPts val="600"/>
+        </a:spcAft>
+        <a:buClr>
+          <a:schemeClr val="tx2"/>
+        </a:buClr>
+        <a:buSzPct val="70000"/>
+        <a:buFont typeface="Wingdings 2" charset="2"/>
+        <a:buChar char=""/>
+        <a:defRPr sz="1400" kern="1200">
+          <a:ln>
+            <a:solidFill>
+              <a:schemeClr val="bg1">
+                <a:lumMod val="75000"/>
+                <a:lumOff val="25000"/>
+                <a:alpha val="10000"/>
+              </a:schemeClr>
+            </a:solidFill>
+          </a:ln>
+          <a:solidFill>
+            <a:schemeClr val="tx2"/>
+          </a:solidFill>
+          <a:effectLst>
+            <a:outerShdw blurRad="9525" dist="25400" dir="14640000" algn="tl" rotWithShape="0">
+              <a:schemeClr val="bg1">
+                <a:alpha val="30000"/>
+              </a:schemeClr>
+            </a:outerShdw>
+          </a:effectLst>
+          <a:latin typeface="+mn-lt"/>
+          <a:ea typeface="+mn-ea"/>
+          <a:cs typeface="+mn-cs"/>
+        </a:defRPr>
+      </a:lvl8pPr>
+      <a:lvl9pPr marL="3106200" indent="-228600" algn="l" defTabSz="457200" rtl="0" eaLnBrk="1" latinLnBrk="0" hangingPunct="1">
+        <a:spcBef>
+          <a:spcPct val="20000"/>
+        </a:spcBef>
+        <a:spcAft>
+          <a:spcPts val="600"/>
+        </a:spcAft>
+        <a:buClr>
+          <a:schemeClr val="tx2"/>
+        </a:buClr>
+        <a:buSzPct val="70000"/>
+        <a:buFont typeface="Wingdings 2" charset="2"/>
+        <a:buChar char=""/>
+        <a:defRPr sz="1400" kern="1200">
+          <a:ln>
+            <a:solidFill>
+              <a:schemeClr val="bg1">
+                <a:lumMod val="75000"/>
+                <a:lumOff val="25000"/>
+                <a:alpha val="10000"/>
+              </a:schemeClr>
+            </a:solidFill>
+          </a:ln>
+          <a:solidFill>
+            <a:schemeClr val="tx2"/>
+          </a:solidFill>
+          <a:effectLst>
+            <a:outerShdw blurRad="9525" dist="25400" dir="14640000" algn="tl" rotWithShape="0">
+              <a:schemeClr val="bg1">
+                <a:alpha val="30000"/>
+              </a:schemeClr>
+            </a:outerShdw>
+          </a:effectLst>
+          <a:latin typeface="+mn-lt"/>
+          <a:ea typeface="+mn-ea"/>
+          <a:cs typeface="+mn-cs"/>
+        </a:defRPr>
+      </a:lvl9pPr>
+    </p:bodyStyle>
+    <p:otherStyle>
+      <a:defPPr>
+        <a:defRPr lang="en-US"/>
+      </a:defPPr>
+      <a:lvl1pPr marL="0" algn="l" defTabSz="457200" rtl="0" eaLnBrk="1" latinLnBrk="0" hangingPunct="1">
+        <a:defRPr sz="1800" kern="1200">
           <a:solidFill>
             <a:schemeClr val="tx1"/>
           </a:solidFill>
@@ -3060,16 +5925,8 @@
           <a:cs typeface="+mn-cs"/>
         </a:defRPr>
       </a:lvl1pPr>
-      <a:lvl2pPr marL="685800" indent="-228600" algn="l" defTabSz="914400" rtl="0" eaLnBrk="1" latinLnBrk="0" hangingPunct="1">
-        <a:lnSpc>
-          <a:spcPct val="90000"/>
-        </a:lnSpc>
-        <a:spcBef>
-          <a:spcPts val="500"/>
-        </a:spcBef>
-        <a:buFont typeface="Arial" panose="020B0604020202020204" pitchFamily="34" charset="0"/>
-        <a:buChar char="•"/>
-        <a:defRPr sz="2400" kern="1200">
+      <a:lvl2pPr marL="457200" algn="l" defTabSz="457200" rtl="0" eaLnBrk="1" latinLnBrk="0" hangingPunct="1">
+        <a:defRPr sz="1800" kern="1200">
           <a:solidFill>
             <a:schemeClr val="tx1"/>
           </a:solidFill>
@@ -3078,16 +5935,8 @@
           <a:cs typeface="+mn-cs"/>
         </a:defRPr>
       </a:lvl2pPr>
-      <a:lvl3pPr marL="1143000" indent="-228600" algn="l" defTabSz="914400" rtl="0" eaLnBrk="1" latinLnBrk="0" hangingPunct="1">
-        <a:lnSpc>
-          <a:spcPct val="90000"/>
-        </a:lnSpc>
-        <a:spcBef>
-          <a:spcPts val="500"/>
-        </a:spcBef>
-        <a:buFont typeface="Arial" panose="020B0604020202020204" pitchFamily="34" charset="0"/>
-        <a:buChar char="•"/>
-        <a:defRPr sz="2000" kern="1200">
+      <a:lvl3pPr marL="914400" algn="l" defTabSz="457200" rtl="0" eaLnBrk="1" latinLnBrk="0" hangingPunct="1">
+        <a:defRPr sz="1800" kern="1200">
           <a:solidFill>
             <a:schemeClr val="tx1"/>
           </a:solidFill>
@@ -3096,15 +5945,7 @@
           <a:cs typeface="+mn-cs"/>
         </a:defRPr>
       </a:lvl3pPr>
-      <a:lvl4pPr marL="1600200" indent="-228600" algn="l" defTabSz="914400" rtl="0" eaLnBrk="1" latinLnBrk="0" hangingPunct="1">
-        <a:lnSpc>
-          <a:spcPct val="90000"/>
-        </a:lnSpc>
-        <a:spcBef>
-          <a:spcPts val="500"/>
-        </a:spcBef>
-        <a:buFont typeface="Arial" panose="020B0604020202020204" pitchFamily="34" charset="0"/>
-        <a:buChar char="•"/>
+      <a:lvl4pPr marL="1371600" algn="l" defTabSz="457200" rtl="0" eaLnBrk="1" latinLnBrk="0" hangingPunct="1">
         <a:defRPr sz="1800" kern="1200">
           <a:solidFill>
             <a:schemeClr val="tx1"/>
@@ -3114,15 +5955,7 @@
           <a:cs typeface="+mn-cs"/>
         </a:defRPr>
       </a:lvl4pPr>
-      <a:lvl5pPr marL="2057400" indent="-228600" algn="l" defTabSz="914400" rtl="0" eaLnBrk="1" latinLnBrk="0" hangingPunct="1">
-        <a:lnSpc>
-          <a:spcPct val="90000"/>
-        </a:lnSpc>
-        <a:spcBef>
-          <a:spcPts val="500"/>
-        </a:spcBef>
-        <a:buFont typeface="Arial" panose="020B0604020202020204" pitchFamily="34" charset="0"/>
-        <a:buChar char="•"/>
+      <a:lvl5pPr marL="1828800" algn="l" defTabSz="457200" rtl="0" eaLnBrk="1" latinLnBrk="0" hangingPunct="1">
         <a:defRPr sz="1800" kern="1200">
           <a:solidFill>
             <a:schemeClr val="tx1"/>
@@ -3132,15 +5965,7 @@
           <a:cs typeface="+mn-cs"/>
         </a:defRPr>
       </a:lvl5pPr>
-      <a:lvl6pPr marL="2514600" indent="-228600" algn="l" defTabSz="914400" rtl="0" eaLnBrk="1" latinLnBrk="0" hangingPunct="1">
-        <a:lnSpc>
-          <a:spcPct val="90000"/>
-        </a:lnSpc>
-        <a:spcBef>
-          <a:spcPts val="500"/>
-        </a:spcBef>
-        <a:buFont typeface="Arial" panose="020B0604020202020204" pitchFamily="34" charset="0"/>
-        <a:buChar char="•"/>
+      <a:lvl6pPr marL="2286000" algn="l" defTabSz="457200" rtl="0" eaLnBrk="1" latinLnBrk="0" hangingPunct="1">
         <a:defRPr sz="1800" kern="1200">
           <a:solidFill>
             <a:schemeClr val="tx1"/>
@@ -3150,15 +5975,7 @@
           <a:cs typeface="+mn-cs"/>
         </a:defRPr>
       </a:lvl6pPr>
-      <a:lvl7pPr marL="2971800" indent="-228600" algn="l" defTabSz="914400" rtl="0" eaLnBrk="1" latinLnBrk="0" hangingPunct="1">
-        <a:lnSpc>
-          <a:spcPct val="90000"/>
-        </a:lnSpc>
-        <a:spcBef>
-          <a:spcPts val="500"/>
-        </a:spcBef>
-        <a:buFont typeface="Arial" panose="020B0604020202020204" pitchFamily="34" charset="0"/>
-        <a:buChar char="•"/>
+      <a:lvl7pPr marL="2743200" algn="l" defTabSz="457200" rtl="0" eaLnBrk="1" latinLnBrk="0" hangingPunct="1">
         <a:defRPr sz="1800" kern="1200">
           <a:solidFill>
             <a:schemeClr val="tx1"/>
@@ -3168,15 +5985,7 @@
           <a:cs typeface="+mn-cs"/>
         </a:defRPr>
       </a:lvl7pPr>
-      <a:lvl8pPr marL="3429000" indent="-228600" algn="l" defTabSz="914400" rtl="0" eaLnBrk="1" latinLnBrk="0" hangingPunct="1">
-        <a:lnSpc>
-          <a:spcPct val="90000"/>
-        </a:lnSpc>
-        <a:spcBef>
-          <a:spcPts val="500"/>
-        </a:spcBef>
-        <a:buFont typeface="Arial" panose="020B0604020202020204" pitchFamily="34" charset="0"/>
-        <a:buChar char="•"/>
+      <a:lvl8pPr marL="3200400" algn="l" defTabSz="457200" rtl="0" eaLnBrk="1" latinLnBrk="0" hangingPunct="1">
         <a:defRPr sz="1800" kern="1200">
           <a:solidFill>
             <a:schemeClr val="tx1"/>
@@ -3186,110 +5995,7 @@
           <a:cs typeface="+mn-cs"/>
         </a:defRPr>
       </a:lvl8pPr>
-      <a:lvl9pPr marL="3886200" indent="-228600" algn="l" defTabSz="914400" rtl="0" eaLnBrk="1" latinLnBrk="0" hangingPunct="1">
-        <a:lnSpc>
-          <a:spcPct val="90000"/>
-        </a:lnSpc>
-        <a:spcBef>
-          <a:spcPts val="500"/>
-        </a:spcBef>
-        <a:buFont typeface="Arial" panose="020B0604020202020204" pitchFamily="34" charset="0"/>
-        <a:buChar char="•"/>
-        <a:defRPr sz="1800" kern="1200">
-          <a:solidFill>
-            <a:schemeClr val="tx1"/>
-          </a:solidFill>
-          <a:latin typeface="+mn-lt"/>
-          <a:ea typeface="+mn-ea"/>
-          <a:cs typeface="+mn-cs"/>
-        </a:defRPr>
-      </a:lvl9pPr>
-    </p:bodyStyle>
-    <p:otherStyle>
-      <a:defPPr>
-        <a:defRPr lang="zh-TW"/>
-      </a:defPPr>
-      <a:lvl1pPr marL="0" algn="l" defTabSz="914400" rtl="0" eaLnBrk="1" latinLnBrk="0" hangingPunct="1">
-        <a:defRPr sz="1800" kern="1200">
-          <a:solidFill>
-            <a:schemeClr val="tx1"/>
-          </a:solidFill>
-          <a:latin typeface="+mn-lt"/>
-          <a:ea typeface="+mn-ea"/>
-          <a:cs typeface="+mn-cs"/>
-        </a:defRPr>
-      </a:lvl1pPr>
-      <a:lvl2pPr marL="457200" algn="l" defTabSz="914400" rtl="0" eaLnBrk="1" latinLnBrk="0" hangingPunct="1">
-        <a:defRPr sz="1800" kern="1200">
-          <a:solidFill>
-            <a:schemeClr val="tx1"/>
-          </a:solidFill>
-          <a:latin typeface="+mn-lt"/>
-          <a:ea typeface="+mn-ea"/>
-          <a:cs typeface="+mn-cs"/>
-        </a:defRPr>
-      </a:lvl2pPr>
-      <a:lvl3pPr marL="914400" algn="l" defTabSz="914400" rtl="0" eaLnBrk="1" latinLnBrk="0" hangingPunct="1">
-        <a:defRPr sz="1800" kern="1200">
-          <a:solidFill>
-            <a:schemeClr val="tx1"/>
-          </a:solidFill>
-          <a:latin typeface="+mn-lt"/>
-          <a:ea typeface="+mn-ea"/>
-          <a:cs typeface="+mn-cs"/>
-        </a:defRPr>
-      </a:lvl3pPr>
-      <a:lvl4pPr marL="1371600" algn="l" defTabSz="914400" rtl="0" eaLnBrk="1" latinLnBrk="0" hangingPunct="1">
-        <a:defRPr sz="1800" kern="1200">
-          <a:solidFill>
-            <a:schemeClr val="tx1"/>
-          </a:solidFill>
-          <a:latin typeface="+mn-lt"/>
-          <a:ea typeface="+mn-ea"/>
-          <a:cs typeface="+mn-cs"/>
-        </a:defRPr>
-      </a:lvl4pPr>
-      <a:lvl5pPr marL="1828800" algn="l" defTabSz="914400" rtl="0" eaLnBrk="1" latinLnBrk="0" hangingPunct="1">
-        <a:defRPr sz="1800" kern="1200">
-          <a:solidFill>
-            <a:schemeClr val="tx1"/>
-          </a:solidFill>
-          <a:latin typeface="+mn-lt"/>
-          <a:ea typeface="+mn-ea"/>
-          <a:cs typeface="+mn-cs"/>
-        </a:defRPr>
-      </a:lvl5pPr>
-      <a:lvl6pPr marL="2286000" algn="l" defTabSz="914400" rtl="0" eaLnBrk="1" latinLnBrk="0" hangingPunct="1">
-        <a:defRPr sz="1800" kern="1200">
-          <a:solidFill>
-            <a:schemeClr val="tx1"/>
-          </a:solidFill>
-          <a:latin typeface="+mn-lt"/>
-          <a:ea typeface="+mn-ea"/>
-          <a:cs typeface="+mn-cs"/>
-        </a:defRPr>
-      </a:lvl6pPr>
-      <a:lvl7pPr marL="2743200" algn="l" defTabSz="914400" rtl="0" eaLnBrk="1" latinLnBrk="0" hangingPunct="1">
-        <a:defRPr sz="1800" kern="1200">
-          <a:solidFill>
-            <a:schemeClr val="tx1"/>
-          </a:solidFill>
-          <a:latin typeface="+mn-lt"/>
-          <a:ea typeface="+mn-ea"/>
-          <a:cs typeface="+mn-cs"/>
-        </a:defRPr>
-      </a:lvl7pPr>
-      <a:lvl8pPr marL="3200400" algn="l" defTabSz="914400" rtl="0" eaLnBrk="1" latinLnBrk="0" hangingPunct="1">
-        <a:defRPr sz="1800" kern="1200">
-          <a:solidFill>
-            <a:schemeClr val="tx1"/>
-          </a:solidFill>
-          <a:latin typeface="+mn-lt"/>
-          <a:ea typeface="+mn-ea"/>
-          <a:cs typeface="+mn-cs"/>
-        </a:defRPr>
-      </a:lvl8pPr>
-      <a:lvl9pPr marL="3657600" algn="l" defTabSz="914400" rtl="0" eaLnBrk="1" latinLnBrk="0" hangingPunct="1">
+      <a:lvl9pPr marL="3657600" algn="l" defTabSz="457200" rtl="0" eaLnBrk="1" latinLnBrk="0" hangingPunct="1">
         <a:defRPr sz="1800" kern="1200">
           <a:solidFill>
             <a:schemeClr val="tx1"/>
@@ -3326,7 +6032,7 @@
           <p:cNvPr id="2" name="標題 1">
             <a:extLst>
               <a:ext uri="{FF2B5EF4-FFF2-40B4-BE49-F238E27FC236}">
-                <a16:creationId xmlns:a16="http://schemas.microsoft.com/office/drawing/2014/main" id="{32532283-9F93-4E44-8138-32796965361F}"/>
+                <a16:creationId xmlns:a16="http://schemas.microsoft.com/office/drawing/2014/main" id="{E0A89E1F-5B3E-6FD1-03F9-A43A99777CCC}"/>
               </a:ext>
             </a:extLst>
           </p:cNvPr>
@@ -3337,21 +6043,61 @@
             <p:ph type="ctrTitle"/>
           </p:nvPr>
         </p:nvSpPr>
-        <p:spPr/>
-        <p:txBody>
-          <a:bodyPr/>
+        <p:spPr>
+          <a:xfrm>
+            <a:off x="1168812" y="2220803"/>
+            <a:ext cx="5107297" cy="1828801"/>
+          </a:xfrm>
+        </p:spPr>
+        <p:txBody>
+          <a:bodyPr>
+            <a:normAutofit/>
+          </a:bodyPr>
           <a:lstStyle/>
           <a:p>
-            <a:endParaRPr lang="zh-TW" altLang="en-US"/>
-          </a:p>
-        </p:txBody>
-      </p:sp>
-      <p:sp>
-        <p:nvSpPr>
-          <p:cNvPr id="3" name="副標題 2">
+            <a:r>
+              <a:rPr lang="zh-TW" altLang="en-US" sz="6000" dirty="0"/>
+              <a:t>冒險故事</a:t>
+            </a:r>
+          </a:p>
+        </p:txBody>
+      </p:sp>
+    </p:spTree>
+    <p:extLst>
+      <p:ext uri="{BB962C8B-B14F-4D97-AF65-F5344CB8AC3E}">
+        <p14:creationId xmlns:p14="http://schemas.microsoft.com/office/powerpoint/2010/main" val="2991883591"/>
+      </p:ext>
+    </p:extLst>
+  </p:cSld>
+  <p:clrMapOvr>
+    <a:masterClrMapping/>
+  </p:clrMapOvr>
+</p:sld>
+</file>
+
+<file path=ppt/slides/slide2.xml><?xml version="1.0" encoding="utf-8"?>
+<p:sld xmlns:a="http://schemas.openxmlformats.org/drawingml/2006/main" xmlns:r="http://schemas.openxmlformats.org/officeDocument/2006/relationships" xmlns:p="http://schemas.openxmlformats.org/presentationml/2006/main">
+  <p:cSld>
+    <p:spTree>
+      <p:nvGrpSpPr>
+        <p:cNvPr id="1" name=""/>
+        <p:cNvGrpSpPr/>
+        <p:nvPr/>
+      </p:nvGrpSpPr>
+      <p:grpSpPr>
+        <a:xfrm>
+          <a:off x="0" y="0"/>
+          <a:ext cx="0" cy="0"/>
+          <a:chOff x="0" y="0"/>
+          <a:chExt cx="0" cy="0"/>
+        </a:xfrm>
+      </p:grpSpPr>
+      <p:sp>
+        <p:nvSpPr>
+          <p:cNvPr id="3" name="內容版面配置區 2">
             <a:extLst>
               <a:ext uri="{FF2B5EF4-FFF2-40B4-BE49-F238E27FC236}">
-                <a16:creationId xmlns:a16="http://schemas.microsoft.com/office/drawing/2014/main" id="{8C946F38-524D-4B98-B9CB-80AEE57E455A}"/>
+                <a16:creationId xmlns:a16="http://schemas.microsoft.com/office/drawing/2014/main" id="{193D95D7-A657-6AA8-8BA2-FAF67D371A32}"/>
               </a:ext>
             </a:extLst>
           </p:cNvPr>
@@ -3359,22 +6105,1693 @@
             <a:spLocks noGrp="1"/>
           </p:cNvSpPr>
           <p:nvPr>
-            <p:ph type="subTitle" idx="1"/>
-          </p:nvPr>
-        </p:nvSpPr>
-        <p:spPr/>
+            <p:ph idx="1"/>
+          </p:nvPr>
+        </p:nvSpPr>
+        <p:spPr>
+          <a:xfrm>
+            <a:off x="913795" y="320635"/>
+            <a:ext cx="10353762" cy="5470566"/>
+          </a:xfrm>
+        </p:spPr>
         <p:txBody>
           <a:bodyPr/>
           <a:lstStyle/>
           <a:p>
-            <a:endParaRPr lang="zh-TW" altLang="en-US"/>
-          </a:p>
-        </p:txBody>
-      </p:sp>
+            <a:pPr marL="36900" indent="0" algn="ctr">
+              <a:buNone/>
+            </a:pPr>
+            <a:r>
+              <a:rPr lang="zh-TW" altLang="en-US" b="1" dirty="0"/>
+              <a:t>目標</a:t>
+            </a:r>
+            <a:r>
+              <a:rPr lang="zh-TW" altLang="en-US" dirty="0"/>
+              <a:t>：想要找到一個名為</a:t>
+            </a:r>
+            <a:r>
+              <a:rPr lang="en-US" altLang="zh-TW" dirty="0"/>
+              <a:t>『</a:t>
+            </a:r>
+            <a:r>
+              <a:rPr lang="zh-TW" altLang="en-US" dirty="0"/>
+              <a:t>靈魂水晶</a:t>
+            </a:r>
+            <a:r>
+              <a:rPr lang="en-US" altLang="zh-TW" dirty="0"/>
+              <a:t>』</a:t>
+            </a:r>
+            <a:r>
+              <a:rPr lang="zh-TW" altLang="en-US" dirty="0"/>
+              <a:t>的寶物</a:t>
+            </a:r>
+          </a:p>
+        </p:txBody>
+      </p:sp>
+      <p:pic>
+        <p:nvPicPr>
+          <p:cNvPr id="4" name="圖片 3">
+            <a:extLst>
+              <a:ext uri="{FF2B5EF4-FFF2-40B4-BE49-F238E27FC236}">
+                <a16:creationId xmlns:a16="http://schemas.microsoft.com/office/drawing/2014/main" id="{5981DCE7-9B93-5E4C-007B-1CE1CF2F39BA}"/>
+              </a:ext>
+            </a:extLst>
+          </p:cNvPr>
+          <p:cNvPicPr>
+            <a:picLocks noChangeAspect="1"/>
+          </p:cNvPicPr>
+          <p:nvPr/>
+        </p:nvPicPr>
+        <p:blipFill>
+          <a:blip r:embed="rId2"/>
+          <a:stretch>
+            <a:fillRect/>
+          </a:stretch>
+        </p:blipFill>
+        <p:spPr>
+          <a:xfrm>
+            <a:off x="480645" y="902674"/>
+            <a:ext cx="5364480" cy="5364480"/>
+          </a:xfrm>
+          <a:prstGeom prst="rect">
+            <a:avLst/>
+          </a:prstGeom>
+        </p:spPr>
+      </p:pic>
     </p:spTree>
     <p:extLst>
       <p:ext uri="{BB962C8B-B14F-4D97-AF65-F5344CB8AC3E}">
-        <p14:creationId xmlns:p14="http://schemas.microsoft.com/office/powerpoint/2010/main" val="1328321055"/>
+        <p14:creationId xmlns:p14="http://schemas.microsoft.com/office/powerpoint/2010/main" val="2155057605"/>
+      </p:ext>
+    </p:extLst>
+  </p:cSld>
+  <p:clrMapOvr>
+    <a:masterClrMapping/>
+  </p:clrMapOvr>
+  <mc:AlternateContent xmlns:mc="http://schemas.openxmlformats.org/markup-compatibility/2006" xmlns:p14="http://schemas.microsoft.com/office/powerpoint/2010/main">
+    <mc:Choice Requires="p14">
+      <p:transition spd="slow" p14:dur="800">
+        <p:circle/>
+      </p:transition>
+    </mc:Choice>
+    <mc:Fallback xmlns="">
+      <p:transition spd="slow">
+        <p:circle/>
+      </p:transition>
+    </mc:Fallback>
+  </mc:AlternateContent>
+  <p:timing>
+    <p:tnLst>
+      <p:par>
+        <p:cTn id="1" dur="indefinite" restart="never" nodeType="tmRoot">
+          <p:childTnLst>
+            <p:seq concurrent="1" nextAc="seek">
+              <p:cTn id="2" dur="indefinite" nodeType="mainSeq">
+                <p:childTnLst>
+                  <p:par>
+                    <p:cTn id="3" fill="hold">
+                      <p:stCondLst>
+                        <p:cond delay="indefinite"/>
+                      </p:stCondLst>
+                      <p:childTnLst>
+                        <p:par>
+                          <p:cTn id="4" fill="hold">
+                            <p:stCondLst>
+                              <p:cond delay="0"/>
+                            </p:stCondLst>
+                            <p:childTnLst>
+                              <p:par>
+                                <p:cTn id="5" presetID="42" presetClass="entr" presetSubtype="0" fill="hold" nodeType="clickEffect">
+                                  <p:stCondLst>
+                                    <p:cond delay="0"/>
+                                  </p:stCondLst>
+                                  <p:childTnLst>
+                                    <p:set>
+                                      <p:cBhvr>
+                                        <p:cTn id="6" dur="1" fill="hold">
+                                          <p:stCondLst>
+                                            <p:cond delay="0"/>
+                                          </p:stCondLst>
+                                        </p:cTn>
+                                        <p:tgtEl>
+                                          <p:spTgt spid="4"/>
+                                        </p:tgtEl>
+                                        <p:attrNameLst>
+                                          <p:attrName>style.visibility</p:attrName>
+                                        </p:attrNameLst>
+                                      </p:cBhvr>
+                                      <p:to>
+                                        <p:strVal val="visible"/>
+                                      </p:to>
+                                    </p:set>
+                                    <p:animEffect transition="in" filter="fade">
+                                      <p:cBhvr>
+                                        <p:cTn id="7" dur="1000"/>
+                                        <p:tgtEl>
+                                          <p:spTgt spid="4"/>
+                                        </p:tgtEl>
+                                      </p:cBhvr>
+                                    </p:animEffect>
+                                    <p:anim calcmode="lin" valueType="num">
+                                      <p:cBhvr>
+                                        <p:cTn id="8" dur="1000" fill="hold"/>
+                                        <p:tgtEl>
+                                          <p:spTgt spid="4"/>
+                                        </p:tgtEl>
+                                        <p:attrNameLst>
+                                          <p:attrName>ppt_x</p:attrName>
+                                        </p:attrNameLst>
+                                      </p:cBhvr>
+                                      <p:tavLst>
+                                        <p:tav tm="0">
+                                          <p:val>
+                                            <p:strVal val="#ppt_x"/>
+                                          </p:val>
+                                        </p:tav>
+                                        <p:tav tm="100000">
+                                          <p:val>
+                                            <p:strVal val="#ppt_x"/>
+                                          </p:val>
+                                        </p:tav>
+                                      </p:tavLst>
+                                    </p:anim>
+                                    <p:anim calcmode="lin" valueType="num">
+                                      <p:cBhvr>
+                                        <p:cTn id="9" dur="1000" fill="hold"/>
+                                        <p:tgtEl>
+                                          <p:spTgt spid="4"/>
+                                        </p:tgtEl>
+                                        <p:attrNameLst>
+                                          <p:attrName>ppt_y</p:attrName>
+                                        </p:attrNameLst>
+                                      </p:cBhvr>
+                                      <p:tavLst>
+                                        <p:tav tm="0">
+                                          <p:val>
+                                            <p:strVal val="#ppt_y+.1"/>
+                                          </p:val>
+                                        </p:tav>
+                                        <p:tav tm="100000">
+                                          <p:val>
+                                            <p:strVal val="#ppt_y"/>
+                                          </p:val>
+                                        </p:tav>
+                                      </p:tavLst>
+                                    </p:anim>
+                                  </p:childTnLst>
+                                </p:cTn>
+                              </p:par>
+                            </p:childTnLst>
+                          </p:cTn>
+                        </p:par>
+                      </p:childTnLst>
+                    </p:cTn>
+                  </p:par>
+                </p:childTnLst>
+              </p:cTn>
+              <p:prevCondLst>
+                <p:cond evt="onPrev" delay="0">
+                  <p:tgtEl>
+                    <p:sldTgt/>
+                  </p:tgtEl>
+                </p:cond>
+              </p:prevCondLst>
+              <p:nextCondLst>
+                <p:cond evt="onNext" delay="0">
+                  <p:tgtEl>
+                    <p:sldTgt/>
+                  </p:tgtEl>
+                </p:cond>
+              </p:nextCondLst>
+            </p:seq>
+          </p:childTnLst>
+        </p:cTn>
+      </p:par>
+    </p:tnLst>
+  </p:timing>
+</p:sld>
+</file>
+
+<file path=ppt/slides/slide3.xml><?xml version="1.0" encoding="utf-8"?>
+<p:sld xmlns:a="http://schemas.openxmlformats.org/drawingml/2006/main" xmlns:r="http://schemas.openxmlformats.org/officeDocument/2006/relationships" xmlns:p="http://schemas.openxmlformats.org/presentationml/2006/main">
+  <p:cSld>
+    <p:spTree>
+      <p:nvGrpSpPr>
+        <p:cNvPr id="1" name=""/>
+        <p:cNvGrpSpPr/>
+        <p:nvPr/>
+      </p:nvGrpSpPr>
+      <p:grpSpPr>
+        <a:xfrm>
+          <a:off x="0" y="0"/>
+          <a:ext cx="0" cy="0"/>
+          <a:chOff x="0" y="0"/>
+          <a:chExt cx="0" cy="0"/>
+        </a:xfrm>
+      </p:grpSpPr>
+      <p:sp>
+        <p:nvSpPr>
+          <p:cNvPr id="3" name="內容版面配置區 2">
+            <a:extLst>
+              <a:ext uri="{FF2B5EF4-FFF2-40B4-BE49-F238E27FC236}">
+                <a16:creationId xmlns:a16="http://schemas.microsoft.com/office/drawing/2014/main" id="{193D95D7-A657-6AA8-8BA2-FAF67D371A32}"/>
+              </a:ext>
+            </a:extLst>
+          </p:cNvPr>
+          <p:cNvSpPr>
+            <a:spLocks noGrp="1"/>
+          </p:cNvSpPr>
+          <p:nvPr>
+            <p:ph idx="1"/>
+          </p:nvPr>
+        </p:nvSpPr>
+        <p:spPr>
+          <a:xfrm>
+            <a:off x="913795" y="320635"/>
+            <a:ext cx="10353762" cy="5470566"/>
+          </a:xfrm>
+        </p:spPr>
+        <p:txBody>
+          <a:bodyPr/>
+          <a:lstStyle/>
+          <a:p>
+            <a:pPr marL="36900" indent="0" algn="ctr">
+              <a:buNone/>
+            </a:pPr>
+            <a:r>
+              <a:rPr lang="zh-TW" altLang="en-US" b="1" dirty="0"/>
+              <a:t>阻礙</a:t>
+            </a:r>
+            <a:r>
+              <a:rPr lang="zh-TW" altLang="en-US" dirty="0"/>
+              <a:t>：這條尋找水晶的旅途充滿挑戰。</a:t>
+            </a:r>
+          </a:p>
+        </p:txBody>
+      </p:sp>
+      <p:pic>
+        <p:nvPicPr>
+          <p:cNvPr id="4" name="圖片 3">
+            <a:extLst>
+              <a:ext uri="{FF2B5EF4-FFF2-40B4-BE49-F238E27FC236}">
+                <a16:creationId xmlns:a16="http://schemas.microsoft.com/office/drawing/2014/main" id="{69D2B500-9B3B-4E3A-C548-3A25A55CBACE}"/>
+              </a:ext>
+            </a:extLst>
+          </p:cNvPr>
+          <p:cNvPicPr>
+            <a:picLocks noChangeAspect="1"/>
+          </p:cNvPicPr>
+          <p:nvPr/>
+        </p:nvPicPr>
+        <p:blipFill>
+          <a:blip r:embed="rId2"/>
+          <a:stretch>
+            <a:fillRect/>
+          </a:stretch>
+        </p:blipFill>
+        <p:spPr>
+          <a:xfrm>
+            <a:off x="495300" y="968375"/>
+            <a:ext cx="5400000" cy="5400000"/>
+          </a:xfrm>
+          <a:prstGeom prst="rect">
+            <a:avLst/>
+          </a:prstGeom>
+        </p:spPr>
+      </p:pic>
+    </p:spTree>
+    <p:extLst>
+      <p:ext uri="{BB962C8B-B14F-4D97-AF65-F5344CB8AC3E}">
+        <p14:creationId xmlns:p14="http://schemas.microsoft.com/office/powerpoint/2010/main" val="1405491847"/>
+      </p:ext>
+    </p:extLst>
+  </p:cSld>
+  <p:clrMapOvr>
+    <a:masterClrMapping/>
+  </p:clrMapOvr>
+  <p:transition spd="slow">
+    <p:push dir="u"/>
+  </p:transition>
+  <p:timing>
+    <p:tnLst>
+      <p:par>
+        <p:cTn id="1" dur="indefinite" restart="never" nodeType="tmRoot">
+          <p:childTnLst>
+            <p:seq concurrent="1" nextAc="seek">
+              <p:cTn id="2" dur="indefinite" nodeType="mainSeq">
+                <p:childTnLst>
+                  <p:par>
+                    <p:cTn id="3" fill="hold">
+                      <p:stCondLst>
+                        <p:cond delay="indefinite"/>
+                      </p:stCondLst>
+                      <p:childTnLst>
+                        <p:par>
+                          <p:cTn id="4" fill="hold">
+                            <p:stCondLst>
+                              <p:cond delay="0"/>
+                            </p:stCondLst>
+                            <p:childTnLst>
+                              <p:par>
+                                <p:cTn id="5" presetID="16" presetClass="entr" presetSubtype="21" fill="hold" nodeType="clickEffect">
+                                  <p:stCondLst>
+                                    <p:cond delay="0"/>
+                                  </p:stCondLst>
+                                  <p:childTnLst>
+                                    <p:set>
+                                      <p:cBhvr>
+                                        <p:cTn id="6" dur="1" fill="hold">
+                                          <p:stCondLst>
+                                            <p:cond delay="0"/>
+                                          </p:stCondLst>
+                                        </p:cTn>
+                                        <p:tgtEl>
+                                          <p:spTgt spid="4"/>
+                                        </p:tgtEl>
+                                        <p:attrNameLst>
+                                          <p:attrName>style.visibility</p:attrName>
+                                        </p:attrNameLst>
+                                      </p:cBhvr>
+                                      <p:to>
+                                        <p:strVal val="visible"/>
+                                      </p:to>
+                                    </p:set>
+                                    <p:animEffect transition="in" filter="barn(inVertical)">
+                                      <p:cBhvr>
+                                        <p:cTn id="7" dur="500"/>
+                                        <p:tgtEl>
+                                          <p:spTgt spid="4"/>
+                                        </p:tgtEl>
+                                      </p:cBhvr>
+                                    </p:animEffect>
+                                  </p:childTnLst>
+                                </p:cTn>
+                              </p:par>
+                            </p:childTnLst>
+                          </p:cTn>
+                        </p:par>
+                      </p:childTnLst>
+                    </p:cTn>
+                  </p:par>
+                </p:childTnLst>
+              </p:cTn>
+              <p:prevCondLst>
+                <p:cond evt="onPrev" delay="0">
+                  <p:tgtEl>
+                    <p:sldTgt/>
+                  </p:tgtEl>
+                </p:cond>
+              </p:prevCondLst>
+              <p:nextCondLst>
+                <p:cond evt="onNext" delay="0">
+                  <p:tgtEl>
+                    <p:sldTgt/>
+                  </p:tgtEl>
+                </p:cond>
+              </p:nextCondLst>
+            </p:seq>
+          </p:childTnLst>
+        </p:cTn>
+      </p:par>
+    </p:tnLst>
+  </p:timing>
+</p:sld>
+</file>
+
+<file path=ppt/slides/slide4.xml><?xml version="1.0" encoding="utf-8"?>
+<p:sld xmlns:a="http://schemas.openxmlformats.org/drawingml/2006/main" xmlns:r="http://schemas.openxmlformats.org/officeDocument/2006/relationships" xmlns:p="http://schemas.openxmlformats.org/presentationml/2006/main">
+  <p:cSld>
+    <p:spTree>
+      <p:nvGrpSpPr>
+        <p:cNvPr id="1" name=""/>
+        <p:cNvGrpSpPr/>
+        <p:nvPr/>
+      </p:nvGrpSpPr>
+      <p:grpSpPr>
+        <a:xfrm>
+          <a:off x="0" y="0"/>
+          <a:ext cx="0" cy="0"/>
+          <a:chOff x="0" y="0"/>
+          <a:chExt cx="0" cy="0"/>
+        </a:xfrm>
+      </p:grpSpPr>
+      <p:sp>
+        <p:nvSpPr>
+          <p:cNvPr id="3" name="內容版面配置區 2">
+            <a:extLst>
+              <a:ext uri="{FF2B5EF4-FFF2-40B4-BE49-F238E27FC236}">
+                <a16:creationId xmlns:a16="http://schemas.microsoft.com/office/drawing/2014/main" id="{193D95D7-A657-6AA8-8BA2-FAF67D371A32}"/>
+              </a:ext>
+            </a:extLst>
+          </p:cNvPr>
+          <p:cNvSpPr>
+            <a:spLocks noGrp="1"/>
+          </p:cNvSpPr>
+          <p:nvPr>
+            <p:ph idx="1"/>
+          </p:nvPr>
+        </p:nvSpPr>
+        <p:spPr>
+          <a:xfrm>
+            <a:off x="913795" y="320635"/>
+            <a:ext cx="10353762" cy="5470566"/>
+          </a:xfrm>
+        </p:spPr>
+        <p:txBody>
+          <a:bodyPr/>
+          <a:lstStyle/>
+          <a:p>
+            <a:pPr marL="36900" indent="0" algn="ctr">
+              <a:buNone/>
+            </a:pPr>
+            <a:r>
+              <a:rPr lang="zh-TW" altLang="en-US" b="1" dirty="0"/>
+              <a:t>努力</a:t>
+            </a:r>
+            <a:r>
+              <a:rPr lang="zh-TW" altLang="en-US" dirty="0"/>
+              <a:t>：我學習與當地生物溝通的技巧，希望能獲得他們的幫助。我也建造了庇護所。</a:t>
+            </a:r>
+          </a:p>
+        </p:txBody>
+      </p:sp>
+      <p:pic>
+        <p:nvPicPr>
+          <p:cNvPr id="4" name="圖片 3">
+            <a:extLst>
+              <a:ext uri="{FF2B5EF4-FFF2-40B4-BE49-F238E27FC236}">
+                <a16:creationId xmlns:a16="http://schemas.microsoft.com/office/drawing/2014/main" id="{E04102B0-0BC3-175C-ABF7-284CA8FB1B2B}"/>
+              </a:ext>
+            </a:extLst>
+          </p:cNvPr>
+          <p:cNvPicPr>
+            <a:picLocks noChangeAspect="1"/>
+          </p:cNvPicPr>
+          <p:nvPr/>
+        </p:nvPicPr>
+        <p:blipFill>
+          <a:blip r:embed="rId2"/>
+          <a:stretch>
+            <a:fillRect/>
+          </a:stretch>
+        </p:blipFill>
+        <p:spPr>
+          <a:xfrm>
+            <a:off x="729644" y="955674"/>
+            <a:ext cx="5400000" cy="5400000"/>
+          </a:xfrm>
+          <a:prstGeom prst="rect">
+            <a:avLst/>
+          </a:prstGeom>
+        </p:spPr>
+      </p:pic>
+    </p:spTree>
+    <p:extLst>
+      <p:ext uri="{BB962C8B-B14F-4D97-AF65-F5344CB8AC3E}">
+        <p14:creationId xmlns:p14="http://schemas.microsoft.com/office/powerpoint/2010/main" val="2812469887"/>
+      </p:ext>
+    </p:extLst>
+  </p:cSld>
+  <p:clrMapOvr>
+    <a:masterClrMapping/>
+  </p:clrMapOvr>
+  <p:transition spd="slow">
+    <p:randomBar dir="vert"/>
+  </p:transition>
+  <p:timing>
+    <p:tnLst>
+      <p:par>
+        <p:cTn id="1" dur="indefinite" restart="never" nodeType="tmRoot">
+          <p:childTnLst>
+            <p:seq concurrent="1" nextAc="seek">
+              <p:cTn id="2" dur="indefinite" nodeType="mainSeq">
+                <p:childTnLst>
+                  <p:par>
+                    <p:cTn id="3" fill="hold">
+                      <p:stCondLst>
+                        <p:cond delay="indefinite"/>
+                      </p:stCondLst>
+                      <p:childTnLst>
+                        <p:par>
+                          <p:cTn id="4" fill="hold">
+                            <p:stCondLst>
+                              <p:cond delay="0"/>
+                            </p:stCondLst>
+                            <p:childTnLst>
+                              <p:par>
+                                <p:cTn id="5" presetID="53" presetClass="entr" presetSubtype="16" fill="hold" nodeType="clickEffect">
+                                  <p:stCondLst>
+                                    <p:cond delay="0"/>
+                                  </p:stCondLst>
+                                  <p:childTnLst>
+                                    <p:set>
+                                      <p:cBhvr>
+                                        <p:cTn id="6" dur="1" fill="hold">
+                                          <p:stCondLst>
+                                            <p:cond delay="0"/>
+                                          </p:stCondLst>
+                                        </p:cTn>
+                                        <p:tgtEl>
+                                          <p:spTgt spid="4"/>
+                                        </p:tgtEl>
+                                        <p:attrNameLst>
+                                          <p:attrName>style.visibility</p:attrName>
+                                        </p:attrNameLst>
+                                      </p:cBhvr>
+                                      <p:to>
+                                        <p:strVal val="visible"/>
+                                      </p:to>
+                                    </p:set>
+                                    <p:anim calcmode="lin" valueType="num">
+                                      <p:cBhvr>
+                                        <p:cTn id="7" dur="500" fill="hold"/>
+                                        <p:tgtEl>
+                                          <p:spTgt spid="4"/>
+                                        </p:tgtEl>
+                                        <p:attrNameLst>
+                                          <p:attrName>ppt_w</p:attrName>
+                                        </p:attrNameLst>
+                                      </p:cBhvr>
+                                      <p:tavLst>
+                                        <p:tav tm="0">
+                                          <p:val>
+                                            <p:fltVal val="0"/>
+                                          </p:val>
+                                        </p:tav>
+                                        <p:tav tm="100000">
+                                          <p:val>
+                                            <p:strVal val="#ppt_w"/>
+                                          </p:val>
+                                        </p:tav>
+                                      </p:tavLst>
+                                    </p:anim>
+                                    <p:anim calcmode="lin" valueType="num">
+                                      <p:cBhvr>
+                                        <p:cTn id="8" dur="500" fill="hold"/>
+                                        <p:tgtEl>
+                                          <p:spTgt spid="4"/>
+                                        </p:tgtEl>
+                                        <p:attrNameLst>
+                                          <p:attrName>ppt_h</p:attrName>
+                                        </p:attrNameLst>
+                                      </p:cBhvr>
+                                      <p:tavLst>
+                                        <p:tav tm="0">
+                                          <p:val>
+                                            <p:fltVal val="0"/>
+                                          </p:val>
+                                        </p:tav>
+                                        <p:tav tm="100000">
+                                          <p:val>
+                                            <p:strVal val="#ppt_h"/>
+                                          </p:val>
+                                        </p:tav>
+                                      </p:tavLst>
+                                    </p:anim>
+                                    <p:animEffect transition="in" filter="fade">
+                                      <p:cBhvr>
+                                        <p:cTn id="9" dur="500"/>
+                                        <p:tgtEl>
+                                          <p:spTgt spid="4"/>
+                                        </p:tgtEl>
+                                      </p:cBhvr>
+                                    </p:animEffect>
+                                  </p:childTnLst>
+                                </p:cTn>
+                              </p:par>
+                            </p:childTnLst>
+                          </p:cTn>
+                        </p:par>
+                      </p:childTnLst>
+                    </p:cTn>
+                  </p:par>
+                </p:childTnLst>
+              </p:cTn>
+              <p:prevCondLst>
+                <p:cond evt="onPrev" delay="0">
+                  <p:tgtEl>
+                    <p:sldTgt/>
+                  </p:tgtEl>
+                </p:cond>
+              </p:prevCondLst>
+              <p:nextCondLst>
+                <p:cond evt="onNext" delay="0">
+                  <p:tgtEl>
+                    <p:sldTgt/>
+                  </p:tgtEl>
+                </p:cond>
+              </p:nextCondLst>
+            </p:seq>
+          </p:childTnLst>
+        </p:cTn>
+      </p:par>
+    </p:tnLst>
+  </p:timing>
+</p:sld>
+</file>
+
+<file path=ppt/slides/slide5.xml><?xml version="1.0" encoding="utf-8"?>
+<p:sld xmlns:a="http://schemas.openxmlformats.org/drawingml/2006/main" xmlns:r="http://schemas.openxmlformats.org/officeDocument/2006/relationships" xmlns:p="http://schemas.openxmlformats.org/presentationml/2006/main">
+  <p:cSld>
+    <p:spTree>
+      <p:nvGrpSpPr>
+        <p:cNvPr id="1" name=""/>
+        <p:cNvGrpSpPr/>
+        <p:nvPr/>
+      </p:nvGrpSpPr>
+      <p:grpSpPr>
+        <a:xfrm>
+          <a:off x="0" y="0"/>
+          <a:ext cx="0" cy="0"/>
+          <a:chOff x="0" y="0"/>
+          <a:chExt cx="0" cy="0"/>
+        </a:xfrm>
+      </p:grpSpPr>
+      <p:sp>
+        <p:nvSpPr>
+          <p:cNvPr id="3" name="內容版面配置區 2">
+            <a:extLst>
+              <a:ext uri="{FF2B5EF4-FFF2-40B4-BE49-F238E27FC236}">
+                <a16:creationId xmlns:a16="http://schemas.microsoft.com/office/drawing/2014/main" id="{193D95D7-A657-6AA8-8BA2-FAF67D371A32}"/>
+              </a:ext>
+            </a:extLst>
+          </p:cNvPr>
+          <p:cNvSpPr>
+            <a:spLocks noGrp="1"/>
+          </p:cNvSpPr>
+          <p:nvPr>
+            <p:ph idx="1"/>
+          </p:nvPr>
+        </p:nvSpPr>
+        <p:spPr>
+          <a:xfrm>
+            <a:off x="913795" y="320635"/>
+            <a:ext cx="10353762" cy="5470566"/>
+          </a:xfrm>
+        </p:spPr>
+        <p:txBody>
+          <a:bodyPr/>
+          <a:lstStyle/>
+          <a:p>
+            <a:pPr marL="36900" indent="0" algn="ctr">
+              <a:buNone/>
+            </a:pPr>
+            <a:r>
+              <a:rPr lang="zh-TW" altLang="en-US" b="1" dirty="0"/>
+              <a:t>結果</a:t>
+            </a:r>
+            <a:r>
+              <a:rPr lang="zh-TW" altLang="en-US" dirty="0"/>
+              <a:t>：我終於來到了傳說中的靈魂之谷，找到了那個閃耀著光芒的</a:t>
+            </a:r>
+            <a:r>
+              <a:rPr lang="en-US" altLang="zh-TW" dirty="0"/>
+              <a:t>『</a:t>
+            </a:r>
+            <a:r>
+              <a:rPr lang="zh-TW" altLang="en-US" dirty="0"/>
+              <a:t>靈魂水晶</a:t>
+            </a:r>
+            <a:r>
+              <a:rPr lang="en-US" altLang="zh-TW" dirty="0"/>
+              <a:t>』</a:t>
+            </a:r>
+            <a:r>
+              <a:rPr lang="zh-TW" altLang="en-US" dirty="0"/>
+              <a:t>。</a:t>
+            </a:r>
+          </a:p>
+        </p:txBody>
+      </p:sp>
+      <p:pic>
+        <p:nvPicPr>
+          <p:cNvPr id="4" name="圖片 3">
+            <a:extLst>
+              <a:ext uri="{FF2B5EF4-FFF2-40B4-BE49-F238E27FC236}">
+                <a16:creationId xmlns:a16="http://schemas.microsoft.com/office/drawing/2014/main" id="{FCF58808-5D40-F57F-D1B1-4CEEC52C4DDF}"/>
+              </a:ext>
+            </a:extLst>
+          </p:cNvPr>
+          <p:cNvPicPr>
+            <a:picLocks noChangeAspect="1"/>
+          </p:cNvPicPr>
+          <p:nvPr/>
+        </p:nvPicPr>
+        <p:blipFill>
+          <a:blip r:embed="rId2"/>
+          <a:stretch>
+            <a:fillRect/>
+          </a:stretch>
+        </p:blipFill>
+        <p:spPr>
+          <a:xfrm>
+            <a:off x="717550" y="914399"/>
+            <a:ext cx="5400000" cy="5400000"/>
+          </a:xfrm>
+          <a:prstGeom prst="rect">
+            <a:avLst/>
+          </a:prstGeom>
+        </p:spPr>
+      </p:pic>
+    </p:spTree>
+    <p:extLst>
+      <p:ext uri="{BB962C8B-B14F-4D97-AF65-F5344CB8AC3E}">
+        <p14:creationId xmlns:p14="http://schemas.microsoft.com/office/powerpoint/2010/main" val="2687410512"/>
+      </p:ext>
+    </p:extLst>
+  </p:cSld>
+  <p:clrMapOvr>
+    <a:masterClrMapping/>
+  </p:clrMapOvr>
+  <mc:AlternateContent xmlns:mc="http://schemas.openxmlformats.org/markup-compatibility/2006" xmlns:p15="http://schemas.microsoft.com/office/powerpoint/2012/main">
+    <mc:Choice Requires="p15">
+      <p:transition xmlns:p14="http://schemas.microsoft.com/office/powerpoint/2010/main" spd="slow" p14:dur="2000">
+        <p15:prstTrans prst="fallOver"/>
+      </p:transition>
+    </mc:Choice>
+    <mc:Fallback xmlns="">
+      <p:transition spd="slow">
+        <p:fade/>
+      </p:transition>
+    </mc:Fallback>
+  </mc:AlternateContent>
+  <p:timing>
+    <p:tnLst>
+      <p:par>
+        <p:cTn id="1" dur="indefinite" restart="never" nodeType="tmRoot">
+          <p:childTnLst>
+            <p:seq concurrent="1" nextAc="seek">
+              <p:cTn id="2" dur="indefinite" nodeType="mainSeq">
+                <p:childTnLst>
+                  <p:par>
+                    <p:cTn id="3" fill="hold">
+                      <p:stCondLst>
+                        <p:cond delay="indefinite"/>
+                      </p:stCondLst>
+                      <p:childTnLst>
+                        <p:par>
+                          <p:cTn id="4" fill="hold">
+                            <p:stCondLst>
+                              <p:cond delay="0"/>
+                            </p:stCondLst>
+                            <p:childTnLst>
+                              <p:par>
+                                <p:cTn id="5" presetID="31" presetClass="entr" presetSubtype="0" fill="hold" nodeType="clickEffect">
+                                  <p:stCondLst>
+                                    <p:cond delay="0"/>
+                                  </p:stCondLst>
+                                  <p:childTnLst>
+                                    <p:set>
+                                      <p:cBhvr>
+                                        <p:cTn id="6" dur="1" fill="hold">
+                                          <p:stCondLst>
+                                            <p:cond delay="0"/>
+                                          </p:stCondLst>
+                                        </p:cTn>
+                                        <p:tgtEl>
+                                          <p:spTgt spid="4"/>
+                                        </p:tgtEl>
+                                        <p:attrNameLst>
+                                          <p:attrName>style.visibility</p:attrName>
+                                        </p:attrNameLst>
+                                      </p:cBhvr>
+                                      <p:to>
+                                        <p:strVal val="visible"/>
+                                      </p:to>
+                                    </p:set>
+                                    <p:anim calcmode="lin" valueType="num">
+                                      <p:cBhvr>
+                                        <p:cTn id="7" dur="1000" fill="hold"/>
+                                        <p:tgtEl>
+                                          <p:spTgt spid="4"/>
+                                        </p:tgtEl>
+                                        <p:attrNameLst>
+                                          <p:attrName>ppt_w</p:attrName>
+                                        </p:attrNameLst>
+                                      </p:cBhvr>
+                                      <p:tavLst>
+                                        <p:tav tm="0">
+                                          <p:val>
+                                            <p:fltVal val="0"/>
+                                          </p:val>
+                                        </p:tav>
+                                        <p:tav tm="100000">
+                                          <p:val>
+                                            <p:strVal val="#ppt_w"/>
+                                          </p:val>
+                                        </p:tav>
+                                      </p:tavLst>
+                                    </p:anim>
+                                    <p:anim calcmode="lin" valueType="num">
+                                      <p:cBhvr>
+                                        <p:cTn id="8" dur="1000" fill="hold"/>
+                                        <p:tgtEl>
+                                          <p:spTgt spid="4"/>
+                                        </p:tgtEl>
+                                        <p:attrNameLst>
+                                          <p:attrName>ppt_h</p:attrName>
+                                        </p:attrNameLst>
+                                      </p:cBhvr>
+                                      <p:tavLst>
+                                        <p:tav tm="0">
+                                          <p:val>
+                                            <p:fltVal val="0"/>
+                                          </p:val>
+                                        </p:tav>
+                                        <p:tav tm="100000">
+                                          <p:val>
+                                            <p:strVal val="#ppt_h"/>
+                                          </p:val>
+                                        </p:tav>
+                                      </p:tavLst>
+                                    </p:anim>
+                                    <p:anim calcmode="lin" valueType="num">
+                                      <p:cBhvr>
+                                        <p:cTn id="9" dur="1000" fill="hold"/>
+                                        <p:tgtEl>
+                                          <p:spTgt spid="4"/>
+                                        </p:tgtEl>
+                                        <p:attrNameLst>
+                                          <p:attrName>style.rotation</p:attrName>
+                                        </p:attrNameLst>
+                                      </p:cBhvr>
+                                      <p:tavLst>
+                                        <p:tav tm="0">
+                                          <p:val>
+                                            <p:fltVal val="90"/>
+                                          </p:val>
+                                        </p:tav>
+                                        <p:tav tm="100000">
+                                          <p:val>
+                                            <p:fltVal val="0"/>
+                                          </p:val>
+                                        </p:tav>
+                                      </p:tavLst>
+                                    </p:anim>
+                                    <p:animEffect transition="in" filter="fade">
+                                      <p:cBhvr>
+                                        <p:cTn id="10" dur="1000"/>
+                                        <p:tgtEl>
+                                          <p:spTgt spid="4"/>
+                                        </p:tgtEl>
+                                      </p:cBhvr>
+                                    </p:animEffect>
+                                  </p:childTnLst>
+                                </p:cTn>
+                              </p:par>
+                            </p:childTnLst>
+                          </p:cTn>
+                        </p:par>
+                      </p:childTnLst>
+                    </p:cTn>
+                  </p:par>
+                </p:childTnLst>
+              </p:cTn>
+              <p:prevCondLst>
+                <p:cond evt="onPrev" delay="0">
+                  <p:tgtEl>
+                    <p:sldTgt/>
+                  </p:tgtEl>
+                </p:cond>
+              </p:prevCondLst>
+              <p:nextCondLst>
+                <p:cond evt="onNext" delay="0">
+                  <p:tgtEl>
+                    <p:sldTgt/>
+                  </p:tgtEl>
+                </p:cond>
+              </p:nextCondLst>
+            </p:seq>
+          </p:childTnLst>
+        </p:cTn>
+      </p:par>
+    </p:tnLst>
+  </p:timing>
+</p:sld>
+</file>
+
+<file path=ppt/slides/slide6.xml><?xml version="1.0" encoding="utf-8"?>
+<p:sld xmlns:a="http://schemas.openxmlformats.org/drawingml/2006/main" xmlns:r="http://schemas.openxmlformats.org/officeDocument/2006/relationships" xmlns:p="http://schemas.openxmlformats.org/presentationml/2006/main">
+  <p:cSld>
+    <p:spTree>
+      <p:nvGrpSpPr>
+        <p:cNvPr id="1" name=""/>
+        <p:cNvGrpSpPr/>
+        <p:nvPr/>
+      </p:nvGrpSpPr>
+      <p:grpSpPr>
+        <a:xfrm>
+          <a:off x="0" y="0"/>
+          <a:ext cx="0" cy="0"/>
+          <a:chOff x="0" y="0"/>
+          <a:chExt cx="0" cy="0"/>
+        </a:xfrm>
+      </p:grpSpPr>
+      <p:sp>
+        <p:nvSpPr>
+          <p:cNvPr id="3" name="內容版面配置區 2">
+            <a:extLst>
+              <a:ext uri="{FF2B5EF4-FFF2-40B4-BE49-F238E27FC236}">
+                <a16:creationId xmlns:a16="http://schemas.microsoft.com/office/drawing/2014/main" id="{193D95D7-A657-6AA8-8BA2-FAF67D371A32}"/>
+              </a:ext>
+            </a:extLst>
+          </p:cNvPr>
+          <p:cNvSpPr>
+            <a:spLocks noGrp="1"/>
+          </p:cNvSpPr>
+          <p:nvPr>
+            <p:ph idx="1"/>
+          </p:nvPr>
+        </p:nvSpPr>
+        <p:spPr>
+          <a:xfrm>
+            <a:off x="913795" y="320635"/>
+            <a:ext cx="10353762" cy="5470566"/>
+          </a:xfrm>
+        </p:spPr>
+        <p:txBody>
+          <a:bodyPr/>
+          <a:lstStyle/>
+          <a:p>
+            <a:pPr marL="36900" indent="0" algn="ctr">
+              <a:buNone/>
+            </a:pPr>
+            <a:r>
+              <a:rPr lang="zh-TW" altLang="en-US" b="1" dirty="0"/>
+              <a:t>意外</a:t>
+            </a:r>
+            <a:r>
+              <a:rPr lang="zh-TW" altLang="en-US" dirty="0"/>
+              <a:t>：一隻像獅子般的巨大生物從水晶中現身</a:t>
+            </a:r>
+          </a:p>
+        </p:txBody>
+      </p:sp>
+      <p:pic>
+        <p:nvPicPr>
+          <p:cNvPr id="4" name="圖片 3">
+            <a:extLst>
+              <a:ext uri="{FF2B5EF4-FFF2-40B4-BE49-F238E27FC236}">
+                <a16:creationId xmlns:a16="http://schemas.microsoft.com/office/drawing/2014/main" id="{5C3EAF7C-93E5-42F8-72F2-20E012E1DD52}"/>
+              </a:ext>
+            </a:extLst>
+          </p:cNvPr>
+          <p:cNvPicPr>
+            <a:picLocks noChangeAspect="1"/>
+          </p:cNvPicPr>
+          <p:nvPr/>
+        </p:nvPicPr>
+        <p:blipFill>
+          <a:blip r:embed="rId2"/>
+          <a:stretch>
+            <a:fillRect/>
+          </a:stretch>
+        </p:blipFill>
+        <p:spPr>
+          <a:xfrm>
+            <a:off x="648184" y="890336"/>
+            <a:ext cx="5400000" cy="5400000"/>
+          </a:xfrm>
+          <a:prstGeom prst="rect">
+            <a:avLst/>
+          </a:prstGeom>
+        </p:spPr>
+      </p:pic>
+    </p:spTree>
+    <p:extLst>
+      <p:ext uri="{BB962C8B-B14F-4D97-AF65-F5344CB8AC3E}">
+        <p14:creationId xmlns:p14="http://schemas.microsoft.com/office/powerpoint/2010/main" val="86358513"/>
+      </p:ext>
+    </p:extLst>
+  </p:cSld>
+  <p:clrMapOvr>
+    <a:masterClrMapping/>
+  </p:clrMapOvr>
+  <mc:AlternateContent xmlns:mc="http://schemas.openxmlformats.org/markup-compatibility/2006" xmlns:p15="http://schemas.microsoft.com/office/powerpoint/2012/main">
+    <mc:Choice Requires="p15">
+      <p:transition xmlns:p14="http://schemas.microsoft.com/office/powerpoint/2010/main" spd="slow" p14:dur="2000">
+        <p15:prstTrans prst="drape"/>
+      </p:transition>
+    </mc:Choice>
+    <mc:Fallback xmlns="">
+      <p:transition spd="slow">
+        <p:fade/>
+      </p:transition>
+    </mc:Fallback>
+  </mc:AlternateContent>
+  <p:timing>
+    <p:tnLst>
+      <p:par>
+        <p:cTn id="1" dur="indefinite" restart="never" nodeType="tmRoot">
+          <p:childTnLst>
+            <p:seq concurrent="1" nextAc="seek">
+              <p:cTn id="2" dur="indefinite" nodeType="mainSeq">
+                <p:childTnLst>
+                  <p:par>
+                    <p:cTn id="3" fill="hold">
+                      <p:stCondLst>
+                        <p:cond delay="indefinite"/>
+                      </p:stCondLst>
+                      <p:childTnLst>
+                        <p:par>
+                          <p:cTn id="4" fill="hold">
+                            <p:stCondLst>
+                              <p:cond delay="0"/>
+                            </p:stCondLst>
+                            <p:childTnLst>
+                              <p:par>
+                                <p:cTn id="5" presetID="10" presetClass="entr" presetSubtype="0" fill="hold" nodeType="clickEffect">
+                                  <p:stCondLst>
+                                    <p:cond delay="0"/>
+                                  </p:stCondLst>
+                                  <p:childTnLst>
+                                    <p:set>
+                                      <p:cBhvr>
+                                        <p:cTn id="6" dur="1" fill="hold">
+                                          <p:stCondLst>
+                                            <p:cond delay="0"/>
+                                          </p:stCondLst>
+                                        </p:cTn>
+                                        <p:tgtEl>
+                                          <p:spTgt spid="4"/>
+                                        </p:tgtEl>
+                                        <p:attrNameLst>
+                                          <p:attrName>style.visibility</p:attrName>
+                                        </p:attrNameLst>
+                                      </p:cBhvr>
+                                      <p:to>
+                                        <p:strVal val="visible"/>
+                                      </p:to>
+                                    </p:set>
+                                    <p:animEffect transition="in" filter="fade">
+                                      <p:cBhvr>
+                                        <p:cTn id="7" dur="500"/>
+                                        <p:tgtEl>
+                                          <p:spTgt spid="4"/>
+                                        </p:tgtEl>
+                                      </p:cBhvr>
+                                    </p:animEffect>
+                                  </p:childTnLst>
+                                </p:cTn>
+                              </p:par>
+                            </p:childTnLst>
+                          </p:cTn>
+                        </p:par>
+                      </p:childTnLst>
+                    </p:cTn>
+                  </p:par>
+                </p:childTnLst>
+              </p:cTn>
+              <p:prevCondLst>
+                <p:cond evt="onPrev" delay="0">
+                  <p:tgtEl>
+                    <p:sldTgt/>
+                  </p:tgtEl>
+                </p:cond>
+              </p:prevCondLst>
+              <p:nextCondLst>
+                <p:cond evt="onNext" delay="0">
+                  <p:tgtEl>
+                    <p:sldTgt/>
+                  </p:tgtEl>
+                </p:cond>
+              </p:nextCondLst>
+            </p:seq>
+          </p:childTnLst>
+        </p:cTn>
+      </p:par>
+    </p:tnLst>
+  </p:timing>
+</p:sld>
+</file>
+
+<file path=ppt/slides/slide7.xml><?xml version="1.0" encoding="utf-8"?>
+<p:sld xmlns:a="http://schemas.openxmlformats.org/drawingml/2006/main" xmlns:r="http://schemas.openxmlformats.org/officeDocument/2006/relationships" xmlns:p="http://schemas.openxmlformats.org/presentationml/2006/main">
+  <p:cSld>
+    <p:spTree>
+      <p:nvGrpSpPr>
+        <p:cNvPr id="1" name=""/>
+        <p:cNvGrpSpPr/>
+        <p:nvPr/>
+      </p:nvGrpSpPr>
+      <p:grpSpPr>
+        <a:xfrm>
+          <a:off x="0" y="0"/>
+          <a:ext cx="0" cy="0"/>
+          <a:chOff x="0" y="0"/>
+          <a:chExt cx="0" cy="0"/>
+        </a:xfrm>
+      </p:grpSpPr>
+      <p:sp>
+        <p:nvSpPr>
+          <p:cNvPr id="3" name="內容版面配置區 2">
+            <a:extLst>
+              <a:ext uri="{FF2B5EF4-FFF2-40B4-BE49-F238E27FC236}">
+                <a16:creationId xmlns:a16="http://schemas.microsoft.com/office/drawing/2014/main" id="{193D95D7-A657-6AA8-8BA2-FAF67D371A32}"/>
+              </a:ext>
+            </a:extLst>
+          </p:cNvPr>
+          <p:cNvSpPr>
+            <a:spLocks noGrp="1"/>
+          </p:cNvSpPr>
+          <p:nvPr>
+            <p:ph idx="1"/>
+          </p:nvPr>
+        </p:nvSpPr>
+        <p:spPr>
+          <a:xfrm>
+            <a:off x="913795" y="320635"/>
+            <a:ext cx="10353762" cy="5470566"/>
+          </a:xfrm>
+        </p:spPr>
+        <p:txBody>
+          <a:bodyPr/>
+          <a:lstStyle/>
+          <a:p>
+            <a:pPr marL="36900" indent="0" algn="ctr">
+              <a:buNone/>
+            </a:pPr>
+            <a:r>
+              <a:rPr lang="zh-TW" altLang="en-US" b="1" dirty="0"/>
+              <a:t>轉彎</a:t>
+            </a:r>
+            <a:r>
+              <a:rPr lang="zh-TW" altLang="en-US" dirty="0"/>
+              <a:t>：我利用閃光石反射出強烈的光芒，吸引猛獸的注意。並趁機擊殺牠</a:t>
+            </a:r>
+          </a:p>
+        </p:txBody>
+      </p:sp>
+      <p:pic>
+        <p:nvPicPr>
+          <p:cNvPr id="4" name="圖片 3">
+            <a:extLst>
+              <a:ext uri="{FF2B5EF4-FFF2-40B4-BE49-F238E27FC236}">
+                <a16:creationId xmlns:a16="http://schemas.microsoft.com/office/drawing/2014/main" id="{F232757B-B982-0651-AEB2-DECDE912010C}"/>
+              </a:ext>
+            </a:extLst>
+          </p:cNvPr>
+          <p:cNvPicPr>
+            <a:picLocks noChangeAspect="1"/>
+          </p:cNvPicPr>
+          <p:nvPr/>
+        </p:nvPicPr>
+        <p:blipFill>
+          <a:blip r:embed="rId2"/>
+          <a:stretch>
+            <a:fillRect/>
+          </a:stretch>
+        </p:blipFill>
+        <p:spPr>
+          <a:xfrm>
+            <a:off x="643864" y="896706"/>
+            <a:ext cx="5400000" cy="5400000"/>
+          </a:xfrm>
+          <a:prstGeom prst="rect">
+            <a:avLst/>
+          </a:prstGeom>
+        </p:spPr>
+      </p:pic>
+    </p:spTree>
+    <p:extLst>
+      <p:ext uri="{BB962C8B-B14F-4D97-AF65-F5344CB8AC3E}">
+        <p14:creationId xmlns:p14="http://schemas.microsoft.com/office/powerpoint/2010/main" val="131870296"/>
+      </p:ext>
+    </p:extLst>
+  </p:cSld>
+  <p:clrMapOvr>
+    <a:masterClrMapping/>
+  </p:clrMapOvr>
+  <mc:AlternateContent xmlns:mc="http://schemas.openxmlformats.org/markup-compatibility/2006" xmlns:p15="http://schemas.microsoft.com/office/powerpoint/2012/main">
+    <mc:Choice Requires="p15">
+      <p:transition xmlns:p14="http://schemas.microsoft.com/office/powerpoint/2010/main" spd="slow" p14:dur="1250">
+        <p15:prstTrans prst="pageCurlDouble"/>
+      </p:transition>
+    </mc:Choice>
+    <mc:Fallback xmlns="">
+      <p:transition spd="slow">
+        <p:fade/>
+      </p:transition>
+    </mc:Fallback>
+  </mc:AlternateContent>
+  <p:timing>
+    <p:tnLst>
+      <p:par>
+        <p:cTn id="1" dur="indefinite" restart="never" nodeType="tmRoot">
+          <p:childTnLst>
+            <p:seq concurrent="1" nextAc="seek">
+              <p:cTn id="2" dur="indefinite" nodeType="mainSeq">
+                <p:childTnLst>
+                  <p:par>
+                    <p:cTn id="3" fill="hold">
+                      <p:stCondLst>
+                        <p:cond delay="indefinite"/>
+                      </p:stCondLst>
+                      <p:childTnLst>
+                        <p:par>
+                          <p:cTn id="4" fill="hold">
+                            <p:stCondLst>
+                              <p:cond delay="0"/>
+                            </p:stCondLst>
+                            <p:childTnLst>
+                              <p:par>
+                                <p:cTn id="5" presetID="31" presetClass="entr" presetSubtype="0" fill="hold" nodeType="clickEffect">
+                                  <p:stCondLst>
+                                    <p:cond delay="0"/>
+                                  </p:stCondLst>
+                                  <p:childTnLst>
+                                    <p:set>
+                                      <p:cBhvr>
+                                        <p:cTn id="6" dur="1" fill="hold">
+                                          <p:stCondLst>
+                                            <p:cond delay="0"/>
+                                          </p:stCondLst>
+                                        </p:cTn>
+                                        <p:tgtEl>
+                                          <p:spTgt spid="4"/>
+                                        </p:tgtEl>
+                                        <p:attrNameLst>
+                                          <p:attrName>style.visibility</p:attrName>
+                                        </p:attrNameLst>
+                                      </p:cBhvr>
+                                      <p:to>
+                                        <p:strVal val="visible"/>
+                                      </p:to>
+                                    </p:set>
+                                    <p:anim calcmode="lin" valueType="num">
+                                      <p:cBhvr>
+                                        <p:cTn id="7" dur="1000" fill="hold"/>
+                                        <p:tgtEl>
+                                          <p:spTgt spid="4"/>
+                                        </p:tgtEl>
+                                        <p:attrNameLst>
+                                          <p:attrName>ppt_w</p:attrName>
+                                        </p:attrNameLst>
+                                      </p:cBhvr>
+                                      <p:tavLst>
+                                        <p:tav tm="0">
+                                          <p:val>
+                                            <p:fltVal val="0"/>
+                                          </p:val>
+                                        </p:tav>
+                                        <p:tav tm="100000">
+                                          <p:val>
+                                            <p:strVal val="#ppt_w"/>
+                                          </p:val>
+                                        </p:tav>
+                                      </p:tavLst>
+                                    </p:anim>
+                                    <p:anim calcmode="lin" valueType="num">
+                                      <p:cBhvr>
+                                        <p:cTn id="8" dur="1000" fill="hold"/>
+                                        <p:tgtEl>
+                                          <p:spTgt spid="4"/>
+                                        </p:tgtEl>
+                                        <p:attrNameLst>
+                                          <p:attrName>ppt_h</p:attrName>
+                                        </p:attrNameLst>
+                                      </p:cBhvr>
+                                      <p:tavLst>
+                                        <p:tav tm="0">
+                                          <p:val>
+                                            <p:fltVal val="0"/>
+                                          </p:val>
+                                        </p:tav>
+                                        <p:tav tm="100000">
+                                          <p:val>
+                                            <p:strVal val="#ppt_h"/>
+                                          </p:val>
+                                        </p:tav>
+                                      </p:tavLst>
+                                    </p:anim>
+                                    <p:anim calcmode="lin" valueType="num">
+                                      <p:cBhvr>
+                                        <p:cTn id="9" dur="1000" fill="hold"/>
+                                        <p:tgtEl>
+                                          <p:spTgt spid="4"/>
+                                        </p:tgtEl>
+                                        <p:attrNameLst>
+                                          <p:attrName>style.rotation</p:attrName>
+                                        </p:attrNameLst>
+                                      </p:cBhvr>
+                                      <p:tavLst>
+                                        <p:tav tm="0">
+                                          <p:val>
+                                            <p:fltVal val="90"/>
+                                          </p:val>
+                                        </p:tav>
+                                        <p:tav tm="100000">
+                                          <p:val>
+                                            <p:fltVal val="0"/>
+                                          </p:val>
+                                        </p:tav>
+                                      </p:tavLst>
+                                    </p:anim>
+                                    <p:animEffect transition="in" filter="fade">
+                                      <p:cBhvr>
+                                        <p:cTn id="10" dur="1000"/>
+                                        <p:tgtEl>
+                                          <p:spTgt spid="4"/>
+                                        </p:tgtEl>
+                                      </p:cBhvr>
+                                    </p:animEffect>
+                                  </p:childTnLst>
+                                </p:cTn>
+                              </p:par>
+                            </p:childTnLst>
+                          </p:cTn>
+                        </p:par>
+                      </p:childTnLst>
+                    </p:cTn>
+                  </p:par>
+                </p:childTnLst>
+              </p:cTn>
+              <p:prevCondLst>
+                <p:cond evt="onPrev" delay="0">
+                  <p:tgtEl>
+                    <p:sldTgt/>
+                  </p:tgtEl>
+                </p:cond>
+              </p:prevCondLst>
+              <p:nextCondLst>
+                <p:cond evt="onNext" delay="0">
+                  <p:tgtEl>
+                    <p:sldTgt/>
+                  </p:tgtEl>
+                </p:cond>
+              </p:nextCondLst>
+            </p:seq>
+          </p:childTnLst>
+        </p:cTn>
+      </p:par>
+    </p:tnLst>
+  </p:timing>
+</p:sld>
+</file>
+
+<file path=ppt/slides/slide8.xml><?xml version="1.0" encoding="utf-8"?>
+<p:sld xmlns:a="http://schemas.openxmlformats.org/drawingml/2006/main" xmlns:r="http://schemas.openxmlformats.org/officeDocument/2006/relationships" xmlns:p="http://schemas.openxmlformats.org/presentationml/2006/main">
+  <p:cSld>
+    <p:spTree>
+      <p:nvGrpSpPr>
+        <p:cNvPr id="1" name=""/>
+        <p:cNvGrpSpPr/>
+        <p:nvPr/>
+      </p:nvGrpSpPr>
+      <p:grpSpPr>
+        <a:xfrm>
+          <a:off x="0" y="0"/>
+          <a:ext cx="0" cy="0"/>
+          <a:chOff x="0" y="0"/>
+          <a:chExt cx="0" cy="0"/>
+        </a:xfrm>
+      </p:grpSpPr>
+      <p:sp>
+        <p:nvSpPr>
+          <p:cNvPr id="3" name="內容版面配置區 2">
+            <a:extLst>
+              <a:ext uri="{FF2B5EF4-FFF2-40B4-BE49-F238E27FC236}">
+                <a16:creationId xmlns:a16="http://schemas.microsoft.com/office/drawing/2014/main" id="{193D95D7-A657-6AA8-8BA2-FAF67D371A32}"/>
+              </a:ext>
+            </a:extLst>
+          </p:cNvPr>
+          <p:cNvSpPr>
+            <a:spLocks noGrp="1"/>
+          </p:cNvSpPr>
+          <p:nvPr>
+            <p:ph idx="1"/>
+          </p:nvPr>
+        </p:nvSpPr>
+        <p:spPr>
+          <a:xfrm>
+            <a:off x="913795" y="320635"/>
+            <a:ext cx="10353762" cy="5470566"/>
+          </a:xfrm>
+        </p:spPr>
+        <p:txBody>
+          <a:bodyPr/>
+          <a:lstStyle/>
+          <a:p>
+            <a:pPr marL="36900" indent="0" algn="ctr">
+              <a:buNone/>
+            </a:pPr>
+            <a:r>
+              <a:rPr lang="zh-TW" altLang="en-US" b="1" dirty="0"/>
+              <a:t>結局</a:t>
+            </a:r>
+            <a:r>
+              <a:rPr lang="zh-TW" altLang="en-US" dirty="0"/>
+              <a:t>：以往被猛獸摧殘的靈魂得到了釋放，重獲自由，靈魂水晶也隨之破裂。</a:t>
+            </a:r>
+          </a:p>
+        </p:txBody>
+      </p:sp>
+      <p:pic>
+        <p:nvPicPr>
+          <p:cNvPr id="4" name="圖片 3">
+            <a:extLst>
+              <a:ext uri="{FF2B5EF4-FFF2-40B4-BE49-F238E27FC236}">
+                <a16:creationId xmlns:a16="http://schemas.microsoft.com/office/drawing/2014/main" id="{FBDEEACC-6F61-945F-0C36-01A8D7279E61}"/>
+              </a:ext>
+            </a:extLst>
+          </p:cNvPr>
+          <p:cNvPicPr>
+            <a:picLocks noChangeAspect="1"/>
+          </p:cNvPicPr>
+          <p:nvPr/>
+        </p:nvPicPr>
+        <p:blipFill>
+          <a:blip r:embed="rId2"/>
+          <a:stretch>
+            <a:fillRect/>
+          </a:stretch>
+        </p:blipFill>
+        <p:spPr>
+          <a:xfrm>
+            <a:off x="846117" y="954975"/>
+            <a:ext cx="5400000" cy="5400000"/>
+          </a:xfrm>
+          <a:prstGeom prst="rect">
+            <a:avLst/>
+          </a:prstGeom>
+        </p:spPr>
+      </p:pic>
+    </p:spTree>
+    <p:extLst>
+      <p:ext uri="{BB962C8B-B14F-4D97-AF65-F5344CB8AC3E}">
+        <p14:creationId xmlns:p14="http://schemas.microsoft.com/office/powerpoint/2010/main" val="3387739803"/>
+      </p:ext>
+    </p:extLst>
+  </p:cSld>
+  <p:clrMapOvr>
+    <a:masterClrMapping/>
+  </p:clrMapOvr>
+  <mc:AlternateContent xmlns:mc="http://schemas.openxmlformats.org/markup-compatibility/2006" xmlns:p14="http://schemas.microsoft.com/office/powerpoint/2010/main">
+    <mc:Choice Requires="p14">
+      <p:transition spd="slow" p14:dur="3000">
+        <p14:shred/>
+      </p:transition>
+    </mc:Choice>
+    <mc:Fallback xmlns="">
+      <p:transition spd="slow">
+        <p:fade/>
+      </p:transition>
+    </mc:Fallback>
+  </mc:AlternateContent>
+  <p:timing>
+    <p:tnLst>
+      <p:par>
+        <p:cTn id="1" dur="indefinite" restart="never" nodeType="tmRoot">
+          <p:childTnLst>
+            <p:seq concurrent="1" nextAc="seek">
+              <p:cTn id="2" dur="indefinite" nodeType="mainSeq">
+                <p:childTnLst>
+                  <p:par>
+                    <p:cTn id="3" fill="hold">
+                      <p:stCondLst>
+                        <p:cond delay="indefinite"/>
+                      </p:stCondLst>
+                      <p:childTnLst>
+                        <p:par>
+                          <p:cTn id="4" fill="hold">
+                            <p:stCondLst>
+                              <p:cond delay="0"/>
+                            </p:stCondLst>
+                            <p:childTnLst>
+                              <p:par>
+                                <p:cTn id="5" presetID="45" presetClass="entr" presetSubtype="0" fill="hold" nodeType="clickEffect">
+                                  <p:stCondLst>
+                                    <p:cond delay="0"/>
+                                  </p:stCondLst>
+                                  <p:childTnLst>
+                                    <p:set>
+                                      <p:cBhvr>
+                                        <p:cTn id="6" dur="1" fill="hold">
+                                          <p:stCondLst>
+                                            <p:cond delay="0"/>
+                                          </p:stCondLst>
+                                        </p:cTn>
+                                        <p:tgtEl>
+                                          <p:spTgt spid="4"/>
+                                        </p:tgtEl>
+                                        <p:attrNameLst>
+                                          <p:attrName>style.visibility</p:attrName>
+                                        </p:attrNameLst>
+                                      </p:cBhvr>
+                                      <p:to>
+                                        <p:strVal val="visible"/>
+                                      </p:to>
+                                    </p:set>
+                                    <p:animEffect transition="in" filter="fade">
+                                      <p:cBhvr>
+                                        <p:cTn id="7" dur="2000"/>
+                                        <p:tgtEl>
+                                          <p:spTgt spid="4"/>
+                                        </p:tgtEl>
+                                      </p:cBhvr>
+                                    </p:animEffect>
+                                    <p:anim calcmode="lin" valueType="num">
+                                      <p:cBhvr>
+                                        <p:cTn id="8" dur="2000" fill="hold"/>
+                                        <p:tgtEl>
+                                          <p:spTgt spid="4"/>
+                                        </p:tgtEl>
+                                        <p:attrNameLst>
+                                          <p:attrName>ppt_w</p:attrName>
+                                        </p:attrNameLst>
+                                      </p:cBhvr>
+                                      <p:tavLst>
+                                        <p:tav tm="0" fmla="#ppt_w*sin(2.5*pi*$)">
+                                          <p:val>
+                                            <p:fltVal val="0"/>
+                                          </p:val>
+                                        </p:tav>
+                                        <p:tav tm="100000">
+                                          <p:val>
+                                            <p:fltVal val="1"/>
+                                          </p:val>
+                                        </p:tav>
+                                      </p:tavLst>
+                                    </p:anim>
+                                    <p:anim calcmode="lin" valueType="num">
+                                      <p:cBhvr>
+                                        <p:cTn id="9" dur="2000" fill="hold"/>
+                                        <p:tgtEl>
+                                          <p:spTgt spid="4"/>
+                                        </p:tgtEl>
+                                        <p:attrNameLst>
+                                          <p:attrName>ppt_h</p:attrName>
+                                        </p:attrNameLst>
+                                      </p:cBhvr>
+                                      <p:tavLst>
+                                        <p:tav tm="0">
+                                          <p:val>
+                                            <p:strVal val="#ppt_h"/>
+                                          </p:val>
+                                        </p:tav>
+                                        <p:tav tm="100000">
+                                          <p:val>
+                                            <p:strVal val="#ppt_h"/>
+                                          </p:val>
+                                        </p:tav>
+                                      </p:tavLst>
+                                    </p:anim>
+                                  </p:childTnLst>
+                                </p:cTn>
+                              </p:par>
+                            </p:childTnLst>
+                          </p:cTn>
+                        </p:par>
+                      </p:childTnLst>
+                    </p:cTn>
+                  </p:par>
+                </p:childTnLst>
+              </p:cTn>
+              <p:prevCondLst>
+                <p:cond evt="onPrev" delay="0">
+                  <p:tgtEl>
+                    <p:sldTgt/>
+                  </p:tgtEl>
+                </p:cond>
+              </p:prevCondLst>
+              <p:nextCondLst>
+                <p:cond evt="onNext" delay="0">
+                  <p:tgtEl>
+                    <p:sldTgt/>
+                  </p:tgtEl>
+                </p:cond>
+              </p:nextCondLst>
+            </p:seq>
+          </p:childTnLst>
+        </p:cTn>
+      </p:par>
+    </p:tnLst>
+  </p:timing>
+</p:sld>
+</file>
+
+<file path=ppt/slides/slide9.xml><?xml version="1.0" encoding="utf-8"?>
+<p:sld xmlns:a="http://schemas.openxmlformats.org/drawingml/2006/main" xmlns:r="http://schemas.openxmlformats.org/officeDocument/2006/relationships" xmlns:p="http://schemas.openxmlformats.org/presentationml/2006/main">
+  <p:cSld>
+    <p:spTree>
+      <p:nvGrpSpPr>
+        <p:cNvPr id="1" name="">
+          <a:extLst>
+            <a:ext uri="{FF2B5EF4-FFF2-40B4-BE49-F238E27FC236}">
+              <a16:creationId xmlns:a16="http://schemas.microsoft.com/office/drawing/2014/main" id="{C896D123-0489-D47B-EDAA-48B71DCA1C22}"/>
+            </a:ext>
+          </a:extLst>
+        </p:cNvPr>
+        <p:cNvGrpSpPr/>
+        <p:nvPr/>
+      </p:nvGrpSpPr>
+      <p:grpSpPr>
+        <a:xfrm>
+          <a:off x="0" y="0"/>
+          <a:ext cx="0" cy="0"/>
+          <a:chOff x="0" y="0"/>
+          <a:chExt cx="0" cy="0"/>
+        </a:xfrm>
+      </p:grpSpPr>
+      <p:sp>
+        <p:nvSpPr>
+          <p:cNvPr id="2" name="標題 1">
+            <a:extLst>
+              <a:ext uri="{FF2B5EF4-FFF2-40B4-BE49-F238E27FC236}">
+                <a16:creationId xmlns:a16="http://schemas.microsoft.com/office/drawing/2014/main" id="{F0596271-FCEF-D2A2-C3CB-9FF66AF7220F}"/>
+              </a:ext>
+            </a:extLst>
+          </p:cNvPr>
+          <p:cNvSpPr>
+            <a:spLocks noGrp="1"/>
+          </p:cNvSpPr>
+          <p:nvPr>
+            <p:ph type="ctrTitle"/>
+          </p:nvPr>
+        </p:nvSpPr>
+        <p:spPr>
+          <a:xfrm>
+            <a:off x="1168812" y="2220803"/>
+            <a:ext cx="5107297" cy="1828801"/>
+          </a:xfrm>
+        </p:spPr>
+        <p:txBody>
+          <a:bodyPr>
+            <a:normAutofit/>
+          </a:bodyPr>
+          <a:lstStyle/>
+          <a:p>
+            <a:r>
+              <a:rPr lang="zh-TW" altLang="en-US" sz="6000" dirty="0"/>
+              <a:t>謝謝大家</a:t>
+            </a:r>
+          </a:p>
+        </p:txBody>
+      </p:sp>
+    </p:spTree>
+    <p:extLst>
+      <p:ext uri="{BB962C8B-B14F-4D97-AF65-F5344CB8AC3E}">
+        <p14:creationId xmlns:p14="http://schemas.microsoft.com/office/powerpoint/2010/main" val="1024763177"/>
       </p:ext>
     </p:extLst>
   </p:cSld>
@@ -3385,9 +7802,9 @@
 </file>
 
 <file path=ppt/theme/theme1.xml><?xml version="1.0" encoding="utf-8"?>
-<a:theme xmlns:a="http://schemas.openxmlformats.org/drawingml/2006/main" name="Office 佈景主題">
+<a:theme xmlns:a="http://schemas.openxmlformats.org/drawingml/2006/main" name="石板">
   <a:themeElements>
-    <a:clrScheme name="Office">
+    <a:clrScheme name="石板">
       <a:dk1>
         <a:sysClr val="windowText" lastClr="000000"/>
       </a:dk1>
@@ -3395,97 +7812,45 @@
         <a:sysClr val="window" lastClr="FFFFFF"/>
       </a:lt1>
       <a:dk2>
-        <a:srgbClr val="44546A"/>
+        <a:srgbClr val="212123"/>
       </a:dk2>
       <a:lt2>
-        <a:srgbClr val="E7E6E6"/>
+        <a:srgbClr val="DADADA"/>
       </a:lt2>
       <a:accent1>
-        <a:srgbClr val="4472C4"/>
+        <a:srgbClr val="BC451B"/>
       </a:accent1>
       <a:accent2>
-        <a:srgbClr val="ED7D31"/>
+        <a:srgbClr val="D3BA68"/>
       </a:accent2>
       <a:accent3>
-        <a:srgbClr val="A5A5A5"/>
+        <a:srgbClr val="BB8640"/>
       </a:accent3>
       <a:accent4>
-        <a:srgbClr val="FFC000"/>
+        <a:srgbClr val="AD9277"/>
       </a:accent4>
       <a:accent5>
-        <a:srgbClr val="5B9BD5"/>
+        <a:srgbClr val="A55A43"/>
       </a:accent5>
       <a:accent6>
-        <a:srgbClr val="70AD47"/>
+        <a:srgbClr val="AD9D7B"/>
       </a:accent6>
       <a:hlink>
-        <a:srgbClr val="0563C1"/>
+        <a:srgbClr val="E98052"/>
       </a:hlink>
       <a:folHlink>
-        <a:srgbClr val="954F72"/>
+        <a:srgbClr val="F4B69B"/>
       </a:folHlink>
     </a:clrScheme>
-    <a:fontScheme name="Office">
+    <a:fontScheme name="石板">
       <a:majorFont>
-        <a:latin typeface="Calibri Light" panose="020F0302020204030204"/>
+        <a:latin typeface="Calisto MT" panose="02040603050505030304"/>
         <a:ea typeface=""/>
         <a:cs typeface=""/>
-        <a:font script="Jpan" typeface="游ゴシック Light"/>
-        <a:font script="Hang" typeface="맑은 고딕"/>
-        <a:font script="Hans" typeface="等线 Light"/>
-        <a:font script="Hant" typeface="新細明體"/>
-        <a:font script="Arab" typeface="Times New Roman"/>
-        <a:font script="Hebr" typeface="Times New Roman"/>
-        <a:font script="Thai" typeface="Angsana New"/>
-        <a:font script="Ethi" typeface="Nyala"/>
-        <a:font script="Beng" typeface="Vrinda"/>
-        <a:font script="Gujr" typeface="Shruti"/>
-        <a:font script="Khmr" typeface="MoolBoran"/>
-        <a:font script="Knda" typeface="Tunga"/>
-        <a:font script="Guru" typeface="Raavi"/>
-        <a:font script="Cans" typeface="Euphemia"/>
-        <a:font script="Cher" typeface="Plantagenet Cherokee"/>
-        <a:font script="Yiii" typeface="Microsoft Yi Baiti"/>
-        <a:font script="Tibt" typeface="Microsoft Himalaya"/>
-        <a:font script="Thaa" typeface="MV Boli"/>
-        <a:font script="Deva" typeface="Mangal"/>
-        <a:font script="Telu" typeface="Gautami"/>
-        <a:font script="Taml" typeface="Latha"/>
-        <a:font script="Syrc" typeface="Estrangelo Edessa"/>
-        <a:font script="Orya" typeface="Kalinga"/>
-        <a:font script="Mlym" typeface="Kartika"/>
-        <a:font script="Laoo" typeface="DokChampa"/>
-        <a:font script="Sinh" typeface="Iskoola Pota"/>
-        <a:font script="Mong" typeface="Mongolian Baiti"/>
-        <a:font script="Viet" typeface="Times New Roman"/>
-        <a:font script="Uigh" typeface="Microsoft Uighur"/>
-        <a:font script="Geor" typeface="Sylfaen"/>
-        <a:font script="Armn" typeface="Arial"/>
-        <a:font script="Bugi" typeface="Leelawadee UI"/>
-        <a:font script="Bopo" typeface="Microsoft JhengHei"/>
-        <a:font script="Java" typeface="Javanese Text"/>
-        <a:font script="Lisu" typeface="Segoe UI"/>
-        <a:font script="Mymr" typeface="Myanmar Text"/>
-        <a:font script="Nkoo" typeface="Ebrima"/>
-        <a:font script="Olck" typeface="Nirmala UI"/>
-        <a:font script="Osma" typeface="Ebrima"/>
-        <a:font script="Phag" typeface="Phagspa"/>
-        <a:font script="Syrn" typeface="Estrangelo Edessa"/>
-        <a:font script="Syrj" typeface="Estrangelo Edessa"/>
-        <a:font script="Syre" typeface="Estrangelo Edessa"/>
-        <a:font script="Sora" typeface="Nirmala UI"/>
-        <a:font script="Tale" typeface="Microsoft Tai Le"/>
-        <a:font script="Talu" typeface="Microsoft New Tai Lue"/>
-        <a:font script="Tfng" typeface="Ebrima"/>
-      </a:majorFont>
-      <a:minorFont>
-        <a:latin typeface="Calibri" panose="020F0502020204030204"/>
-        <a:ea typeface=""/>
-        <a:cs typeface=""/>
-        <a:font script="Jpan" typeface="游ゴシック"/>
-        <a:font script="Hang" typeface="맑은 고딕"/>
-        <a:font script="Hans" typeface="等线"/>
-        <a:font script="Hant" typeface="新細明體"/>
+        <a:font script="Jpan" typeface="ＭＳ Ｐゴシック"/>
+        <a:font script="Hang" typeface="돋움"/>
+        <a:font script="Hans" typeface="方正舒体"/>
+        <a:font script="Hant" typeface="微軟正黑體"/>
         <a:font script="Arab" typeface="Arial"/>
         <a:font script="Hebr" typeface="Arial"/>
         <a:font script="Thai" typeface="Cordia New"/>
@@ -3512,26 +7877,44 @@
         <a:font script="Viet" typeface="Arial"/>
         <a:font script="Uigh" typeface="Microsoft Uighur"/>
         <a:font script="Geor" typeface="Sylfaen"/>
-        <a:font script="Armn" typeface="Arial"/>
-        <a:font script="Bugi" typeface="Leelawadee UI"/>
-        <a:font script="Bopo" typeface="Microsoft JhengHei"/>
-        <a:font script="Java" typeface="Javanese Text"/>
-        <a:font script="Lisu" typeface="Segoe UI"/>
-        <a:font script="Mymr" typeface="Myanmar Text"/>
-        <a:font script="Nkoo" typeface="Ebrima"/>
-        <a:font script="Olck" typeface="Nirmala UI"/>
-        <a:font script="Osma" typeface="Ebrima"/>
-        <a:font script="Phag" typeface="Phagspa"/>
-        <a:font script="Syrn" typeface="Estrangelo Edessa"/>
-        <a:font script="Syrj" typeface="Estrangelo Edessa"/>
-        <a:font script="Syre" typeface="Estrangelo Edessa"/>
-        <a:font script="Sora" typeface="Nirmala UI"/>
-        <a:font script="Tale" typeface="Microsoft Tai Le"/>
-        <a:font script="Talu" typeface="Microsoft New Tai Lue"/>
-        <a:font script="Tfng" typeface="Ebrima"/>
+      </a:majorFont>
+      <a:minorFont>
+        <a:latin typeface="Calisto MT" panose="02040603050505030304"/>
+        <a:ea typeface=""/>
+        <a:cs typeface=""/>
+        <a:font script="Jpan" typeface="ＭＳ Ｐゴシック"/>
+        <a:font script="Hang" typeface="돋움"/>
+        <a:font script="Hans" typeface="方正舒体"/>
+        <a:font script="Hant" typeface="微軟正黑體"/>
+        <a:font script="Arab" typeface="Arial"/>
+        <a:font script="Hebr" typeface="Arial"/>
+        <a:font script="Thai" typeface="Cordia New"/>
+        <a:font script="Ethi" typeface="Nyala"/>
+        <a:font script="Beng" typeface="Vrinda"/>
+        <a:font script="Gujr" typeface="Shruti"/>
+        <a:font script="Khmr" typeface="DaunPenh"/>
+        <a:font script="Knda" typeface="Tunga"/>
+        <a:font script="Guru" typeface="Raavi"/>
+        <a:font script="Cans" typeface="Euphemia"/>
+        <a:font script="Cher" typeface="Plantagenet Cherokee"/>
+        <a:font script="Yiii" typeface="Microsoft Yi Baiti"/>
+        <a:font script="Tibt" typeface="Microsoft Himalaya"/>
+        <a:font script="Thaa" typeface="MV Boli"/>
+        <a:font script="Deva" typeface="Mangal"/>
+        <a:font script="Telu" typeface="Gautami"/>
+        <a:font script="Taml" typeface="Latha"/>
+        <a:font script="Syrc" typeface="Estrangelo Edessa"/>
+        <a:font script="Orya" typeface="Kalinga"/>
+        <a:font script="Mlym" typeface="Kartika"/>
+        <a:font script="Laoo" typeface="DokChampa"/>
+        <a:font script="Sinh" typeface="Iskoola Pota"/>
+        <a:font script="Mong" typeface="Mongolian Baiti"/>
+        <a:font script="Viet" typeface="Arial"/>
+        <a:font script="Uigh" typeface="Microsoft Uighur"/>
+        <a:font script="Geor" typeface="Sylfaen"/>
       </a:minorFont>
     </a:fontScheme>
-    <a:fmtScheme name="Office">
+    <a:fmtScheme name="石板">
       <a:fillStyleLst>
         <a:solidFill>
           <a:schemeClr val="phClr"/>
@@ -3540,23 +7923,13 @@
           <a:gsLst>
             <a:gs pos="0">
               <a:schemeClr val="phClr">
+                <a:tint val="60000"/>
                 <a:lumMod val="110000"/>
-                <a:satMod val="105000"/>
-                <a:tint val="67000"/>
-              </a:schemeClr>
-            </a:gs>
-            <a:gs pos="50000">
-              <a:schemeClr val="phClr">
-                <a:lumMod val="105000"/>
-                <a:satMod val="103000"/>
-                <a:tint val="73000"/>
               </a:schemeClr>
             </a:gs>
             <a:gs pos="100000">
               <a:schemeClr val="phClr">
-                <a:lumMod val="105000"/>
-                <a:satMod val="109000"/>
-                <a:tint val="81000"/>
+                <a:tint val="88000"/>
               </a:schemeClr>
             </a:gs>
           </a:gsLst>
@@ -3566,23 +7939,14 @@
           <a:gsLst>
             <a:gs pos="0">
               <a:schemeClr val="phClr">
-                <a:satMod val="103000"/>
-                <a:lumMod val="102000"/>
-                <a:tint val="94000"/>
-              </a:schemeClr>
-            </a:gs>
-            <a:gs pos="50000">
-              <a:schemeClr val="phClr">
-                <a:satMod val="110000"/>
-                <a:lumMod val="100000"/>
-                <a:shade val="100000"/>
+                <a:tint val="96000"/>
+                <a:lumMod val="104000"/>
               </a:schemeClr>
             </a:gs>
             <a:gs pos="100000">
               <a:schemeClr val="phClr">
-                <a:lumMod val="99000"/>
-                <a:satMod val="120000"/>
-                <a:shade val="78000"/>
+                <a:shade val="90000"/>
+                <a:lumMod val="90000"/>
               </a:schemeClr>
             </a:gs>
           </a:gsLst>
@@ -3590,26 +7954,25 @@
         </a:gradFill>
       </a:fillStyleLst>
       <a:lnStyleLst>
-        <a:ln w="6350" cap="flat" cmpd="sng" algn="ctr">
+        <a:ln w="9525" cap="rnd" cmpd="sng" algn="ctr">
+          <a:solidFill>
+            <a:schemeClr val="phClr">
+              <a:shade val="90000"/>
+            </a:schemeClr>
+          </a:solidFill>
+          <a:prstDash val="solid"/>
+        </a:ln>
+        <a:ln w="15875" cap="rnd" cmpd="sng" algn="ctr">
           <a:solidFill>
             <a:schemeClr val="phClr"/>
           </a:solidFill>
           <a:prstDash val="solid"/>
-          <a:miter lim="800000"/>
         </a:ln>
-        <a:ln w="12700" cap="flat" cmpd="sng" algn="ctr">
+        <a:ln w="25400" cap="rnd" cmpd="sng" algn="ctr">
           <a:solidFill>
             <a:schemeClr val="phClr"/>
           </a:solidFill>
           <a:prstDash val="solid"/>
-          <a:miter lim="800000"/>
-        </a:ln>
-        <a:ln w="19050" cap="flat" cmpd="sng" algn="ctr">
-          <a:solidFill>
-            <a:schemeClr val="phClr"/>
-          </a:solidFill>
-          <a:prstDash val="solid"/>
-          <a:miter lim="800000"/>
         </a:ln>
       </a:lnStyleLst>
       <a:effectStyleLst>
@@ -3617,16 +7980,33 @@
           <a:effectLst/>
         </a:effectStyle>
         <a:effectStyle>
-          <a:effectLst/>
+          <a:effectLst>
+            <a:outerShdw blurRad="63500" dist="25400" dir="5400000" rotWithShape="0">
+              <a:srgbClr val="000000">
+                <a:alpha val="60000"/>
+              </a:srgbClr>
+            </a:outerShdw>
+          </a:effectLst>
         </a:effectStyle>
         <a:effectStyle>
           <a:effectLst>
-            <a:outerShdw blurRad="57150" dist="19050" dir="5400000" algn="ctr" rotWithShape="0">
+            <a:outerShdw blurRad="76200" dist="38100" dir="5400000" rotWithShape="0">
               <a:srgbClr val="000000">
-                <a:alpha val="63000"/>
+                <a:alpha val="75000"/>
               </a:srgbClr>
             </a:outerShdw>
           </a:effectLst>
+          <a:scene3d>
+            <a:camera prst="orthographicFront">
+              <a:rot lat="0" lon="0" rev="0"/>
+            </a:camera>
+            <a:lightRig rig="threePt" dir="t">
+              <a:rot lat="0" lon="0" rev="1200000"/>
+            </a:lightRig>
+          </a:scene3d>
+          <a:sp3d>
+            <a:bevelT w="63500" h="25400" prst="hardEdge"/>
+          </a:sp3d>
         </a:effectStyle>
       </a:effectStyleLst>
       <a:bgFillStyleLst>
@@ -3634,38 +8014,22 @@
           <a:schemeClr val="phClr"/>
         </a:solidFill>
         <a:solidFill>
-          <a:schemeClr val="phClr">
-            <a:tint val="95000"/>
-            <a:satMod val="170000"/>
-          </a:schemeClr>
+          <a:schemeClr val="phClr"/>
         </a:solidFill>
-        <a:gradFill rotWithShape="1">
-          <a:gsLst>
-            <a:gs pos="0">
+        <a:blipFill rotWithShape="1">
+          <a:blip xmlns:r="http://schemas.openxmlformats.org/officeDocument/2006/relationships" r:embed="rId1">
+            <a:duotone>
               <a:schemeClr val="phClr">
-                <a:tint val="93000"/>
-                <a:satMod val="150000"/>
-                <a:shade val="98000"/>
-                <a:lumMod val="102000"/>
+                <a:shade val="80000"/>
+                <a:lumMod val="80000"/>
               </a:schemeClr>
-            </a:gs>
-            <a:gs pos="50000">
               <a:schemeClr val="phClr">
                 <a:tint val="98000"/>
-                <a:satMod val="130000"/>
-                <a:shade val="90000"/>
-                <a:lumMod val="103000"/>
               </a:schemeClr>
-            </a:gs>
-            <a:gs pos="100000">
-              <a:schemeClr val="phClr">
-                <a:shade val="63000"/>
-                <a:satMod val="120000"/>
-              </a:schemeClr>
-            </a:gs>
-          </a:gsLst>
-          <a:lin ang="5400000" scaled="0"/>
-        </a:gradFill>
+            </a:duotone>
+          </a:blip>
+          <a:stretch/>
+        </a:blipFill>
       </a:bgFillStyleLst>
     </a:fmtScheme>
   </a:themeElements>
@@ -3673,7 +8037,7 @@
   <a:extraClrSchemeLst/>
   <a:extLst>
     <a:ext uri="{05A4C25C-085E-4340-85A3-A5531E510DB2}">
-      <thm15:themeFamily xmlns:thm15="http://schemas.microsoft.com/office/thememl/2012/main" name="Office Theme" id="{62F939B6-93AF-4DB8-9C6B-D6C7DFDC589F}" vid="{4A3C46E8-61CC-4603-A589-7422A47A8E4A}"/>
+      <thm15:themeFamily xmlns:thm15="http://schemas.microsoft.com/office/thememl/2012/main" name="Slate" id="{C3F70B94-7CE9-428E-ADC1-3269CC2C3385}" vid="{3F2DE9A5-64E6-437C-A389-CC4477E817E8}"/>
     </a:ext>
   </a:extLst>
 </a:theme>
